--- a/Presentations/XNAInvadersFromSpace/XNAInvadersFromSpace.pptx
+++ b/Presentations/XNAInvadersFromSpace/XNAInvadersFromSpace.pptx
@@ -3,14 +3,15 @@
 <p:presentation xmlns:a="http://schemas.openxmlformats.org/drawingml/2006/main" xmlns:r="http://schemas.openxmlformats.org/officeDocument/2006/relationships" xmlns:p="http://schemas.openxmlformats.org/presentationml/2006/main" saveSubsetFonts="1">
   <p:sldMasterIdLst>
     <p:sldMasterId id="2147483684" r:id="rId1"/>
+    <p:sldMasterId id="2147483696" r:id="rId2"/>
   </p:sldMasterIdLst>
   <p:notesMasterIdLst>
-    <p:notesMasterId r:id="rId5"/>
+    <p:notesMasterId r:id="rId6"/>
   </p:notesMasterIdLst>
   <p:sldIdLst>
-    <p:sldId id="256" r:id="rId2"/>
-    <p:sldId id="258" r:id="rId3"/>
-    <p:sldId id="259" r:id="rId4"/>
+    <p:sldId id="260" r:id="rId3"/>
+    <p:sldId id="258" r:id="rId4"/>
+    <p:sldId id="259" r:id="rId5"/>
   </p:sldIdLst>
   <p:sldSz cx="9144000" cy="6858000" type="screen4x3"/>
   <p:notesSz cx="6858000" cy="9144000"/>
@@ -195,7 +196,7 @@
             <a:fld id="{8C7EA6FC-0676-4AE5-8821-D00970A7E3FA}" type="datetimeFigureOut">
               <a:rPr lang="en-US" smtClean="0"/>
               <a:pPr/>
-              <a:t>8/15/2011</a:t>
+              <a:t>8/27/2012</a:t>
             </a:fld>
             <a:endParaRPr lang="en-US"/>
           </a:p>
@@ -364,6 +365,11 @@
         </p:txBody>
       </p:sp>
     </p:spTree>
+    <p:extLst>
+      <p:ext uri="{BB962C8B-B14F-4D97-AF65-F5344CB8AC3E}">
+        <p14:creationId xmlns:p14="http://schemas.microsoft.com/office/powerpoint/2010/main" val="2380837950"/>
+      </p:ext>
+    </p:extLst>
   </p:cSld>
   <p:clrMap bg1="lt1" tx1="dk1" bg2="lt2" tx2="dk2" accent1="accent1" accent2="accent2" accent3="accent3" accent4="accent4" accent5="accent5" accent6="accent6" hlink="hlink" folHlink="folHlink"/>
   <p:notesStyle>
@@ -643,7 +649,7 @@
             <a:fld id="{43E31EED-63AD-42FE-9295-013FE4A3F9B7}" type="datetimeFigureOut">
               <a:rPr lang="en-US" smtClean="0"/>
               <a:pPr/>
-              <a:t>8/15/2011</a:t>
+              <a:t>8/27/2012</a:t>
             </a:fld>
             <a:endParaRPr lang="en-US"/>
           </a:p>
@@ -810,7 +816,7 @@
             <a:fld id="{43E31EED-63AD-42FE-9295-013FE4A3F9B7}" type="datetimeFigureOut">
               <a:rPr lang="en-US" smtClean="0"/>
               <a:pPr/>
-              <a:t>8/15/2011</a:t>
+              <a:t>8/27/2012</a:t>
             </a:fld>
             <a:endParaRPr lang="en-US"/>
           </a:p>
@@ -987,7 +993,7 @@
             <a:fld id="{43E31EED-63AD-42FE-9295-013FE4A3F9B7}" type="datetimeFigureOut">
               <a:rPr lang="en-US" smtClean="0"/>
               <a:pPr/>
-              <a:t>8/15/2011</a:t>
+              <a:t>8/27/2012</a:t>
             </a:fld>
             <a:endParaRPr lang="en-US"/>
           </a:p>
@@ -1037,6 +1043,3246 @@
         </p:txBody>
       </p:sp>
     </p:spTree>
+  </p:cSld>
+  <p:clrMapOvr>
+    <a:masterClrMapping/>
+  </p:clrMapOvr>
+</p:sldLayout>
+</file>
+
+<file path=ppt/slideLayouts/slideLayout12.xml><?xml version="1.0" encoding="utf-8"?>
+<p:sldLayout xmlns:a="http://schemas.openxmlformats.org/drawingml/2006/main" xmlns:r="http://schemas.openxmlformats.org/officeDocument/2006/relationships" xmlns:p="http://schemas.openxmlformats.org/presentationml/2006/main" type="title" preserve="1">
+  <p:cSld name="Title Slide">
+    <p:bg>
+      <p:bgRef idx="1003">
+        <a:schemeClr val="bg1"/>
+      </p:bgRef>
+    </p:bg>
+    <p:spTree>
+      <p:nvGrpSpPr>
+        <p:cNvPr id="1" name=""/>
+        <p:cNvGrpSpPr/>
+        <p:nvPr/>
+      </p:nvGrpSpPr>
+      <p:grpSpPr>
+        <a:xfrm>
+          <a:off x="0" y="0"/>
+          <a:ext cx="0" cy="0"/>
+          <a:chOff x="0" y="0"/>
+          <a:chExt cx="0" cy="0"/>
+        </a:xfrm>
+      </p:grpSpPr>
+      <p:sp>
+        <p:nvSpPr>
+          <p:cNvPr id="4" name="TextBox 6"/>
+          <p:cNvSpPr txBox="1">
+            <a:spLocks noChangeArrowheads="1"/>
+          </p:cNvSpPr>
+          <p:nvPr/>
+        </p:nvSpPr>
+        <p:spPr bwMode="auto">
+          <a:xfrm>
+            <a:off x="8293100" y="5803900"/>
+            <a:ext cx="366713" cy="677863"/>
+          </a:xfrm>
+          <a:prstGeom prst="rect">
+            <a:avLst/>
+          </a:prstGeom>
+          <a:noFill/>
+          <a:ln>
+            <a:noFill/>
+          </a:ln>
+          <a:extLst>
+            <a:ext uri="{909E8E84-426E-40DD-AFC4-6F175D3DCCD1}">
+              <a14:hiddenFill xmlns:a14="http://schemas.microsoft.com/office/drawing/2010/main">
+                <a:solidFill>
+                  <a:srgbClr val="FFFFFF"/>
+                </a:solidFill>
+              </a14:hiddenFill>
+            </a:ext>
+            <a:ext uri="{91240B29-F687-4F45-9708-019B960494DF}">
+              <a14:hiddenLine xmlns:a14="http://schemas.microsoft.com/office/drawing/2010/main" w="9525">
+                <a:solidFill>
+                  <a:srgbClr val="000000"/>
+                </a:solidFill>
+                <a:miter lim="800000"/>
+                <a:headEnd/>
+                <a:tailEnd/>
+              </a14:hiddenLine>
+            </a:ext>
+          </a:extLst>
+        </p:spPr>
+        <p:txBody>
+          <a:bodyPr wrap="none" lIns="0" tIns="0" rIns="0" bIns="0">
+            <a:spAutoFit/>
+          </a:bodyPr>
+          <a:lstStyle>
+            <a:lvl1pPr>
+              <a:defRPr>
+                <a:solidFill>
+                  <a:schemeClr val="tx1"/>
+                </a:solidFill>
+                <a:latin typeface="Calisto MT" pitchFamily="18" charset="0"/>
+                <a:ea typeface="MS PGothic" pitchFamily="34" charset="-128"/>
+              </a:defRPr>
+            </a:lvl1pPr>
+            <a:lvl2pPr marL="742950" indent="-285750">
+              <a:defRPr>
+                <a:solidFill>
+                  <a:schemeClr val="tx1"/>
+                </a:solidFill>
+                <a:latin typeface="Calisto MT" pitchFamily="18" charset="0"/>
+                <a:ea typeface="MS PGothic" pitchFamily="34" charset="-128"/>
+              </a:defRPr>
+            </a:lvl2pPr>
+            <a:lvl3pPr marL="1143000" indent="-228600">
+              <a:defRPr>
+                <a:solidFill>
+                  <a:schemeClr val="tx1"/>
+                </a:solidFill>
+                <a:latin typeface="Calisto MT" pitchFamily="18" charset="0"/>
+                <a:ea typeface="MS PGothic" pitchFamily="34" charset="-128"/>
+              </a:defRPr>
+            </a:lvl3pPr>
+            <a:lvl4pPr marL="1600200" indent="-228600">
+              <a:defRPr>
+                <a:solidFill>
+                  <a:schemeClr val="tx1"/>
+                </a:solidFill>
+                <a:latin typeface="Calisto MT" pitchFamily="18" charset="0"/>
+                <a:ea typeface="MS PGothic" pitchFamily="34" charset="-128"/>
+              </a:defRPr>
+            </a:lvl4pPr>
+            <a:lvl5pPr marL="2057400" indent="-228600">
+              <a:defRPr>
+                <a:solidFill>
+                  <a:schemeClr val="tx1"/>
+                </a:solidFill>
+                <a:latin typeface="Calisto MT" pitchFamily="18" charset="0"/>
+                <a:ea typeface="MS PGothic" pitchFamily="34" charset="-128"/>
+              </a:defRPr>
+            </a:lvl5pPr>
+            <a:lvl6pPr marL="2514600" indent="-228600" fontAlgn="base">
+              <a:spcBef>
+                <a:spcPct val="0"/>
+              </a:spcBef>
+              <a:spcAft>
+                <a:spcPct val="0"/>
+              </a:spcAft>
+              <a:defRPr>
+                <a:solidFill>
+                  <a:schemeClr val="tx1"/>
+                </a:solidFill>
+                <a:latin typeface="Calisto MT" pitchFamily="18" charset="0"/>
+                <a:ea typeface="MS PGothic" pitchFamily="34" charset="-128"/>
+              </a:defRPr>
+            </a:lvl6pPr>
+            <a:lvl7pPr marL="2971800" indent="-228600" fontAlgn="base">
+              <a:spcBef>
+                <a:spcPct val="0"/>
+              </a:spcBef>
+              <a:spcAft>
+                <a:spcPct val="0"/>
+              </a:spcAft>
+              <a:defRPr>
+                <a:solidFill>
+                  <a:schemeClr val="tx1"/>
+                </a:solidFill>
+                <a:latin typeface="Calisto MT" pitchFamily="18" charset="0"/>
+                <a:ea typeface="MS PGothic" pitchFamily="34" charset="-128"/>
+              </a:defRPr>
+            </a:lvl7pPr>
+            <a:lvl8pPr marL="3429000" indent="-228600" fontAlgn="base">
+              <a:spcBef>
+                <a:spcPct val="0"/>
+              </a:spcBef>
+              <a:spcAft>
+                <a:spcPct val="0"/>
+              </a:spcAft>
+              <a:defRPr>
+                <a:solidFill>
+                  <a:schemeClr val="tx1"/>
+                </a:solidFill>
+                <a:latin typeface="Calisto MT" pitchFamily="18" charset="0"/>
+                <a:ea typeface="MS PGothic" pitchFamily="34" charset="-128"/>
+              </a:defRPr>
+            </a:lvl8pPr>
+            <a:lvl9pPr marL="3886200" indent="-228600" fontAlgn="base">
+              <a:spcBef>
+                <a:spcPct val="0"/>
+              </a:spcBef>
+              <a:spcAft>
+                <a:spcPct val="0"/>
+              </a:spcAft>
+              <a:defRPr>
+                <a:solidFill>
+                  <a:schemeClr val="tx1"/>
+                </a:solidFill>
+                <a:latin typeface="Calisto MT" pitchFamily="18" charset="0"/>
+                <a:ea typeface="MS PGothic" pitchFamily="34" charset="-128"/>
+              </a:defRPr>
+            </a:lvl9pPr>
+          </a:lstStyle>
+          <a:p>
+            <a:pPr fontAlgn="base">
+              <a:spcBef>
+                <a:spcPct val="0"/>
+              </a:spcBef>
+              <a:spcAft>
+                <a:spcPct val="0"/>
+              </a:spcAft>
+            </a:pPr>
+            <a:r>
+              <a:rPr lang="en-US" sz="4400" smtClean="0">
+                <a:solidFill>
+                  <a:srgbClr val="80B606"/>
+                </a:solidFill>
+                <a:latin typeface="Wingdings" pitchFamily="2" charset="2"/>
+              </a:rPr>
+              <a:t>S</a:t>
+            </a:r>
+          </a:p>
+        </p:txBody>
+      </p:sp>
+      <p:sp>
+        <p:nvSpPr>
+          <p:cNvPr id="2" name="Title 1"/>
+          <p:cNvSpPr>
+            <a:spLocks noGrp="1"/>
+          </p:cNvSpPr>
+          <p:nvPr>
+            <p:ph type="ctrTitle"/>
+          </p:nvPr>
+        </p:nvSpPr>
+        <p:spPr>
+          <a:xfrm>
+            <a:off x="457199" y="1295400"/>
+            <a:ext cx="8228013" cy="1927225"/>
+          </a:xfrm>
+        </p:spPr>
+        <p:txBody>
+          <a:bodyPr tIns="0" bIns="0" anchor="b"/>
+          <a:lstStyle>
+            <a:lvl1pPr>
+              <a:defRPr sz="6000">
+                <a:solidFill>
+                  <a:schemeClr val="bg1"/>
+                </a:solidFill>
+              </a:defRPr>
+            </a:lvl1pPr>
+          </a:lstStyle>
+          <a:p>
+            <a:r>
+              <a:rPr lang="en-US" smtClean="0"/>
+              <a:t>Click to edit Master title style</a:t>
+            </a:r>
+            <a:endParaRPr/>
+          </a:p>
+        </p:txBody>
+      </p:sp>
+      <p:sp>
+        <p:nvSpPr>
+          <p:cNvPr id="3" name="Subtitle 2"/>
+          <p:cNvSpPr>
+            <a:spLocks noGrp="1"/>
+          </p:cNvSpPr>
+          <p:nvPr>
+            <p:ph type="subTitle" idx="1"/>
+          </p:nvPr>
+        </p:nvSpPr>
+        <p:spPr>
+          <a:xfrm>
+            <a:off x="457199" y="3307976"/>
+            <a:ext cx="8228013" cy="1066800"/>
+          </a:xfrm>
+        </p:spPr>
+        <p:txBody>
+          <a:bodyPr tIns="0" bIns="0"/>
+          <a:lstStyle>
+            <a:lvl1pPr marL="0" indent="0" algn="ctr">
+              <a:spcBef>
+                <a:spcPts val="300"/>
+              </a:spcBef>
+              <a:buNone/>
+              <a:defRPr sz="1800">
+                <a:solidFill>
+                  <a:schemeClr val="bg1"/>
+                </a:solidFill>
+                <a:latin typeface="+mj-lt"/>
+              </a:defRPr>
+            </a:lvl1pPr>
+            <a:lvl2pPr marL="457200" indent="0" algn="ctr">
+              <a:buNone/>
+              <a:defRPr>
+                <a:solidFill>
+                  <a:schemeClr val="tx1">
+                    <a:tint val="75000"/>
+                  </a:schemeClr>
+                </a:solidFill>
+              </a:defRPr>
+            </a:lvl2pPr>
+            <a:lvl3pPr marL="914400" indent="0" algn="ctr">
+              <a:buNone/>
+              <a:defRPr>
+                <a:solidFill>
+                  <a:schemeClr val="tx1">
+                    <a:tint val="75000"/>
+                  </a:schemeClr>
+                </a:solidFill>
+              </a:defRPr>
+            </a:lvl3pPr>
+            <a:lvl4pPr marL="1371600" indent="0" algn="ctr">
+              <a:buNone/>
+              <a:defRPr>
+                <a:solidFill>
+                  <a:schemeClr val="tx1">
+                    <a:tint val="75000"/>
+                  </a:schemeClr>
+                </a:solidFill>
+              </a:defRPr>
+            </a:lvl4pPr>
+            <a:lvl5pPr marL="1828800" indent="0" algn="ctr">
+              <a:buNone/>
+              <a:defRPr>
+                <a:solidFill>
+                  <a:schemeClr val="tx1">
+                    <a:tint val="75000"/>
+                  </a:schemeClr>
+                </a:solidFill>
+              </a:defRPr>
+            </a:lvl5pPr>
+            <a:lvl6pPr marL="2286000" indent="0" algn="ctr">
+              <a:buNone/>
+              <a:defRPr>
+                <a:solidFill>
+                  <a:schemeClr val="tx1">
+                    <a:tint val="75000"/>
+                  </a:schemeClr>
+                </a:solidFill>
+              </a:defRPr>
+            </a:lvl6pPr>
+            <a:lvl7pPr marL="2743200" indent="0" algn="ctr">
+              <a:buNone/>
+              <a:defRPr>
+                <a:solidFill>
+                  <a:schemeClr val="tx1">
+                    <a:tint val="75000"/>
+                  </a:schemeClr>
+                </a:solidFill>
+              </a:defRPr>
+            </a:lvl7pPr>
+            <a:lvl8pPr marL="3200400" indent="0" algn="ctr">
+              <a:buNone/>
+              <a:defRPr>
+                <a:solidFill>
+                  <a:schemeClr val="tx1">
+                    <a:tint val="75000"/>
+                  </a:schemeClr>
+                </a:solidFill>
+              </a:defRPr>
+            </a:lvl8pPr>
+            <a:lvl9pPr marL="3657600" indent="0" algn="ctr">
+              <a:buNone/>
+              <a:defRPr>
+                <a:solidFill>
+                  <a:schemeClr val="tx1">
+                    <a:tint val="75000"/>
+                  </a:schemeClr>
+                </a:solidFill>
+              </a:defRPr>
+            </a:lvl9pPr>
+          </a:lstStyle>
+          <a:p>
+            <a:r>
+              <a:rPr lang="en-US" smtClean="0"/>
+              <a:t>Click to edit Master subtitle style</a:t>
+            </a:r>
+            <a:endParaRPr dirty="0"/>
+          </a:p>
+        </p:txBody>
+      </p:sp>
+      <p:sp>
+        <p:nvSpPr>
+          <p:cNvPr id="5" name="Date Placeholder 3"/>
+          <p:cNvSpPr>
+            <a:spLocks noGrp="1"/>
+          </p:cNvSpPr>
+          <p:nvPr>
+            <p:ph type="dt" sz="half" idx="10"/>
+          </p:nvPr>
+        </p:nvSpPr>
+        <p:spPr/>
+        <p:txBody>
+          <a:bodyPr/>
+          <a:lstStyle>
+            <a:lvl1pPr>
+              <a:defRPr/>
+            </a:lvl1pPr>
+          </a:lstStyle>
+          <a:p>
+            <a:fld id="{246C32BF-68C4-4D0B-A3F5-7E87FCB60113}" type="datetimeFigureOut">
+              <a:rPr lang="en-US"/>
+              <a:pPr/>
+              <a:t>8/27/2012</a:t>
+            </a:fld>
+            <a:endParaRPr lang="en-US"/>
+          </a:p>
+        </p:txBody>
+      </p:sp>
+      <p:sp>
+        <p:nvSpPr>
+          <p:cNvPr id="6" name="Footer Placeholder 4"/>
+          <p:cNvSpPr>
+            <a:spLocks noGrp="1"/>
+          </p:cNvSpPr>
+          <p:nvPr>
+            <p:ph type="ftr" sz="quarter" idx="11"/>
+          </p:nvPr>
+        </p:nvSpPr>
+        <p:spPr/>
+        <p:txBody>
+          <a:bodyPr/>
+          <a:lstStyle>
+            <a:lvl1pPr>
+              <a:defRPr/>
+            </a:lvl1pPr>
+          </a:lstStyle>
+          <a:p>
+            <a:pPr>
+              <a:defRPr/>
+            </a:pPr>
+            <a:endParaRPr lang="en-US">
+              <a:solidFill>
+                <a:prstClr val="black">
+                  <a:lumMod val="50000"/>
+                  <a:lumOff val="50000"/>
+                </a:prstClr>
+              </a:solidFill>
+            </a:endParaRPr>
+          </a:p>
+        </p:txBody>
+      </p:sp>
+      <p:sp>
+        <p:nvSpPr>
+          <p:cNvPr id="7" name="Slide Number Placeholder 5"/>
+          <p:cNvSpPr>
+            <a:spLocks noGrp="1"/>
+          </p:cNvSpPr>
+          <p:nvPr>
+            <p:ph type="sldNum" sz="quarter" idx="12"/>
+          </p:nvPr>
+        </p:nvSpPr>
+        <p:spPr/>
+        <p:txBody>
+          <a:bodyPr/>
+          <a:lstStyle>
+            <a:lvl1pPr>
+              <a:defRPr/>
+            </a:lvl1pPr>
+          </a:lstStyle>
+          <a:p>
+            <a:fld id="{267C20AE-A642-4784-A4FD-BEBFAB1993D2}" type="slidenum">
+              <a:rPr lang="en-US"/>
+              <a:pPr/>
+              <a:t>‹#›</a:t>
+            </a:fld>
+            <a:endParaRPr lang="en-US"/>
+          </a:p>
+        </p:txBody>
+      </p:sp>
+    </p:spTree>
+    <p:extLst>
+      <p:ext uri="{BB962C8B-B14F-4D97-AF65-F5344CB8AC3E}">
+        <p14:creationId xmlns:p14="http://schemas.microsoft.com/office/powerpoint/2010/main" val="431864034"/>
+      </p:ext>
+    </p:extLst>
+  </p:cSld>
+  <p:clrMapOvr>
+    <a:overrideClrMapping bg1="lt1" tx1="dk1" bg2="lt2" tx2="dk2" accent1="accent1" accent2="accent2" accent3="accent3" accent4="accent4" accent5="accent5" accent6="accent6" hlink="hlink" folHlink="folHlink"/>
+  </p:clrMapOvr>
+</p:sldLayout>
+</file>
+
+<file path=ppt/slideLayouts/slideLayout13.xml><?xml version="1.0" encoding="utf-8"?>
+<p:sldLayout xmlns:a="http://schemas.openxmlformats.org/drawingml/2006/main" xmlns:r="http://schemas.openxmlformats.org/officeDocument/2006/relationships" xmlns:p="http://schemas.openxmlformats.org/presentationml/2006/main" type="obj" preserve="1">
+  <p:cSld name="Title and Content">
+    <p:spTree>
+      <p:nvGrpSpPr>
+        <p:cNvPr id="1" name=""/>
+        <p:cNvGrpSpPr/>
+        <p:nvPr/>
+      </p:nvGrpSpPr>
+      <p:grpSpPr>
+        <a:xfrm>
+          <a:off x="0" y="0"/>
+          <a:ext cx="0" cy="0"/>
+          <a:chOff x="0" y="0"/>
+          <a:chExt cx="0" cy="0"/>
+        </a:xfrm>
+      </p:grpSpPr>
+      <p:sp>
+        <p:nvSpPr>
+          <p:cNvPr id="2" name="Title 1"/>
+          <p:cNvSpPr>
+            <a:spLocks noGrp="1"/>
+          </p:cNvSpPr>
+          <p:nvPr>
+            <p:ph type="title"/>
+          </p:nvPr>
+        </p:nvSpPr>
+        <p:spPr/>
+        <p:txBody>
+          <a:bodyPr/>
+          <a:lstStyle/>
+          <a:p>
+            <a:r>
+              <a:rPr lang="en-US" smtClean="0"/>
+              <a:t>Click to edit Master title style</a:t>
+            </a:r>
+            <a:endParaRPr/>
+          </a:p>
+        </p:txBody>
+      </p:sp>
+      <p:sp>
+        <p:nvSpPr>
+          <p:cNvPr id="3" name="Content Placeholder 2"/>
+          <p:cNvSpPr>
+            <a:spLocks noGrp="1"/>
+          </p:cNvSpPr>
+          <p:nvPr>
+            <p:ph idx="1"/>
+          </p:nvPr>
+        </p:nvSpPr>
+        <p:spPr/>
+        <p:txBody>
+          <a:bodyPr/>
+          <a:lstStyle>
+            <a:lvl5pPr>
+              <a:defRPr/>
+            </a:lvl5pPr>
+          </a:lstStyle>
+          <a:p>
+            <a:pPr lvl="0"/>
+            <a:r>
+              <a:rPr lang="en-US" smtClean="0"/>
+              <a:t>Click to edit Master text styles</a:t>
+            </a:r>
+          </a:p>
+          <a:p>
+            <a:pPr lvl="1"/>
+            <a:r>
+              <a:rPr lang="en-US" smtClean="0"/>
+              <a:t>Second level</a:t>
+            </a:r>
+          </a:p>
+          <a:p>
+            <a:pPr lvl="2"/>
+            <a:r>
+              <a:rPr lang="en-US" smtClean="0"/>
+              <a:t>Third level</a:t>
+            </a:r>
+          </a:p>
+          <a:p>
+            <a:pPr lvl="3"/>
+            <a:r>
+              <a:rPr lang="en-US" smtClean="0"/>
+              <a:t>Fourth level</a:t>
+            </a:r>
+          </a:p>
+          <a:p>
+            <a:pPr lvl="4"/>
+            <a:r>
+              <a:rPr lang="en-US" smtClean="0"/>
+              <a:t>Fifth level</a:t>
+            </a:r>
+            <a:endParaRPr dirty="0"/>
+          </a:p>
+        </p:txBody>
+      </p:sp>
+      <p:sp>
+        <p:nvSpPr>
+          <p:cNvPr id="4" name="Date Placeholder 3"/>
+          <p:cNvSpPr>
+            <a:spLocks noGrp="1"/>
+          </p:cNvSpPr>
+          <p:nvPr>
+            <p:ph type="dt" sz="half" idx="10"/>
+          </p:nvPr>
+        </p:nvSpPr>
+        <p:spPr/>
+        <p:txBody>
+          <a:bodyPr/>
+          <a:lstStyle>
+            <a:lvl1pPr>
+              <a:defRPr/>
+            </a:lvl1pPr>
+          </a:lstStyle>
+          <a:p>
+            <a:fld id="{906E64B9-6A2D-4B74-B7E9-CC25C74EE6ED}" type="datetimeFigureOut">
+              <a:rPr lang="en-US"/>
+              <a:pPr/>
+              <a:t>8/27/2012</a:t>
+            </a:fld>
+            <a:endParaRPr lang="en-US"/>
+          </a:p>
+        </p:txBody>
+      </p:sp>
+      <p:sp>
+        <p:nvSpPr>
+          <p:cNvPr id="5" name="Footer Placeholder 4"/>
+          <p:cNvSpPr>
+            <a:spLocks noGrp="1"/>
+          </p:cNvSpPr>
+          <p:nvPr>
+            <p:ph type="ftr" sz="quarter" idx="11"/>
+          </p:nvPr>
+        </p:nvSpPr>
+        <p:spPr/>
+        <p:txBody>
+          <a:bodyPr/>
+          <a:lstStyle>
+            <a:lvl1pPr>
+              <a:defRPr/>
+            </a:lvl1pPr>
+          </a:lstStyle>
+          <a:p>
+            <a:pPr>
+              <a:defRPr/>
+            </a:pPr>
+            <a:endParaRPr lang="en-US">
+              <a:solidFill>
+                <a:prstClr val="black">
+                  <a:lumMod val="50000"/>
+                  <a:lumOff val="50000"/>
+                </a:prstClr>
+              </a:solidFill>
+            </a:endParaRPr>
+          </a:p>
+        </p:txBody>
+      </p:sp>
+      <p:sp>
+        <p:nvSpPr>
+          <p:cNvPr id="6" name="Slide Number Placeholder 5"/>
+          <p:cNvSpPr>
+            <a:spLocks noGrp="1"/>
+          </p:cNvSpPr>
+          <p:nvPr>
+            <p:ph type="sldNum" sz="quarter" idx="12"/>
+          </p:nvPr>
+        </p:nvSpPr>
+        <p:spPr/>
+        <p:txBody>
+          <a:bodyPr/>
+          <a:lstStyle>
+            <a:lvl1pPr>
+              <a:defRPr/>
+            </a:lvl1pPr>
+          </a:lstStyle>
+          <a:p>
+            <a:fld id="{CF39C050-5AB5-4878-9145-0269554D02D5}" type="slidenum">
+              <a:rPr lang="en-US"/>
+              <a:pPr/>
+              <a:t>‹#›</a:t>
+            </a:fld>
+            <a:endParaRPr lang="en-US"/>
+          </a:p>
+        </p:txBody>
+      </p:sp>
+    </p:spTree>
+    <p:extLst>
+      <p:ext uri="{BB962C8B-B14F-4D97-AF65-F5344CB8AC3E}">
+        <p14:creationId xmlns:p14="http://schemas.microsoft.com/office/powerpoint/2010/main" val="274058679"/>
+      </p:ext>
+    </p:extLst>
+  </p:cSld>
+  <p:clrMapOvr>
+    <a:masterClrMapping/>
+  </p:clrMapOvr>
+</p:sldLayout>
+</file>
+
+<file path=ppt/slideLayouts/slideLayout14.xml><?xml version="1.0" encoding="utf-8"?>
+<p:sldLayout xmlns:a="http://schemas.openxmlformats.org/drawingml/2006/main" xmlns:r="http://schemas.openxmlformats.org/officeDocument/2006/relationships" xmlns:p="http://schemas.openxmlformats.org/presentationml/2006/main" type="secHead" preserve="1">
+  <p:cSld name="Section Header">
+    <p:bg>
+      <p:bgPr>
+        <a:blipFill dpi="0" rotWithShape="0">
+          <a:blip r:embed="rId2"/>
+          <a:srcRect/>
+          <a:stretch>
+            <a:fillRect/>
+          </a:stretch>
+        </a:blipFill>
+        <a:effectLst/>
+      </p:bgPr>
+    </p:bg>
+    <p:spTree>
+      <p:nvGrpSpPr>
+        <p:cNvPr id="1" name=""/>
+        <p:cNvGrpSpPr/>
+        <p:nvPr/>
+      </p:nvGrpSpPr>
+      <p:grpSpPr>
+        <a:xfrm>
+          <a:off x="0" y="0"/>
+          <a:ext cx="0" cy="0"/>
+          <a:chOff x="0" y="0"/>
+          <a:chExt cx="0" cy="0"/>
+        </a:xfrm>
+      </p:grpSpPr>
+      <p:sp>
+        <p:nvSpPr>
+          <p:cNvPr id="4" name="TextBox 6"/>
+          <p:cNvSpPr txBox="1">
+            <a:spLocks noChangeArrowheads="1"/>
+          </p:cNvSpPr>
+          <p:nvPr/>
+        </p:nvSpPr>
+        <p:spPr bwMode="auto">
+          <a:xfrm>
+            <a:off x="8293100" y="5803900"/>
+            <a:ext cx="366713" cy="677863"/>
+          </a:xfrm>
+          <a:prstGeom prst="rect">
+            <a:avLst/>
+          </a:prstGeom>
+          <a:noFill/>
+          <a:ln>
+            <a:noFill/>
+          </a:ln>
+          <a:extLst>
+            <a:ext uri="{909E8E84-426E-40DD-AFC4-6F175D3DCCD1}">
+              <a14:hiddenFill xmlns:a14="http://schemas.microsoft.com/office/drawing/2010/main">
+                <a:solidFill>
+                  <a:srgbClr val="FFFFFF"/>
+                </a:solidFill>
+              </a14:hiddenFill>
+            </a:ext>
+            <a:ext uri="{91240B29-F687-4F45-9708-019B960494DF}">
+              <a14:hiddenLine xmlns:a14="http://schemas.microsoft.com/office/drawing/2010/main" w="9525">
+                <a:solidFill>
+                  <a:srgbClr val="000000"/>
+                </a:solidFill>
+                <a:miter lim="800000"/>
+                <a:headEnd/>
+                <a:tailEnd/>
+              </a14:hiddenLine>
+            </a:ext>
+          </a:extLst>
+        </p:spPr>
+        <p:txBody>
+          <a:bodyPr wrap="none" lIns="0" tIns="0" rIns="0" bIns="0">
+            <a:spAutoFit/>
+          </a:bodyPr>
+          <a:lstStyle>
+            <a:lvl1pPr>
+              <a:defRPr>
+                <a:solidFill>
+                  <a:schemeClr val="tx1"/>
+                </a:solidFill>
+                <a:latin typeface="Calisto MT" pitchFamily="18" charset="0"/>
+                <a:ea typeface="MS PGothic" pitchFamily="34" charset="-128"/>
+              </a:defRPr>
+            </a:lvl1pPr>
+            <a:lvl2pPr marL="742950" indent="-285750">
+              <a:defRPr>
+                <a:solidFill>
+                  <a:schemeClr val="tx1"/>
+                </a:solidFill>
+                <a:latin typeface="Calisto MT" pitchFamily="18" charset="0"/>
+                <a:ea typeface="MS PGothic" pitchFamily="34" charset="-128"/>
+              </a:defRPr>
+            </a:lvl2pPr>
+            <a:lvl3pPr marL="1143000" indent="-228600">
+              <a:defRPr>
+                <a:solidFill>
+                  <a:schemeClr val="tx1"/>
+                </a:solidFill>
+                <a:latin typeface="Calisto MT" pitchFamily="18" charset="0"/>
+                <a:ea typeface="MS PGothic" pitchFamily="34" charset="-128"/>
+              </a:defRPr>
+            </a:lvl3pPr>
+            <a:lvl4pPr marL="1600200" indent="-228600">
+              <a:defRPr>
+                <a:solidFill>
+                  <a:schemeClr val="tx1"/>
+                </a:solidFill>
+                <a:latin typeface="Calisto MT" pitchFamily="18" charset="0"/>
+                <a:ea typeface="MS PGothic" pitchFamily="34" charset="-128"/>
+              </a:defRPr>
+            </a:lvl4pPr>
+            <a:lvl5pPr marL="2057400" indent="-228600">
+              <a:defRPr>
+                <a:solidFill>
+                  <a:schemeClr val="tx1"/>
+                </a:solidFill>
+                <a:latin typeface="Calisto MT" pitchFamily="18" charset="0"/>
+                <a:ea typeface="MS PGothic" pitchFamily="34" charset="-128"/>
+              </a:defRPr>
+            </a:lvl5pPr>
+            <a:lvl6pPr marL="2514600" indent="-228600" fontAlgn="base">
+              <a:spcBef>
+                <a:spcPct val="0"/>
+              </a:spcBef>
+              <a:spcAft>
+                <a:spcPct val="0"/>
+              </a:spcAft>
+              <a:defRPr>
+                <a:solidFill>
+                  <a:schemeClr val="tx1"/>
+                </a:solidFill>
+                <a:latin typeface="Calisto MT" pitchFamily="18" charset="0"/>
+                <a:ea typeface="MS PGothic" pitchFamily="34" charset="-128"/>
+              </a:defRPr>
+            </a:lvl6pPr>
+            <a:lvl7pPr marL="2971800" indent="-228600" fontAlgn="base">
+              <a:spcBef>
+                <a:spcPct val="0"/>
+              </a:spcBef>
+              <a:spcAft>
+                <a:spcPct val="0"/>
+              </a:spcAft>
+              <a:defRPr>
+                <a:solidFill>
+                  <a:schemeClr val="tx1"/>
+                </a:solidFill>
+                <a:latin typeface="Calisto MT" pitchFamily="18" charset="0"/>
+                <a:ea typeface="MS PGothic" pitchFamily="34" charset="-128"/>
+              </a:defRPr>
+            </a:lvl7pPr>
+            <a:lvl8pPr marL="3429000" indent="-228600" fontAlgn="base">
+              <a:spcBef>
+                <a:spcPct val="0"/>
+              </a:spcBef>
+              <a:spcAft>
+                <a:spcPct val="0"/>
+              </a:spcAft>
+              <a:defRPr>
+                <a:solidFill>
+                  <a:schemeClr val="tx1"/>
+                </a:solidFill>
+                <a:latin typeface="Calisto MT" pitchFamily="18" charset="0"/>
+                <a:ea typeface="MS PGothic" pitchFamily="34" charset="-128"/>
+              </a:defRPr>
+            </a:lvl8pPr>
+            <a:lvl9pPr marL="3886200" indent="-228600" fontAlgn="base">
+              <a:spcBef>
+                <a:spcPct val="0"/>
+              </a:spcBef>
+              <a:spcAft>
+                <a:spcPct val="0"/>
+              </a:spcAft>
+              <a:defRPr>
+                <a:solidFill>
+                  <a:schemeClr val="tx1"/>
+                </a:solidFill>
+                <a:latin typeface="Calisto MT" pitchFamily="18" charset="0"/>
+                <a:ea typeface="MS PGothic" pitchFamily="34" charset="-128"/>
+              </a:defRPr>
+            </a:lvl9pPr>
+          </a:lstStyle>
+          <a:p>
+            <a:pPr fontAlgn="base">
+              <a:spcBef>
+                <a:spcPct val="0"/>
+              </a:spcBef>
+              <a:spcAft>
+                <a:spcPct val="0"/>
+              </a:spcAft>
+            </a:pPr>
+            <a:r>
+              <a:rPr lang="en-US" sz="4400" smtClean="0">
+                <a:solidFill>
+                  <a:srgbClr val="80B606"/>
+                </a:solidFill>
+                <a:latin typeface="Wingdings" pitchFamily="2" charset="2"/>
+              </a:rPr>
+              <a:t>S</a:t>
+            </a:r>
+          </a:p>
+        </p:txBody>
+      </p:sp>
+      <p:sp>
+        <p:nvSpPr>
+          <p:cNvPr id="2" name="Title 1"/>
+          <p:cNvSpPr>
+            <a:spLocks noGrp="1"/>
+          </p:cNvSpPr>
+          <p:nvPr>
+            <p:ph type="title"/>
+          </p:nvPr>
+        </p:nvSpPr>
+        <p:spPr>
+          <a:xfrm>
+            <a:off x="457200" y="2236694"/>
+            <a:ext cx="6400800" cy="1362075"/>
+          </a:xfrm>
+        </p:spPr>
+        <p:txBody>
+          <a:bodyPr anchor="b"/>
+          <a:lstStyle>
+            <a:lvl1pPr algn="r">
+              <a:defRPr sz="4600" b="0" cap="none" baseline="0"/>
+            </a:lvl1pPr>
+          </a:lstStyle>
+          <a:p>
+            <a:r>
+              <a:rPr lang="en-US" smtClean="0"/>
+              <a:t>Click to edit Master title style</a:t>
+            </a:r>
+            <a:endParaRPr/>
+          </a:p>
+        </p:txBody>
+      </p:sp>
+      <p:sp>
+        <p:nvSpPr>
+          <p:cNvPr id="3" name="Text Placeholder 2"/>
+          <p:cNvSpPr>
+            <a:spLocks noGrp="1"/>
+          </p:cNvSpPr>
+          <p:nvPr>
+            <p:ph type="body" idx="1"/>
+          </p:nvPr>
+        </p:nvSpPr>
+        <p:spPr>
+          <a:xfrm>
+            <a:off x="1676399" y="3609695"/>
+            <a:ext cx="5181601" cy="1500187"/>
+          </a:xfrm>
+        </p:spPr>
+        <p:txBody>
+          <a:bodyPr/>
+          <a:lstStyle>
+            <a:lvl1pPr marL="0" indent="0" algn="r">
+              <a:spcBef>
+                <a:spcPts val="300"/>
+              </a:spcBef>
+              <a:buNone/>
+              <a:defRPr sz="1800" baseline="0">
+                <a:solidFill>
+                  <a:schemeClr val="bg1"/>
+                </a:solidFill>
+              </a:defRPr>
+            </a:lvl1pPr>
+            <a:lvl2pPr marL="457200" indent="0">
+              <a:buNone/>
+              <a:defRPr sz="1800">
+                <a:solidFill>
+                  <a:schemeClr val="tx1">
+                    <a:tint val="75000"/>
+                  </a:schemeClr>
+                </a:solidFill>
+              </a:defRPr>
+            </a:lvl2pPr>
+            <a:lvl3pPr marL="914400" indent="0">
+              <a:buNone/>
+              <a:defRPr sz="1600">
+                <a:solidFill>
+                  <a:schemeClr val="tx1">
+                    <a:tint val="75000"/>
+                  </a:schemeClr>
+                </a:solidFill>
+              </a:defRPr>
+            </a:lvl3pPr>
+            <a:lvl4pPr marL="1371600" indent="0">
+              <a:buNone/>
+              <a:defRPr sz="1400">
+                <a:solidFill>
+                  <a:schemeClr val="tx1">
+                    <a:tint val="75000"/>
+                  </a:schemeClr>
+                </a:solidFill>
+              </a:defRPr>
+            </a:lvl4pPr>
+            <a:lvl5pPr marL="1828800" indent="0">
+              <a:buNone/>
+              <a:defRPr sz="1400">
+                <a:solidFill>
+                  <a:schemeClr val="tx1">
+                    <a:tint val="75000"/>
+                  </a:schemeClr>
+                </a:solidFill>
+              </a:defRPr>
+            </a:lvl5pPr>
+            <a:lvl6pPr marL="2286000" indent="0">
+              <a:buNone/>
+              <a:defRPr sz="1400">
+                <a:solidFill>
+                  <a:schemeClr val="tx1">
+                    <a:tint val="75000"/>
+                  </a:schemeClr>
+                </a:solidFill>
+              </a:defRPr>
+            </a:lvl6pPr>
+            <a:lvl7pPr marL="2743200" indent="0">
+              <a:buNone/>
+              <a:defRPr sz="1400">
+                <a:solidFill>
+                  <a:schemeClr val="tx1">
+                    <a:tint val="75000"/>
+                  </a:schemeClr>
+                </a:solidFill>
+              </a:defRPr>
+            </a:lvl7pPr>
+            <a:lvl8pPr marL="3200400" indent="0">
+              <a:buNone/>
+              <a:defRPr sz="1400">
+                <a:solidFill>
+                  <a:schemeClr val="tx1">
+                    <a:tint val="75000"/>
+                  </a:schemeClr>
+                </a:solidFill>
+              </a:defRPr>
+            </a:lvl8pPr>
+            <a:lvl9pPr marL="3657600" indent="0">
+              <a:buNone/>
+              <a:defRPr sz="1400">
+                <a:solidFill>
+                  <a:schemeClr val="tx1">
+                    <a:tint val="75000"/>
+                  </a:schemeClr>
+                </a:solidFill>
+              </a:defRPr>
+            </a:lvl9pPr>
+          </a:lstStyle>
+          <a:p>
+            <a:pPr lvl="0"/>
+            <a:r>
+              <a:rPr lang="en-US" smtClean="0"/>
+              <a:t>Click to edit Master text styles</a:t>
+            </a:r>
+          </a:p>
+        </p:txBody>
+      </p:sp>
+      <p:sp>
+        <p:nvSpPr>
+          <p:cNvPr id="5" name="Date Placeholder 3"/>
+          <p:cNvSpPr>
+            <a:spLocks noGrp="1"/>
+          </p:cNvSpPr>
+          <p:nvPr>
+            <p:ph type="dt" sz="half" idx="10"/>
+          </p:nvPr>
+        </p:nvSpPr>
+        <p:spPr/>
+        <p:txBody>
+          <a:bodyPr/>
+          <a:lstStyle>
+            <a:lvl1pPr>
+              <a:defRPr>
+                <a:solidFill>
+                  <a:schemeClr val="bg1"/>
+                </a:solidFill>
+              </a:defRPr>
+            </a:lvl1pPr>
+          </a:lstStyle>
+          <a:p>
+            <a:fld id="{9B0DC98D-D4A9-4FED-8DF4-80F234E00C4A}" type="datetimeFigureOut">
+              <a:rPr lang="en-US">
+                <a:solidFill>
+                  <a:prstClr val="white"/>
+                </a:solidFill>
+              </a:rPr>
+              <a:pPr/>
+              <a:t>8/27/2012</a:t>
+            </a:fld>
+            <a:endParaRPr lang="en-US">
+              <a:solidFill>
+                <a:prstClr val="white"/>
+              </a:solidFill>
+            </a:endParaRPr>
+          </a:p>
+        </p:txBody>
+      </p:sp>
+      <p:sp>
+        <p:nvSpPr>
+          <p:cNvPr id="6" name="Footer Placeholder 4"/>
+          <p:cNvSpPr>
+            <a:spLocks noGrp="1"/>
+          </p:cNvSpPr>
+          <p:nvPr>
+            <p:ph type="ftr" sz="quarter" idx="11"/>
+          </p:nvPr>
+        </p:nvSpPr>
+        <p:spPr>
+          <a:xfrm>
+            <a:off x="7239000" y="6356350"/>
+            <a:ext cx="1446213" cy="365125"/>
+          </a:xfrm>
+        </p:spPr>
+        <p:txBody>
+          <a:bodyPr/>
+          <a:lstStyle>
+            <a:lvl1pPr>
+              <a:defRPr/>
+            </a:lvl1pPr>
+          </a:lstStyle>
+          <a:p>
+            <a:pPr>
+              <a:defRPr/>
+            </a:pPr>
+            <a:endParaRPr lang="en-US">
+              <a:solidFill>
+                <a:prstClr val="black">
+                  <a:lumMod val="50000"/>
+                  <a:lumOff val="50000"/>
+                </a:prstClr>
+              </a:solidFill>
+            </a:endParaRPr>
+          </a:p>
+        </p:txBody>
+      </p:sp>
+      <p:sp>
+        <p:nvSpPr>
+          <p:cNvPr id="7" name="Slide Number Placeholder 5"/>
+          <p:cNvSpPr>
+            <a:spLocks noGrp="1"/>
+          </p:cNvSpPr>
+          <p:nvPr>
+            <p:ph type="sldNum" sz="quarter" idx="12"/>
+          </p:nvPr>
+        </p:nvSpPr>
+        <p:spPr/>
+        <p:txBody>
+          <a:bodyPr/>
+          <a:lstStyle>
+            <a:lvl1pPr>
+              <a:defRPr>
+                <a:solidFill>
+                  <a:schemeClr val="bg1"/>
+                </a:solidFill>
+              </a:defRPr>
+            </a:lvl1pPr>
+          </a:lstStyle>
+          <a:p>
+            <a:fld id="{72422A6F-FEF1-462C-BA7D-973EE509037F}" type="slidenum">
+              <a:rPr lang="en-US">
+                <a:solidFill>
+                  <a:prstClr val="white"/>
+                </a:solidFill>
+              </a:rPr>
+              <a:pPr/>
+              <a:t>‹#›</a:t>
+            </a:fld>
+            <a:endParaRPr lang="en-US">
+              <a:solidFill>
+                <a:prstClr val="white"/>
+              </a:solidFill>
+            </a:endParaRPr>
+          </a:p>
+        </p:txBody>
+      </p:sp>
+    </p:spTree>
+    <p:extLst>
+      <p:ext uri="{BB962C8B-B14F-4D97-AF65-F5344CB8AC3E}">
+        <p14:creationId xmlns:p14="http://schemas.microsoft.com/office/powerpoint/2010/main" val="3618876987"/>
+      </p:ext>
+    </p:extLst>
+  </p:cSld>
+  <p:clrMapOvr>
+    <a:masterClrMapping/>
+  </p:clrMapOvr>
+</p:sldLayout>
+</file>
+
+<file path=ppt/slideLayouts/slideLayout15.xml><?xml version="1.0" encoding="utf-8"?>
+<p:sldLayout xmlns:a="http://schemas.openxmlformats.org/drawingml/2006/main" xmlns:r="http://schemas.openxmlformats.org/officeDocument/2006/relationships" xmlns:p="http://schemas.openxmlformats.org/presentationml/2006/main" type="twoObj" preserve="1">
+  <p:cSld name="Two Content">
+    <p:spTree>
+      <p:nvGrpSpPr>
+        <p:cNvPr id="1" name=""/>
+        <p:cNvGrpSpPr/>
+        <p:nvPr/>
+      </p:nvGrpSpPr>
+      <p:grpSpPr>
+        <a:xfrm>
+          <a:off x="0" y="0"/>
+          <a:ext cx="0" cy="0"/>
+          <a:chOff x="0" y="0"/>
+          <a:chExt cx="0" cy="0"/>
+        </a:xfrm>
+      </p:grpSpPr>
+      <p:sp>
+        <p:nvSpPr>
+          <p:cNvPr id="2" name="Title 1"/>
+          <p:cNvSpPr>
+            <a:spLocks noGrp="1"/>
+          </p:cNvSpPr>
+          <p:nvPr>
+            <p:ph type="title"/>
+          </p:nvPr>
+        </p:nvSpPr>
+        <p:spPr/>
+        <p:txBody>
+          <a:bodyPr/>
+          <a:lstStyle/>
+          <a:p>
+            <a:r>
+              <a:rPr lang="en-US" smtClean="0"/>
+              <a:t>Click to edit Master title style</a:t>
+            </a:r>
+            <a:endParaRPr/>
+          </a:p>
+        </p:txBody>
+      </p:sp>
+      <p:sp>
+        <p:nvSpPr>
+          <p:cNvPr id="3" name="Content Placeholder 2"/>
+          <p:cNvSpPr>
+            <a:spLocks noGrp="1"/>
+          </p:cNvSpPr>
+          <p:nvPr>
+            <p:ph sz="half" idx="1"/>
+          </p:nvPr>
+        </p:nvSpPr>
+        <p:spPr>
+          <a:xfrm>
+            <a:off x="740664" y="2784475"/>
+            <a:ext cx="3767328" cy="3252788"/>
+          </a:xfrm>
+        </p:spPr>
+        <p:txBody>
+          <a:bodyPr/>
+          <a:lstStyle>
+            <a:lvl1pPr>
+              <a:defRPr sz="1800"/>
+            </a:lvl1pPr>
+            <a:lvl2pPr>
+              <a:defRPr sz="1800"/>
+            </a:lvl2pPr>
+            <a:lvl3pPr>
+              <a:defRPr sz="1800"/>
+            </a:lvl3pPr>
+            <a:lvl4pPr>
+              <a:defRPr sz="1800"/>
+            </a:lvl4pPr>
+            <a:lvl5pPr>
+              <a:defRPr sz="1800"/>
+            </a:lvl5pPr>
+            <a:lvl6pPr marL="1946275" indent="-227013">
+              <a:defRPr sz="1600"/>
+            </a:lvl6pPr>
+            <a:lvl7pPr marL="2173288" indent="-227013">
+              <a:defRPr sz="1600"/>
+            </a:lvl7pPr>
+            <a:lvl8pPr marL="2398713" indent="-227013">
+              <a:defRPr sz="1600"/>
+            </a:lvl8pPr>
+            <a:lvl9pPr marL="2625725" indent="-227013">
+              <a:defRPr sz="1600"/>
+            </a:lvl9pPr>
+          </a:lstStyle>
+          <a:p>
+            <a:pPr lvl="0"/>
+            <a:r>
+              <a:rPr lang="en-US" smtClean="0"/>
+              <a:t>Click to edit Master text styles</a:t>
+            </a:r>
+          </a:p>
+          <a:p>
+            <a:pPr lvl="1"/>
+            <a:r>
+              <a:rPr lang="en-US" smtClean="0"/>
+              <a:t>Second level</a:t>
+            </a:r>
+          </a:p>
+          <a:p>
+            <a:pPr lvl="2"/>
+            <a:r>
+              <a:rPr lang="en-US" smtClean="0"/>
+              <a:t>Third level</a:t>
+            </a:r>
+          </a:p>
+          <a:p>
+            <a:pPr lvl="3"/>
+            <a:r>
+              <a:rPr lang="en-US" smtClean="0"/>
+              <a:t>Fourth level</a:t>
+            </a:r>
+          </a:p>
+          <a:p>
+            <a:pPr lvl="4"/>
+            <a:r>
+              <a:rPr lang="en-US" smtClean="0"/>
+              <a:t>Fifth level</a:t>
+            </a:r>
+            <a:endParaRPr dirty="0"/>
+          </a:p>
+        </p:txBody>
+      </p:sp>
+      <p:sp>
+        <p:nvSpPr>
+          <p:cNvPr id="4" name="Content Placeholder 3"/>
+          <p:cNvSpPr>
+            <a:spLocks noGrp="1"/>
+          </p:cNvSpPr>
+          <p:nvPr>
+            <p:ph sz="half" idx="2"/>
+          </p:nvPr>
+        </p:nvSpPr>
+        <p:spPr>
+          <a:xfrm>
+            <a:off x="4634753" y="2784475"/>
+            <a:ext cx="3767328" cy="3252788"/>
+          </a:xfrm>
+        </p:spPr>
+        <p:txBody>
+          <a:bodyPr/>
+          <a:lstStyle>
+            <a:lvl1pPr>
+              <a:defRPr sz="1800"/>
+            </a:lvl1pPr>
+            <a:lvl2pPr>
+              <a:defRPr sz="1800"/>
+            </a:lvl2pPr>
+            <a:lvl3pPr>
+              <a:defRPr sz="1800"/>
+            </a:lvl3pPr>
+            <a:lvl4pPr>
+              <a:defRPr sz="1800"/>
+            </a:lvl4pPr>
+            <a:lvl5pPr>
+              <a:defRPr sz="1800"/>
+            </a:lvl5pPr>
+            <a:lvl6pPr marL="1946275" indent="-227013">
+              <a:tabLst/>
+              <a:defRPr sz="1600"/>
+            </a:lvl6pPr>
+            <a:lvl7pPr marL="2173288" indent="-227013">
+              <a:tabLst/>
+              <a:defRPr sz="1600"/>
+            </a:lvl7pPr>
+            <a:lvl8pPr marL="2398713" indent="-227013">
+              <a:tabLst/>
+              <a:defRPr sz="1600"/>
+            </a:lvl8pPr>
+            <a:lvl9pPr marL="2625725" indent="-227013">
+              <a:tabLst/>
+              <a:defRPr sz="1600"/>
+            </a:lvl9pPr>
+          </a:lstStyle>
+          <a:p>
+            <a:pPr lvl="0"/>
+            <a:r>
+              <a:rPr lang="en-US" smtClean="0"/>
+              <a:t>Click to edit Master text styles</a:t>
+            </a:r>
+          </a:p>
+          <a:p>
+            <a:pPr lvl="1"/>
+            <a:r>
+              <a:rPr lang="en-US" smtClean="0"/>
+              <a:t>Second level</a:t>
+            </a:r>
+          </a:p>
+          <a:p>
+            <a:pPr lvl="2"/>
+            <a:r>
+              <a:rPr lang="en-US" smtClean="0"/>
+              <a:t>Third level</a:t>
+            </a:r>
+          </a:p>
+          <a:p>
+            <a:pPr lvl="3"/>
+            <a:r>
+              <a:rPr lang="en-US" smtClean="0"/>
+              <a:t>Fourth level</a:t>
+            </a:r>
+          </a:p>
+          <a:p>
+            <a:pPr lvl="4"/>
+            <a:r>
+              <a:rPr lang="en-US" smtClean="0"/>
+              <a:t>Fifth level</a:t>
+            </a:r>
+            <a:endParaRPr dirty="0"/>
+          </a:p>
+        </p:txBody>
+      </p:sp>
+      <p:sp>
+        <p:nvSpPr>
+          <p:cNvPr id="5" name="Date Placeholder 3"/>
+          <p:cNvSpPr>
+            <a:spLocks noGrp="1"/>
+          </p:cNvSpPr>
+          <p:nvPr>
+            <p:ph type="dt" sz="half" idx="10"/>
+          </p:nvPr>
+        </p:nvSpPr>
+        <p:spPr/>
+        <p:txBody>
+          <a:bodyPr/>
+          <a:lstStyle>
+            <a:lvl1pPr>
+              <a:defRPr/>
+            </a:lvl1pPr>
+          </a:lstStyle>
+          <a:p>
+            <a:fld id="{FC39468A-7CFA-4EF0-A4F6-C4D545396BAA}" type="datetimeFigureOut">
+              <a:rPr lang="en-US"/>
+              <a:pPr/>
+              <a:t>8/27/2012</a:t>
+            </a:fld>
+            <a:endParaRPr lang="en-US"/>
+          </a:p>
+        </p:txBody>
+      </p:sp>
+      <p:sp>
+        <p:nvSpPr>
+          <p:cNvPr id="6" name="Footer Placeholder 4"/>
+          <p:cNvSpPr>
+            <a:spLocks noGrp="1"/>
+          </p:cNvSpPr>
+          <p:nvPr>
+            <p:ph type="ftr" sz="quarter" idx="11"/>
+          </p:nvPr>
+        </p:nvSpPr>
+        <p:spPr/>
+        <p:txBody>
+          <a:bodyPr/>
+          <a:lstStyle>
+            <a:lvl1pPr>
+              <a:defRPr/>
+            </a:lvl1pPr>
+          </a:lstStyle>
+          <a:p>
+            <a:pPr>
+              <a:defRPr/>
+            </a:pPr>
+            <a:endParaRPr lang="en-US">
+              <a:solidFill>
+                <a:prstClr val="black">
+                  <a:lumMod val="50000"/>
+                  <a:lumOff val="50000"/>
+                </a:prstClr>
+              </a:solidFill>
+            </a:endParaRPr>
+          </a:p>
+        </p:txBody>
+      </p:sp>
+      <p:sp>
+        <p:nvSpPr>
+          <p:cNvPr id="7" name="Slide Number Placeholder 5"/>
+          <p:cNvSpPr>
+            <a:spLocks noGrp="1"/>
+          </p:cNvSpPr>
+          <p:nvPr>
+            <p:ph type="sldNum" sz="quarter" idx="12"/>
+          </p:nvPr>
+        </p:nvSpPr>
+        <p:spPr/>
+        <p:txBody>
+          <a:bodyPr/>
+          <a:lstStyle>
+            <a:lvl1pPr>
+              <a:defRPr/>
+            </a:lvl1pPr>
+          </a:lstStyle>
+          <a:p>
+            <a:fld id="{9BDD3A29-4208-47D5-826B-33B021A8C605}" type="slidenum">
+              <a:rPr lang="en-US"/>
+              <a:pPr/>
+              <a:t>‹#›</a:t>
+            </a:fld>
+            <a:endParaRPr lang="en-US"/>
+          </a:p>
+        </p:txBody>
+      </p:sp>
+    </p:spTree>
+    <p:extLst>
+      <p:ext uri="{BB962C8B-B14F-4D97-AF65-F5344CB8AC3E}">
+        <p14:creationId xmlns:p14="http://schemas.microsoft.com/office/powerpoint/2010/main" val="2544380909"/>
+      </p:ext>
+    </p:extLst>
+  </p:cSld>
+  <p:clrMapOvr>
+    <a:masterClrMapping/>
+  </p:clrMapOvr>
+</p:sldLayout>
+</file>
+
+<file path=ppt/slideLayouts/slideLayout16.xml><?xml version="1.0" encoding="utf-8"?>
+<p:sldLayout xmlns:a="http://schemas.openxmlformats.org/drawingml/2006/main" xmlns:r="http://schemas.openxmlformats.org/officeDocument/2006/relationships" xmlns:p="http://schemas.openxmlformats.org/presentationml/2006/main" type="twoTxTwoObj" preserve="1">
+  <p:cSld name="Comparison">
+    <p:spTree>
+      <p:nvGrpSpPr>
+        <p:cNvPr id="1" name=""/>
+        <p:cNvGrpSpPr/>
+        <p:nvPr/>
+      </p:nvGrpSpPr>
+      <p:grpSpPr>
+        <a:xfrm>
+          <a:off x="0" y="0"/>
+          <a:ext cx="0" cy="0"/>
+          <a:chOff x="0" y="0"/>
+          <a:chExt cx="0" cy="0"/>
+        </a:xfrm>
+      </p:grpSpPr>
+      <p:sp>
+        <p:nvSpPr>
+          <p:cNvPr id="2" name="Title 1"/>
+          <p:cNvSpPr>
+            <a:spLocks noGrp="1"/>
+          </p:cNvSpPr>
+          <p:nvPr>
+            <p:ph type="title"/>
+          </p:nvPr>
+        </p:nvSpPr>
+        <p:spPr/>
+        <p:txBody>
+          <a:bodyPr/>
+          <a:lstStyle>
+            <a:lvl1pPr>
+              <a:defRPr/>
+            </a:lvl1pPr>
+          </a:lstStyle>
+          <a:p>
+            <a:r>
+              <a:rPr lang="en-US" smtClean="0"/>
+              <a:t>Click to edit Master title style</a:t>
+            </a:r>
+            <a:endParaRPr/>
+          </a:p>
+        </p:txBody>
+      </p:sp>
+      <p:sp>
+        <p:nvSpPr>
+          <p:cNvPr id="3" name="Text Placeholder 2"/>
+          <p:cNvSpPr>
+            <a:spLocks noGrp="1"/>
+          </p:cNvSpPr>
+          <p:nvPr>
+            <p:ph type="body" idx="1"/>
+          </p:nvPr>
+        </p:nvSpPr>
+        <p:spPr>
+          <a:xfrm>
+            <a:off x="740664" y="2232211"/>
+            <a:ext cx="3767328" cy="762000"/>
+          </a:xfrm>
+        </p:spPr>
+        <p:txBody>
+          <a:bodyPr anchor="b">
+            <a:noAutofit/>
+          </a:bodyPr>
+          <a:lstStyle>
+            <a:lvl1pPr marL="0" indent="0" algn="ctr">
+              <a:lnSpc>
+                <a:spcPts val="2600"/>
+              </a:lnSpc>
+              <a:spcBef>
+                <a:spcPts val="0"/>
+              </a:spcBef>
+              <a:buNone/>
+              <a:defRPr sz="2400" b="1">
+                <a:solidFill>
+                  <a:schemeClr val="accent1"/>
+                </a:solidFill>
+              </a:defRPr>
+            </a:lvl1pPr>
+            <a:lvl2pPr marL="457200" indent="0">
+              <a:buNone/>
+              <a:defRPr sz="2000" b="1"/>
+            </a:lvl2pPr>
+            <a:lvl3pPr marL="914400" indent="0">
+              <a:buNone/>
+              <a:defRPr sz="1800" b="1"/>
+            </a:lvl3pPr>
+            <a:lvl4pPr marL="1371600" indent="0">
+              <a:buNone/>
+              <a:defRPr sz="1600" b="1"/>
+            </a:lvl4pPr>
+            <a:lvl5pPr marL="1828800" indent="0">
+              <a:buNone/>
+              <a:defRPr sz="1600" b="1"/>
+            </a:lvl5pPr>
+            <a:lvl6pPr marL="2286000" indent="0">
+              <a:buNone/>
+              <a:defRPr sz="1600" b="1"/>
+            </a:lvl6pPr>
+            <a:lvl7pPr marL="2743200" indent="0">
+              <a:buNone/>
+              <a:defRPr sz="1600" b="1"/>
+            </a:lvl7pPr>
+            <a:lvl8pPr marL="3200400" indent="0">
+              <a:buNone/>
+              <a:defRPr sz="1600" b="1"/>
+            </a:lvl8pPr>
+            <a:lvl9pPr marL="3657600" indent="0">
+              <a:buNone/>
+              <a:defRPr sz="1600" b="1"/>
+            </a:lvl9pPr>
+          </a:lstStyle>
+          <a:p>
+            <a:pPr lvl="0"/>
+            <a:r>
+              <a:rPr lang="en-US" smtClean="0"/>
+              <a:t>Click to edit Master text styles</a:t>
+            </a:r>
+          </a:p>
+        </p:txBody>
+      </p:sp>
+      <p:sp>
+        <p:nvSpPr>
+          <p:cNvPr id="4" name="Content Placeholder 3"/>
+          <p:cNvSpPr>
+            <a:spLocks noGrp="1"/>
+          </p:cNvSpPr>
+          <p:nvPr>
+            <p:ph sz="half" idx="2"/>
+          </p:nvPr>
+        </p:nvSpPr>
+        <p:spPr>
+          <a:xfrm>
+            <a:off x="740664" y="3160059"/>
+            <a:ext cx="3767328" cy="2891491"/>
+          </a:xfrm>
+        </p:spPr>
+        <p:txBody>
+          <a:bodyPr/>
+          <a:lstStyle>
+            <a:lvl1pPr>
+              <a:defRPr sz="1800"/>
+            </a:lvl1pPr>
+            <a:lvl2pPr>
+              <a:defRPr sz="1800"/>
+            </a:lvl2pPr>
+            <a:lvl3pPr>
+              <a:defRPr sz="1800"/>
+            </a:lvl3pPr>
+            <a:lvl4pPr>
+              <a:defRPr sz="1800"/>
+            </a:lvl4pPr>
+            <a:lvl5pPr>
+              <a:defRPr sz="1800"/>
+            </a:lvl5pPr>
+            <a:lvl6pPr marL="1946275" indent="-234950">
+              <a:defRPr sz="1600"/>
+            </a:lvl6pPr>
+            <a:lvl7pPr marL="2173288" indent="-234950">
+              <a:defRPr sz="1600"/>
+            </a:lvl7pPr>
+            <a:lvl8pPr marL="2398713" indent="-234950">
+              <a:defRPr sz="1600"/>
+            </a:lvl8pPr>
+            <a:lvl9pPr marL="2625725" indent="-234950">
+              <a:defRPr sz="1600"/>
+            </a:lvl9pPr>
+          </a:lstStyle>
+          <a:p>
+            <a:pPr lvl="0"/>
+            <a:r>
+              <a:rPr lang="en-US" smtClean="0"/>
+              <a:t>Click to edit Master text styles</a:t>
+            </a:r>
+          </a:p>
+          <a:p>
+            <a:pPr lvl="1"/>
+            <a:r>
+              <a:rPr lang="en-US" smtClean="0"/>
+              <a:t>Second level</a:t>
+            </a:r>
+          </a:p>
+          <a:p>
+            <a:pPr lvl="2"/>
+            <a:r>
+              <a:rPr lang="en-US" smtClean="0"/>
+              <a:t>Third level</a:t>
+            </a:r>
+          </a:p>
+          <a:p>
+            <a:pPr lvl="3"/>
+            <a:r>
+              <a:rPr lang="en-US" smtClean="0"/>
+              <a:t>Fourth level</a:t>
+            </a:r>
+          </a:p>
+          <a:p>
+            <a:pPr lvl="4"/>
+            <a:r>
+              <a:rPr lang="en-US" smtClean="0"/>
+              <a:t>Fifth level</a:t>
+            </a:r>
+            <a:endParaRPr dirty="0"/>
+          </a:p>
+        </p:txBody>
+      </p:sp>
+      <p:sp>
+        <p:nvSpPr>
+          <p:cNvPr id="5" name="Text Placeholder 4"/>
+          <p:cNvSpPr>
+            <a:spLocks noGrp="1"/>
+          </p:cNvSpPr>
+          <p:nvPr>
+            <p:ph type="body" sz="quarter" idx="3"/>
+          </p:nvPr>
+        </p:nvSpPr>
+        <p:spPr>
+          <a:xfrm>
+            <a:off x="4631578" y="2232211"/>
+            <a:ext cx="3767328" cy="762000"/>
+          </a:xfrm>
+        </p:spPr>
+        <p:txBody>
+          <a:bodyPr anchor="b">
+            <a:noAutofit/>
+          </a:bodyPr>
+          <a:lstStyle>
+            <a:lvl1pPr marL="0" indent="0" algn="ctr">
+              <a:lnSpc>
+                <a:spcPts val="2600"/>
+              </a:lnSpc>
+              <a:spcBef>
+                <a:spcPts val="0"/>
+              </a:spcBef>
+              <a:buNone/>
+              <a:defRPr sz="2400" b="1">
+                <a:solidFill>
+                  <a:schemeClr val="accent1"/>
+                </a:solidFill>
+              </a:defRPr>
+            </a:lvl1pPr>
+            <a:lvl2pPr marL="457200" indent="0">
+              <a:buNone/>
+              <a:defRPr sz="2000" b="1"/>
+            </a:lvl2pPr>
+            <a:lvl3pPr marL="914400" indent="0">
+              <a:buNone/>
+              <a:defRPr sz="1800" b="1"/>
+            </a:lvl3pPr>
+            <a:lvl4pPr marL="1371600" indent="0">
+              <a:buNone/>
+              <a:defRPr sz="1600" b="1"/>
+            </a:lvl4pPr>
+            <a:lvl5pPr marL="1828800" indent="0">
+              <a:buNone/>
+              <a:defRPr sz="1600" b="1"/>
+            </a:lvl5pPr>
+            <a:lvl6pPr marL="2286000" indent="0">
+              <a:buNone/>
+              <a:defRPr sz="1600" b="1"/>
+            </a:lvl6pPr>
+            <a:lvl7pPr marL="2743200" indent="0">
+              <a:buNone/>
+              <a:defRPr sz="1600" b="1"/>
+            </a:lvl7pPr>
+            <a:lvl8pPr marL="3200400" indent="0">
+              <a:buNone/>
+              <a:defRPr sz="1600" b="1"/>
+            </a:lvl8pPr>
+            <a:lvl9pPr marL="3657600" indent="0">
+              <a:buNone/>
+              <a:defRPr sz="1600" b="1"/>
+            </a:lvl9pPr>
+          </a:lstStyle>
+          <a:p>
+            <a:pPr lvl="0"/>
+            <a:r>
+              <a:rPr lang="en-US" smtClean="0"/>
+              <a:t>Click to edit Master text styles</a:t>
+            </a:r>
+          </a:p>
+        </p:txBody>
+      </p:sp>
+      <p:sp>
+        <p:nvSpPr>
+          <p:cNvPr id="6" name="Content Placeholder 5"/>
+          <p:cNvSpPr>
+            <a:spLocks noGrp="1"/>
+          </p:cNvSpPr>
+          <p:nvPr>
+            <p:ph sz="quarter" idx="4"/>
+          </p:nvPr>
+        </p:nvSpPr>
+        <p:spPr>
+          <a:xfrm>
+            <a:off x="4631578" y="3160059"/>
+            <a:ext cx="3767328" cy="2891491"/>
+          </a:xfrm>
+        </p:spPr>
+        <p:txBody>
+          <a:bodyPr/>
+          <a:lstStyle>
+            <a:lvl1pPr>
+              <a:defRPr sz="1800"/>
+            </a:lvl1pPr>
+            <a:lvl2pPr>
+              <a:defRPr sz="1800"/>
+            </a:lvl2pPr>
+            <a:lvl3pPr>
+              <a:defRPr sz="1800"/>
+            </a:lvl3pPr>
+            <a:lvl4pPr>
+              <a:defRPr sz="1800"/>
+            </a:lvl4pPr>
+            <a:lvl5pPr>
+              <a:defRPr sz="1800"/>
+            </a:lvl5pPr>
+            <a:lvl6pPr marL="1946275" indent="-234950">
+              <a:defRPr sz="1600"/>
+            </a:lvl6pPr>
+            <a:lvl7pPr marL="2173288" indent="-234950">
+              <a:defRPr sz="1600"/>
+            </a:lvl7pPr>
+            <a:lvl8pPr marL="2398713" indent="-234950">
+              <a:defRPr sz="1600"/>
+            </a:lvl8pPr>
+            <a:lvl9pPr marL="2625725" indent="-234950">
+              <a:defRPr sz="1600"/>
+            </a:lvl9pPr>
+          </a:lstStyle>
+          <a:p>
+            <a:pPr lvl="0"/>
+            <a:r>
+              <a:rPr lang="en-US" smtClean="0"/>
+              <a:t>Click to edit Master text styles</a:t>
+            </a:r>
+          </a:p>
+          <a:p>
+            <a:pPr lvl="1"/>
+            <a:r>
+              <a:rPr lang="en-US" smtClean="0"/>
+              <a:t>Second level</a:t>
+            </a:r>
+          </a:p>
+          <a:p>
+            <a:pPr lvl="2"/>
+            <a:r>
+              <a:rPr lang="en-US" smtClean="0"/>
+              <a:t>Third level</a:t>
+            </a:r>
+          </a:p>
+          <a:p>
+            <a:pPr lvl="3"/>
+            <a:r>
+              <a:rPr lang="en-US" smtClean="0"/>
+              <a:t>Fourth level</a:t>
+            </a:r>
+          </a:p>
+          <a:p>
+            <a:pPr lvl="4"/>
+            <a:r>
+              <a:rPr lang="en-US" smtClean="0"/>
+              <a:t>Fifth level</a:t>
+            </a:r>
+            <a:endParaRPr dirty="0"/>
+          </a:p>
+        </p:txBody>
+      </p:sp>
+      <p:sp>
+        <p:nvSpPr>
+          <p:cNvPr id="7" name="Date Placeholder 3"/>
+          <p:cNvSpPr>
+            <a:spLocks noGrp="1"/>
+          </p:cNvSpPr>
+          <p:nvPr>
+            <p:ph type="dt" sz="half" idx="10"/>
+          </p:nvPr>
+        </p:nvSpPr>
+        <p:spPr/>
+        <p:txBody>
+          <a:bodyPr/>
+          <a:lstStyle>
+            <a:lvl1pPr>
+              <a:defRPr/>
+            </a:lvl1pPr>
+          </a:lstStyle>
+          <a:p>
+            <a:fld id="{DBD34C83-810D-4E4B-B89E-7A0FEF272F70}" type="datetimeFigureOut">
+              <a:rPr lang="en-US"/>
+              <a:pPr/>
+              <a:t>8/27/2012</a:t>
+            </a:fld>
+            <a:endParaRPr lang="en-US"/>
+          </a:p>
+        </p:txBody>
+      </p:sp>
+      <p:sp>
+        <p:nvSpPr>
+          <p:cNvPr id="8" name="Footer Placeholder 4"/>
+          <p:cNvSpPr>
+            <a:spLocks noGrp="1"/>
+          </p:cNvSpPr>
+          <p:nvPr>
+            <p:ph type="ftr" sz="quarter" idx="11"/>
+          </p:nvPr>
+        </p:nvSpPr>
+        <p:spPr/>
+        <p:txBody>
+          <a:bodyPr/>
+          <a:lstStyle>
+            <a:lvl1pPr>
+              <a:defRPr/>
+            </a:lvl1pPr>
+          </a:lstStyle>
+          <a:p>
+            <a:pPr>
+              <a:defRPr/>
+            </a:pPr>
+            <a:endParaRPr lang="en-US">
+              <a:solidFill>
+                <a:prstClr val="black">
+                  <a:lumMod val="50000"/>
+                  <a:lumOff val="50000"/>
+                </a:prstClr>
+              </a:solidFill>
+            </a:endParaRPr>
+          </a:p>
+        </p:txBody>
+      </p:sp>
+      <p:sp>
+        <p:nvSpPr>
+          <p:cNvPr id="9" name="Slide Number Placeholder 5"/>
+          <p:cNvSpPr>
+            <a:spLocks noGrp="1"/>
+          </p:cNvSpPr>
+          <p:nvPr>
+            <p:ph type="sldNum" sz="quarter" idx="12"/>
+          </p:nvPr>
+        </p:nvSpPr>
+        <p:spPr/>
+        <p:txBody>
+          <a:bodyPr/>
+          <a:lstStyle>
+            <a:lvl1pPr>
+              <a:defRPr/>
+            </a:lvl1pPr>
+          </a:lstStyle>
+          <a:p>
+            <a:fld id="{F63FD41C-84E7-46B6-93EF-39793329339F}" type="slidenum">
+              <a:rPr lang="en-US"/>
+              <a:pPr/>
+              <a:t>‹#›</a:t>
+            </a:fld>
+            <a:endParaRPr lang="en-US"/>
+          </a:p>
+        </p:txBody>
+      </p:sp>
+    </p:spTree>
+    <p:extLst>
+      <p:ext uri="{BB962C8B-B14F-4D97-AF65-F5344CB8AC3E}">
+        <p14:creationId xmlns:p14="http://schemas.microsoft.com/office/powerpoint/2010/main" val="1343038407"/>
+      </p:ext>
+    </p:extLst>
+  </p:cSld>
+  <p:clrMapOvr>
+    <a:masterClrMapping/>
+  </p:clrMapOvr>
+</p:sldLayout>
+</file>
+
+<file path=ppt/slideLayouts/slideLayout17.xml><?xml version="1.0" encoding="utf-8"?>
+<p:sldLayout xmlns:a="http://schemas.openxmlformats.org/drawingml/2006/main" xmlns:r="http://schemas.openxmlformats.org/officeDocument/2006/relationships" xmlns:p="http://schemas.openxmlformats.org/presentationml/2006/main" preserve="1">
+  <p:cSld name="2 Content, Top and Bottom">
+    <p:spTree>
+      <p:nvGrpSpPr>
+        <p:cNvPr id="1" name=""/>
+        <p:cNvGrpSpPr/>
+        <p:nvPr/>
+      </p:nvGrpSpPr>
+      <p:grpSpPr>
+        <a:xfrm>
+          <a:off x="0" y="0"/>
+          <a:ext cx="0" cy="0"/>
+          <a:chOff x="0" y="0"/>
+          <a:chExt cx="0" cy="0"/>
+        </a:xfrm>
+      </p:grpSpPr>
+      <p:sp>
+        <p:nvSpPr>
+          <p:cNvPr id="2" name="Title 1"/>
+          <p:cNvSpPr>
+            <a:spLocks noGrp="1"/>
+          </p:cNvSpPr>
+          <p:nvPr>
+            <p:ph type="title"/>
+          </p:nvPr>
+        </p:nvSpPr>
+        <p:spPr/>
+        <p:txBody>
+          <a:bodyPr/>
+          <a:lstStyle/>
+          <a:p>
+            <a:r>
+              <a:rPr lang="en-US" smtClean="0"/>
+              <a:t>Click to edit Master title style</a:t>
+            </a:r>
+            <a:endParaRPr/>
+          </a:p>
+        </p:txBody>
+      </p:sp>
+      <p:sp>
+        <p:nvSpPr>
+          <p:cNvPr id="3" name="Content Placeholder 2"/>
+          <p:cNvSpPr>
+            <a:spLocks noGrp="1"/>
+          </p:cNvSpPr>
+          <p:nvPr>
+            <p:ph sz="half" idx="1"/>
+          </p:nvPr>
+        </p:nvSpPr>
+        <p:spPr>
+          <a:xfrm>
+            <a:off x="762000" y="2784475"/>
+            <a:ext cx="7656512" cy="1554480"/>
+          </a:xfrm>
+        </p:spPr>
+        <p:txBody>
+          <a:bodyPr/>
+          <a:lstStyle>
+            <a:lvl1pPr>
+              <a:defRPr sz="1800"/>
+            </a:lvl1pPr>
+            <a:lvl2pPr>
+              <a:defRPr sz="1800"/>
+            </a:lvl2pPr>
+            <a:lvl3pPr>
+              <a:defRPr sz="1800"/>
+            </a:lvl3pPr>
+            <a:lvl4pPr>
+              <a:defRPr sz="1800"/>
+            </a:lvl4pPr>
+            <a:lvl5pPr>
+              <a:defRPr sz="1800"/>
+            </a:lvl5pPr>
+            <a:lvl6pPr>
+              <a:defRPr sz="1800"/>
+            </a:lvl6pPr>
+            <a:lvl7pPr>
+              <a:defRPr sz="1800"/>
+            </a:lvl7pPr>
+            <a:lvl8pPr>
+              <a:defRPr sz="1800"/>
+            </a:lvl8pPr>
+            <a:lvl9pPr>
+              <a:defRPr sz="1800"/>
+            </a:lvl9pPr>
+          </a:lstStyle>
+          <a:p>
+            <a:pPr lvl="0"/>
+            <a:r>
+              <a:rPr lang="en-US" smtClean="0"/>
+              <a:t>Click to edit Master text styles</a:t>
+            </a:r>
+          </a:p>
+          <a:p>
+            <a:pPr lvl="1"/>
+            <a:r>
+              <a:rPr lang="en-US" smtClean="0"/>
+              <a:t>Second level</a:t>
+            </a:r>
+          </a:p>
+          <a:p>
+            <a:pPr lvl="2"/>
+            <a:r>
+              <a:rPr lang="en-US" smtClean="0"/>
+              <a:t>Third level</a:t>
+            </a:r>
+          </a:p>
+          <a:p>
+            <a:pPr lvl="3"/>
+            <a:r>
+              <a:rPr lang="en-US" smtClean="0"/>
+              <a:t>Fourth level</a:t>
+            </a:r>
+          </a:p>
+          <a:p>
+            <a:pPr lvl="4"/>
+            <a:r>
+              <a:rPr lang="en-US" smtClean="0"/>
+              <a:t>Fifth level</a:t>
+            </a:r>
+            <a:endParaRPr dirty="0"/>
+          </a:p>
+        </p:txBody>
+      </p:sp>
+      <p:sp>
+        <p:nvSpPr>
+          <p:cNvPr id="8" name="Content Placeholder 2"/>
+          <p:cNvSpPr>
+            <a:spLocks noGrp="1"/>
+          </p:cNvSpPr>
+          <p:nvPr>
+            <p:ph sz="half" idx="13"/>
+          </p:nvPr>
+        </p:nvSpPr>
+        <p:spPr>
+          <a:xfrm>
+            <a:off x="762000" y="4497070"/>
+            <a:ext cx="7656512" cy="1554480"/>
+          </a:xfrm>
+        </p:spPr>
+        <p:txBody>
+          <a:bodyPr/>
+          <a:lstStyle>
+            <a:lvl1pPr>
+              <a:defRPr sz="1800"/>
+            </a:lvl1pPr>
+            <a:lvl2pPr>
+              <a:defRPr sz="1800"/>
+            </a:lvl2pPr>
+            <a:lvl3pPr>
+              <a:defRPr sz="1800"/>
+            </a:lvl3pPr>
+            <a:lvl4pPr>
+              <a:defRPr sz="1800"/>
+            </a:lvl4pPr>
+            <a:lvl5pPr>
+              <a:defRPr sz="1800"/>
+            </a:lvl5pPr>
+            <a:lvl6pPr>
+              <a:defRPr sz="1800"/>
+            </a:lvl6pPr>
+            <a:lvl7pPr>
+              <a:defRPr sz="1800"/>
+            </a:lvl7pPr>
+            <a:lvl8pPr>
+              <a:defRPr sz="1800"/>
+            </a:lvl8pPr>
+            <a:lvl9pPr>
+              <a:defRPr sz="1800"/>
+            </a:lvl9pPr>
+          </a:lstStyle>
+          <a:p>
+            <a:pPr lvl="0"/>
+            <a:r>
+              <a:rPr lang="en-US" smtClean="0"/>
+              <a:t>Click to edit Master text styles</a:t>
+            </a:r>
+          </a:p>
+          <a:p>
+            <a:pPr lvl="1"/>
+            <a:r>
+              <a:rPr lang="en-US" smtClean="0"/>
+              <a:t>Second level</a:t>
+            </a:r>
+          </a:p>
+          <a:p>
+            <a:pPr lvl="2"/>
+            <a:r>
+              <a:rPr lang="en-US" smtClean="0"/>
+              <a:t>Third level</a:t>
+            </a:r>
+          </a:p>
+          <a:p>
+            <a:pPr lvl="3"/>
+            <a:r>
+              <a:rPr lang="en-US" smtClean="0"/>
+              <a:t>Fourth level</a:t>
+            </a:r>
+          </a:p>
+          <a:p>
+            <a:pPr lvl="4"/>
+            <a:r>
+              <a:rPr lang="en-US" smtClean="0"/>
+              <a:t>Fifth level</a:t>
+            </a:r>
+            <a:endParaRPr dirty="0"/>
+          </a:p>
+        </p:txBody>
+      </p:sp>
+      <p:sp>
+        <p:nvSpPr>
+          <p:cNvPr id="5" name="Date Placeholder 3"/>
+          <p:cNvSpPr>
+            <a:spLocks noGrp="1"/>
+          </p:cNvSpPr>
+          <p:nvPr>
+            <p:ph type="dt" sz="half" idx="14"/>
+          </p:nvPr>
+        </p:nvSpPr>
+        <p:spPr/>
+        <p:txBody>
+          <a:bodyPr/>
+          <a:lstStyle>
+            <a:lvl1pPr>
+              <a:defRPr/>
+            </a:lvl1pPr>
+          </a:lstStyle>
+          <a:p>
+            <a:fld id="{D346B6A3-8DE1-41E7-A9B6-8BB0332E3C9B}" type="datetimeFigureOut">
+              <a:rPr lang="en-US"/>
+              <a:pPr/>
+              <a:t>8/27/2012</a:t>
+            </a:fld>
+            <a:endParaRPr lang="en-US"/>
+          </a:p>
+        </p:txBody>
+      </p:sp>
+      <p:sp>
+        <p:nvSpPr>
+          <p:cNvPr id="6" name="Footer Placeholder 4"/>
+          <p:cNvSpPr>
+            <a:spLocks noGrp="1"/>
+          </p:cNvSpPr>
+          <p:nvPr>
+            <p:ph type="ftr" sz="quarter" idx="15"/>
+          </p:nvPr>
+        </p:nvSpPr>
+        <p:spPr/>
+        <p:txBody>
+          <a:bodyPr/>
+          <a:lstStyle>
+            <a:lvl1pPr>
+              <a:defRPr/>
+            </a:lvl1pPr>
+          </a:lstStyle>
+          <a:p>
+            <a:pPr>
+              <a:defRPr/>
+            </a:pPr>
+            <a:endParaRPr lang="en-US">
+              <a:solidFill>
+                <a:prstClr val="black">
+                  <a:lumMod val="50000"/>
+                  <a:lumOff val="50000"/>
+                </a:prstClr>
+              </a:solidFill>
+            </a:endParaRPr>
+          </a:p>
+        </p:txBody>
+      </p:sp>
+      <p:sp>
+        <p:nvSpPr>
+          <p:cNvPr id="7" name="Slide Number Placeholder 5"/>
+          <p:cNvSpPr>
+            <a:spLocks noGrp="1"/>
+          </p:cNvSpPr>
+          <p:nvPr>
+            <p:ph type="sldNum" sz="quarter" idx="16"/>
+          </p:nvPr>
+        </p:nvSpPr>
+        <p:spPr/>
+        <p:txBody>
+          <a:bodyPr/>
+          <a:lstStyle>
+            <a:lvl1pPr>
+              <a:defRPr/>
+            </a:lvl1pPr>
+          </a:lstStyle>
+          <a:p>
+            <a:fld id="{290EFEEB-7B35-4E14-8FE9-658C29204317}" type="slidenum">
+              <a:rPr lang="en-US"/>
+              <a:pPr/>
+              <a:t>‹#›</a:t>
+            </a:fld>
+            <a:endParaRPr lang="en-US"/>
+          </a:p>
+        </p:txBody>
+      </p:sp>
+    </p:spTree>
+    <p:extLst>
+      <p:ext uri="{BB962C8B-B14F-4D97-AF65-F5344CB8AC3E}">
+        <p14:creationId xmlns:p14="http://schemas.microsoft.com/office/powerpoint/2010/main" val="3132840208"/>
+      </p:ext>
+    </p:extLst>
+  </p:cSld>
+  <p:clrMapOvr>
+    <a:masterClrMapping/>
+  </p:clrMapOvr>
+</p:sldLayout>
+</file>
+
+<file path=ppt/slideLayouts/slideLayout18.xml><?xml version="1.0" encoding="utf-8"?>
+<p:sldLayout xmlns:a="http://schemas.openxmlformats.org/drawingml/2006/main" xmlns:r="http://schemas.openxmlformats.org/officeDocument/2006/relationships" xmlns:p="http://schemas.openxmlformats.org/presentationml/2006/main" preserve="1">
+  <p:cSld name="3 Content">
+    <p:spTree>
+      <p:nvGrpSpPr>
+        <p:cNvPr id="1" name=""/>
+        <p:cNvGrpSpPr/>
+        <p:nvPr/>
+      </p:nvGrpSpPr>
+      <p:grpSpPr>
+        <a:xfrm>
+          <a:off x="0" y="0"/>
+          <a:ext cx="0" cy="0"/>
+          <a:chOff x="0" y="0"/>
+          <a:chExt cx="0" cy="0"/>
+        </a:xfrm>
+      </p:grpSpPr>
+      <p:sp>
+        <p:nvSpPr>
+          <p:cNvPr id="2" name="Title 1"/>
+          <p:cNvSpPr>
+            <a:spLocks noGrp="1"/>
+          </p:cNvSpPr>
+          <p:nvPr>
+            <p:ph type="title"/>
+          </p:nvPr>
+        </p:nvSpPr>
+        <p:spPr/>
+        <p:txBody>
+          <a:bodyPr/>
+          <a:lstStyle/>
+          <a:p>
+            <a:r>
+              <a:rPr lang="en-US" smtClean="0"/>
+              <a:t>Click to edit Master title style</a:t>
+            </a:r>
+            <a:endParaRPr/>
+          </a:p>
+        </p:txBody>
+      </p:sp>
+      <p:sp>
+        <p:nvSpPr>
+          <p:cNvPr id="3" name="Content Placeholder 2"/>
+          <p:cNvSpPr>
+            <a:spLocks noGrp="1"/>
+          </p:cNvSpPr>
+          <p:nvPr>
+            <p:ph sz="half" idx="1"/>
+          </p:nvPr>
+        </p:nvSpPr>
+        <p:spPr>
+          <a:xfrm>
+            <a:off x="4636008" y="2784475"/>
+            <a:ext cx="3767328" cy="1554480"/>
+          </a:xfrm>
+        </p:spPr>
+        <p:txBody>
+          <a:bodyPr/>
+          <a:lstStyle>
+            <a:lvl1pPr>
+              <a:defRPr sz="1800"/>
+            </a:lvl1pPr>
+            <a:lvl2pPr>
+              <a:defRPr sz="1800"/>
+            </a:lvl2pPr>
+            <a:lvl3pPr>
+              <a:defRPr sz="1800"/>
+            </a:lvl3pPr>
+            <a:lvl4pPr>
+              <a:defRPr sz="1800"/>
+            </a:lvl4pPr>
+            <a:lvl5pPr>
+              <a:defRPr sz="1800"/>
+            </a:lvl5pPr>
+            <a:lvl6pPr marL="1946275" indent="-227013">
+              <a:defRPr sz="1600"/>
+            </a:lvl6pPr>
+            <a:lvl7pPr marL="2173288" indent="-227013">
+              <a:defRPr sz="1600"/>
+            </a:lvl7pPr>
+            <a:lvl8pPr marL="2398713" indent="-227013">
+              <a:defRPr sz="1600"/>
+            </a:lvl8pPr>
+            <a:lvl9pPr marL="2625725" indent="-227013">
+              <a:defRPr sz="1600"/>
+            </a:lvl9pPr>
+          </a:lstStyle>
+          <a:p>
+            <a:pPr lvl="0"/>
+            <a:r>
+              <a:rPr lang="en-US" smtClean="0"/>
+              <a:t>Click to edit Master text styles</a:t>
+            </a:r>
+          </a:p>
+          <a:p>
+            <a:pPr lvl="1"/>
+            <a:r>
+              <a:rPr lang="en-US" smtClean="0"/>
+              <a:t>Second level</a:t>
+            </a:r>
+          </a:p>
+          <a:p>
+            <a:pPr lvl="2"/>
+            <a:r>
+              <a:rPr lang="en-US" smtClean="0"/>
+              <a:t>Third level</a:t>
+            </a:r>
+          </a:p>
+          <a:p>
+            <a:pPr lvl="3"/>
+            <a:r>
+              <a:rPr lang="en-US" smtClean="0"/>
+              <a:t>Fourth level</a:t>
+            </a:r>
+          </a:p>
+          <a:p>
+            <a:pPr lvl="4"/>
+            <a:r>
+              <a:rPr lang="en-US" smtClean="0"/>
+              <a:t>Fifth level</a:t>
+            </a:r>
+            <a:endParaRPr dirty="0"/>
+          </a:p>
+        </p:txBody>
+      </p:sp>
+      <p:sp>
+        <p:nvSpPr>
+          <p:cNvPr id="8" name="Content Placeholder 2"/>
+          <p:cNvSpPr>
+            <a:spLocks noGrp="1"/>
+          </p:cNvSpPr>
+          <p:nvPr>
+            <p:ph sz="half" idx="13"/>
+          </p:nvPr>
+        </p:nvSpPr>
+        <p:spPr>
+          <a:xfrm>
+            <a:off x="4636008" y="4497070"/>
+            <a:ext cx="3767328" cy="1554480"/>
+          </a:xfrm>
+        </p:spPr>
+        <p:txBody>
+          <a:bodyPr/>
+          <a:lstStyle>
+            <a:lvl1pPr>
+              <a:defRPr sz="1800"/>
+            </a:lvl1pPr>
+            <a:lvl2pPr>
+              <a:defRPr sz="1800"/>
+            </a:lvl2pPr>
+            <a:lvl3pPr>
+              <a:defRPr sz="1800"/>
+            </a:lvl3pPr>
+            <a:lvl4pPr>
+              <a:defRPr sz="1800"/>
+            </a:lvl4pPr>
+            <a:lvl5pPr>
+              <a:defRPr sz="1800"/>
+            </a:lvl5pPr>
+            <a:lvl6pPr marL="1946275" indent="-234950">
+              <a:defRPr sz="1600"/>
+            </a:lvl6pPr>
+            <a:lvl7pPr marL="2173288" indent="-234950">
+              <a:defRPr sz="1600"/>
+            </a:lvl7pPr>
+            <a:lvl8pPr marL="2398713" indent="-234950">
+              <a:defRPr sz="1600"/>
+            </a:lvl8pPr>
+            <a:lvl9pPr marL="2625725" indent="-234950">
+              <a:defRPr sz="1600"/>
+            </a:lvl9pPr>
+          </a:lstStyle>
+          <a:p>
+            <a:pPr lvl="0"/>
+            <a:r>
+              <a:rPr lang="en-US" smtClean="0"/>
+              <a:t>Click to edit Master text styles</a:t>
+            </a:r>
+          </a:p>
+          <a:p>
+            <a:pPr lvl="1"/>
+            <a:r>
+              <a:rPr lang="en-US" smtClean="0"/>
+              <a:t>Second level</a:t>
+            </a:r>
+          </a:p>
+          <a:p>
+            <a:pPr lvl="2"/>
+            <a:r>
+              <a:rPr lang="en-US" smtClean="0"/>
+              <a:t>Third level</a:t>
+            </a:r>
+          </a:p>
+          <a:p>
+            <a:pPr lvl="3"/>
+            <a:r>
+              <a:rPr lang="en-US" smtClean="0"/>
+              <a:t>Fourth level</a:t>
+            </a:r>
+          </a:p>
+          <a:p>
+            <a:pPr lvl="4"/>
+            <a:r>
+              <a:rPr lang="en-US" smtClean="0"/>
+              <a:t>Fifth level</a:t>
+            </a:r>
+            <a:endParaRPr dirty="0"/>
+          </a:p>
+        </p:txBody>
+      </p:sp>
+      <p:sp>
+        <p:nvSpPr>
+          <p:cNvPr id="9" name="Content Placeholder 2"/>
+          <p:cNvSpPr>
+            <a:spLocks noGrp="1"/>
+          </p:cNvSpPr>
+          <p:nvPr>
+            <p:ph sz="half" idx="14"/>
+          </p:nvPr>
+        </p:nvSpPr>
+        <p:spPr>
+          <a:xfrm>
+            <a:off x="740664" y="2784475"/>
+            <a:ext cx="3767328" cy="3252788"/>
+          </a:xfrm>
+        </p:spPr>
+        <p:txBody>
+          <a:bodyPr/>
+          <a:lstStyle>
+            <a:lvl1pPr>
+              <a:defRPr sz="1800"/>
+            </a:lvl1pPr>
+            <a:lvl2pPr>
+              <a:defRPr sz="1800"/>
+            </a:lvl2pPr>
+            <a:lvl3pPr>
+              <a:defRPr sz="1800"/>
+            </a:lvl3pPr>
+            <a:lvl4pPr>
+              <a:defRPr sz="1800"/>
+            </a:lvl4pPr>
+            <a:lvl5pPr>
+              <a:defRPr sz="1800"/>
+            </a:lvl5pPr>
+            <a:lvl6pPr marL="1946275" indent="-234950">
+              <a:defRPr sz="1600"/>
+            </a:lvl6pPr>
+            <a:lvl7pPr marL="2173288" indent="-234950">
+              <a:defRPr sz="1600"/>
+            </a:lvl7pPr>
+            <a:lvl8pPr marL="2398713" indent="-234950">
+              <a:defRPr sz="1600"/>
+            </a:lvl8pPr>
+            <a:lvl9pPr marL="2625725" indent="-234950">
+              <a:defRPr sz="1600"/>
+            </a:lvl9pPr>
+          </a:lstStyle>
+          <a:p>
+            <a:pPr lvl="0"/>
+            <a:r>
+              <a:rPr lang="en-US" smtClean="0"/>
+              <a:t>Click to edit Master text styles</a:t>
+            </a:r>
+          </a:p>
+          <a:p>
+            <a:pPr lvl="1"/>
+            <a:r>
+              <a:rPr lang="en-US" smtClean="0"/>
+              <a:t>Second level</a:t>
+            </a:r>
+          </a:p>
+          <a:p>
+            <a:pPr lvl="2"/>
+            <a:r>
+              <a:rPr lang="en-US" smtClean="0"/>
+              <a:t>Third level</a:t>
+            </a:r>
+          </a:p>
+          <a:p>
+            <a:pPr lvl="3"/>
+            <a:r>
+              <a:rPr lang="en-US" smtClean="0"/>
+              <a:t>Fourth level</a:t>
+            </a:r>
+          </a:p>
+          <a:p>
+            <a:pPr lvl="4"/>
+            <a:r>
+              <a:rPr lang="en-US" smtClean="0"/>
+              <a:t>Fifth level</a:t>
+            </a:r>
+            <a:endParaRPr dirty="0"/>
+          </a:p>
+        </p:txBody>
+      </p:sp>
+      <p:sp>
+        <p:nvSpPr>
+          <p:cNvPr id="6" name="Date Placeholder 3"/>
+          <p:cNvSpPr>
+            <a:spLocks noGrp="1"/>
+          </p:cNvSpPr>
+          <p:nvPr>
+            <p:ph type="dt" sz="half" idx="15"/>
+          </p:nvPr>
+        </p:nvSpPr>
+        <p:spPr/>
+        <p:txBody>
+          <a:bodyPr/>
+          <a:lstStyle>
+            <a:lvl1pPr>
+              <a:defRPr/>
+            </a:lvl1pPr>
+          </a:lstStyle>
+          <a:p>
+            <a:fld id="{655175A5-BE25-47AC-86F0-DA58CAFE5AEA}" type="datetimeFigureOut">
+              <a:rPr lang="en-US"/>
+              <a:pPr/>
+              <a:t>8/27/2012</a:t>
+            </a:fld>
+            <a:endParaRPr lang="en-US"/>
+          </a:p>
+        </p:txBody>
+      </p:sp>
+      <p:sp>
+        <p:nvSpPr>
+          <p:cNvPr id="7" name="Footer Placeholder 4"/>
+          <p:cNvSpPr>
+            <a:spLocks noGrp="1"/>
+          </p:cNvSpPr>
+          <p:nvPr>
+            <p:ph type="ftr" sz="quarter" idx="16"/>
+          </p:nvPr>
+        </p:nvSpPr>
+        <p:spPr/>
+        <p:txBody>
+          <a:bodyPr/>
+          <a:lstStyle>
+            <a:lvl1pPr>
+              <a:defRPr/>
+            </a:lvl1pPr>
+          </a:lstStyle>
+          <a:p>
+            <a:pPr>
+              <a:defRPr/>
+            </a:pPr>
+            <a:endParaRPr lang="en-US">
+              <a:solidFill>
+                <a:prstClr val="black">
+                  <a:lumMod val="50000"/>
+                  <a:lumOff val="50000"/>
+                </a:prstClr>
+              </a:solidFill>
+            </a:endParaRPr>
+          </a:p>
+        </p:txBody>
+      </p:sp>
+      <p:sp>
+        <p:nvSpPr>
+          <p:cNvPr id="10" name="Slide Number Placeholder 5"/>
+          <p:cNvSpPr>
+            <a:spLocks noGrp="1"/>
+          </p:cNvSpPr>
+          <p:nvPr>
+            <p:ph type="sldNum" sz="quarter" idx="17"/>
+          </p:nvPr>
+        </p:nvSpPr>
+        <p:spPr/>
+        <p:txBody>
+          <a:bodyPr/>
+          <a:lstStyle>
+            <a:lvl1pPr>
+              <a:defRPr/>
+            </a:lvl1pPr>
+          </a:lstStyle>
+          <a:p>
+            <a:fld id="{3B16A935-204F-4512-B742-8FE49977FCFD}" type="slidenum">
+              <a:rPr lang="en-US"/>
+              <a:pPr/>
+              <a:t>‹#›</a:t>
+            </a:fld>
+            <a:endParaRPr lang="en-US"/>
+          </a:p>
+        </p:txBody>
+      </p:sp>
+    </p:spTree>
+    <p:extLst>
+      <p:ext uri="{BB962C8B-B14F-4D97-AF65-F5344CB8AC3E}">
+        <p14:creationId xmlns:p14="http://schemas.microsoft.com/office/powerpoint/2010/main" val="1647549909"/>
+      </p:ext>
+    </p:extLst>
+  </p:cSld>
+  <p:clrMapOvr>
+    <a:masterClrMapping/>
+  </p:clrMapOvr>
+</p:sldLayout>
+</file>
+
+<file path=ppt/slideLayouts/slideLayout19.xml><?xml version="1.0" encoding="utf-8"?>
+<p:sldLayout xmlns:a="http://schemas.openxmlformats.org/drawingml/2006/main" xmlns:r="http://schemas.openxmlformats.org/officeDocument/2006/relationships" xmlns:p="http://schemas.openxmlformats.org/presentationml/2006/main" preserve="1">
+  <p:cSld name="4 Content">
+    <p:spTree>
+      <p:nvGrpSpPr>
+        <p:cNvPr id="1" name=""/>
+        <p:cNvGrpSpPr/>
+        <p:nvPr/>
+      </p:nvGrpSpPr>
+      <p:grpSpPr>
+        <a:xfrm>
+          <a:off x="0" y="0"/>
+          <a:ext cx="0" cy="0"/>
+          <a:chOff x="0" y="0"/>
+          <a:chExt cx="0" cy="0"/>
+        </a:xfrm>
+      </p:grpSpPr>
+      <p:sp>
+        <p:nvSpPr>
+          <p:cNvPr id="2" name="Title 1"/>
+          <p:cNvSpPr>
+            <a:spLocks noGrp="1"/>
+          </p:cNvSpPr>
+          <p:nvPr>
+            <p:ph type="title"/>
+          </p:nvPr>
+        </p:nvSpPr>
+        <p:spPr/>
+        <p:txBody>
+          <a:bodyPr/>
+          <a:lstStyle/>
+          <a:p>
+            <a:r>
+              <a:rPr lang="en-US" smtClean="0"/>
+              <a:t>Click to edit Master title style</a:t>
+            </a:r>
+            <a:endParaRPr/>
+          </a:p>
+        </p:txBody>
+      </p:sp>
+      <p:sp>
+        <p:nvSpPr>
+          <p:cNvPr id="3" name="Content Placeholder 2"/>
+          <p:cNvSpPr>
+            <a:spLocks noGrp="1"/>
+          </p:cNvSpPr>
+          <p:nvPr>
+            <p:ph sz="half" idx="1"/>
+          </p:nvPr>
+        </p:nvSpPr>
+        <p:spPr>
+          <a:xfrm>
+            <a:off x="4636008" y="2784475"/>
+            <a:ext cx="3767328" cy="1554480"/>
+          </a:xfrm>
+        </p:spPr>
+        <p:txBody>
+          <a:bodyPr/>
+          <a:lstStyle>
+            <a:lvl1pPr>
+              <a:defRPr sz="1800"/>
+            </a:lvl1pPr>
+            <a:lvl2pPr>
+              <a:defRPr sz="1800"/>
+            </a:lvl2pPr>
+            <a:lvl3pPr>
+              <a:defRPr sz="1800"/>
+            </a:lvl3pPr>
+            <a:lvl4pPr>
+              <a:defRPr sz="1800"/>
+            </a:lvl4pPr>
+            <a:lvl5pPr>
+              <a:defRPr sz="1800"/>
+            </a:lvl5pPr>
+            <a:lvl6pPr marL="1946275" indent="-227013">
+              <a:defRPr sz="1600"/>
+            </a:lvl6pPr>
+            <a:lvl7pPr marL="2173288" indent="-227013">
+              <a:defRPr sz="1600"/>
+            </a:lvl7pPr>
+            <a:lvl8pPr marL="2398713" indent="-227013">
+              <a:defRPr sz="1600"/>
+            </a:lvl8pPr>
+            <a:lvl9pPr marL="2625725" indent="-227013">
+              <a:defRPr sz="1600"/>
+            </a:lvl9pPr>
+          </a:lstStyle>
+          <a:p>
+            <a:pPr lvl="0"/>
+            <a:r>
+              <a:rPr lang="en-US" smtClean="0"/>
+              <a:t>Click to edit Master text styles</a:t>
+            </a:r>
+          </a:p>
+          <a:p>
+            <a:pPr lvl="1"/>
+            <a:r>
+              <a:rPr lang="en-US" smtClean="0"/>
+              <a:t>Second level</a:t>
+            </a:r>
+          </a:p>
+          <a:p>
+            <a:pPr lvl="2"/>
+            <a:r>
+              <a:rPr lang="en-US" smtClean="0"/>
+              <a:t>Third level</a:t>
+            </a:r>
+          </a:p>
+          <a:p>
+            <a:pPr lvl="3"/>
+            <a:r>
+              <a:rPr lang="en-US" smtClean="0"/>
+              <a:t>Fourth level</a:t>
+            </a:r>
+          </a:p>
+          <a:p>
+            <a:pPr lvl="4"/>
+            <a:r>
+              <a:rPr lang="en-US" smtClean="0"/>
+              <a:t>Fifth level</a:t>
+            </a:r>
+            <a:endParaRPr dirty="0"/>
+          </a:p>
+        </p:txBody>
+      </p:sp>
+      <p:sp>
+        <p:nvSpPr>
+          <p:cNvPr id="8" name="Content Placeholder 2"/>
+          <p:cNvSpPr>
+            <a:spLocks noGrp="1"/>
+          </p:cNvSpPr>
+          <p:nvPr>
+            <p:ph sz="half" idx="13"/>
+          </p:nvPr>
+        </p:nvSpPr>
+        <p:spPr>
+          <a:xfrm>
+            <a:off x="4636008" y="4497070"/>
+            <a:ext cx="3767328" cy="1554480"/>
+          </a:xfrm>
+        </p:spPr>
+        <p:txBody>
+          <a:bodyPr/>
+          <a:lstStyle>
+            <a:lvl1pPr>
+              <a:defRPr sz="1800"/>
+            </a:lvl1pPr>
+            <a:lvl2pPr>
+              <a:defRPr sz="1800"/>
+            </a:lvl2pPr>
+            <a:lvl3pPr>
+              <a:defRPr sz="1800"/>
+            </a:lvl3pPr>
+            <a:lvl4pPr>
+              <a:defRPr sz="1800"/>
+            </a:lvl4pPr>
+            <a:lvl5pPr>
+              <a:defRPr sz="1800"/>
+            </a:lvl5pPr>
+            <a:lvl6pPr marL="1946275" indent="-234950" algn="l" defTabSz="914400" rtl="0" eaLnBrk="1" latinLnBrk="0" hangingPunct="1">
+              <a:spcBef>
+                <a:spcPct val="20000"/>
+              </a:spcBef>
+              <a:buSzPct val="90000"/>
+              <a:buFont typeface="Wingdings" pitchFamily="2" charset="2"/>
+              <a:buChar char=""/>
+              <a:defRPr lang="en-US" sz="1600" kern="1200" dirty="0" smtClean="0">
+                <a:solidFill>
+                  <a:schemeClr val="tx1">
+                    <a:lumMod val="65000"/>
+                    <a:lumOff val="35000"/>
+                  </a:schemeClr>
+                </a:solidFill>
+                <a:latin typeface="+mn-lt"/>
+                <a:ea typeface="+mn-ea"/>
+                <a:cs typeface="+mn-cs"/>
+              </a:defRPr>
+            </a:lvl6pPr>
+            <a:lvl7pPr marL="2173288" indent="-234950" algn="l" defTabSz="914400" rtl="0" eaLnBrk="1" latinLnBrk="0" hangingPunct="1">
+              <a:spcBef>
+                <a:spcPct val="20000"/>
+              </a:spcBef>
+              <a:buSzPct val="90000"/>
+              <a:buFont typeface="Wingdings" pitchFamily="2" charset="2"/>
+              <a:buChar char=""/>
+              <a:defRPr lang="en-US" sz="1600" kern="1200" dirty="0" smtClean="0">
+                <a:solidFill>
+                  <a:schemeClr val="tx1">
+                    <a:lumMod val="65000"/>
+                    <a:lumOff val="35000"/>
+                  </a:schemeClr>
+                </a:solidFill>
+                <a:latin typeface="+mn-lt"/>
+                <a:ea typeface="+mn-ea"/>
+                <a:cs typeface="+mn-cs"/>
+              </a:defRPr>
+            </a:lvl7pPr>
+            <a:lvl8pPr marL="2398713" indent="-234950" algn="l" defTabSz="914400" rtl="0" eaLnBrk="1" latinLnBrk="0" hangingPunct="1">
+              <a:spcBef>
+                <a:spcPct val="20000"/>
+              </a:spcBef>
+              <a:buSzPct val="90000"/>
+              <a:buFont typeface="Wingdings" pitchFamily="2" charset="2"/>
+              <a:buChar char=""/>
+              <a:defRPr lang="en-US" sz="1600" kern="1200" dirty="0" smtClean="0">
+                <a:solidFill>
+                  <a:schemeClr val="tx1">
+                    <a:lumMod val="65000"/>
+                    <a:lumOff val="35000"/>
+                  </a:schemeClr>
+                </a:solidFill>
+                <a:latin typeface="+mn-lt"/>
+                <a:ea typeface="+mn-ea"/>
+                <a:cs typeface="+mn-cs"/>
+              </a:defRPr>
+            </a:lvl8pPr>
+            <a:lvl9pPr marL="2625725" indent="-234950" algn="l" defTabSz="914400" rtl="0" eaLnBrk="1" latinLnBrk="0" hangingPunct="1">
+              <a:spcBef>
+                <a:spcPct val="20000"/>
+              </a:spcBef>
+              <a:buSzPct val="90000"/>
+              <a:buFont typeface="Wingdings" pitchFamily="2" charset="2"/>
+              <a:buChar char=""/>
+              <a:defRPr lang="en-US" sz="1600" kern="1200" dirty="0">
+                <a:solidFill>
+                  <a:schemeClr val="tx1">
+                    <a:lumMod val="65000"/>
+                    <a:lumOff val="35000"/>
+                  </a:schemeClr>
+                </a:solidFill>
+                <a:latin typeface="+mn-lt"/>
+                <a:ea typeface="+mn-ea"/>
+                <a:cs typeface="+mn-cs"/>
+              </a:defRPr>
+            </a:lvl9pPr>
+          </a:lstStyle>
+          <a:p>
+            <a:pPr lvl="0"/>
+            <a:r>
+              <a:rPr lang="en-US" smtClean="0"/>
+              <a:t>Click to edit Master text styles</a:t>
+            </a:r>
+          </a:p>
+          <a:p>
+            <a:pPr lvl="1"/>
+            <a:r>
+              <a:rPr lang="en-US" smtClean="0"/>
+              <a:t>Second level</a:t>
+            </a:r>
+          </a:p>
+          <a:p>
+            <a:pPr lvl="2"/>
+            <a:r>
+              <a:rPr lang="en-US" smtClean="0"/>
+              <a:t>Third level</a:t>
+            </a:r>
+          </a:p>
+          <a:p>
+            <a:pPr lvl="3"/>
+            <a:r>
+              <a:rPr lang="en-US" smtClean="0"/>
+              <a:t>Fourth level</a:t>
+            </a:r>
+          </a:p>
+          <a:p>
+            <a:pPr lvl="4"/>
+            <a:r>
+              <a:rPr lang="en-US" smtClean="0"/>
+              <a:t>Fifth level</a:t>
+            </a:r>
+            <a:endParaRPr dirty="0"/>
+          </a:p>
+        </p:txBody>
+      </p:sp>
+      <p:sp>
+        <p:nvSpPr>
+          <p:cNvPr id="10" name="Content Placeholder 2"/>
+          <p:cNvSpPr>
+            <a:spLocks noGrp="1"/>
+          </p:cNvSpPr>
+          <p:nvPr>
+            <p:ph sz="half" idx="14"/>
+          </p:nvPr>
+        </p:nvSpPr>
+        <p:spPr>
+          <a:xfrm>
+            <a:off x="739775" y="2784475"/>
+            <a:ext cx="3767328" cy="1554480"/>
+          </a:xfrm>
+        </p:spPr>
+        <p:txBody>
+          <a:bodyPr/>
+          <a:lstStyle>
+            <a:lvl1pPr>
+              <a:defRPr sz="1800"/>
+            </a:lvl1pPr>
+            <a:lvl2pPr>
+              <a:defRPr sz="1800"/>
+            </a:lvl2pPr>
+            <a:lvl3pPr>
+              <a:defRPr sz="1800"/>
+            </a:lvl3pPr>
+            <a:lvl4pPr>
+              <a:defRPr sz="1800"/>
+            </a:lvl4pPr>
+            <a:lvl5pPr>
+              <a:defRPr sz="1800"/>
+            </a:lvl5pPr>
+            <a:lvl6pPr marL="1946275" indent="-227013">
+              <a:defRPr sz="1600"/>
+            </a:lvl6pPr>
+            <a:lvl7pPr marL="2173288" indent="-227013">
+              <a:defRPr sz="1600"/>
+            </a:lvl7pPr>
+            <a:lvl8pPr marL="2398713" indent="-227013">
+              <a:defRPr sz="1600"/>
+            </a:lvl8pPr>
+            <a:lvl9pPr marL="2625725" indent="-227013">
+              <a:defRPr sz="1600"/>
+            </a:lvl9pPr>
+          </a:lstStyle>
+          <a:p>
+            <a:pPr lvl="0"/>
+            <a:r>
+              <a:rPr lang="en-US" smtClean="0"/>
+              <a:t>Click to edit Master text styles</a:t>
+            </a:r>
+          </a:p>
+          <a:p>
+            <a:pPr lvl="1"/>
+            <a:r>
+              <a:rPr lang="en-US" smtClean="0"/>
+              <a:t>Second level</a:t>
+            </a:r>
+          </a:p>
+          <a:p>
+            <a:pPr lvl="2"/>
+            <a:r>
+              <a:rPr lang="en-US" smtClean="0"/>
+              <a:t>Third level</a:t>
+            </a:r>
+          </a:p>
+          <a:p>
+            <a:pPr lvl="3"/>
+            <a:r>
+              <a:rPr lang="en-US" smtClean="0"/>
+              <a:t>Fourth level</a:t>
+            </a:r>
+          </a:p>
+          <a:p>
+            <a:pPr lvl="4"/>
+            <a:r>
+              <a:rPr lang="en-US" smtClean="0"/>
+              <a:t>Fifth level</a:t>
+            </a:r>
+            <a:endParaRPr dirty="0"/>
+          </a:p>
+        </p:txBody>
+      </p:sp>
+      <p:sp>
+        <p:nvSpPr>
+          <p:cNvPr id="11" name="Content Placeholder 2"/>
+          <p:cNvSpPr>
+            <a:spLocks noGrp="1"/>
+          </p:cNvSpPr>
+          <p:nvPr>
+            <p:ph sz="half" idx="15"/>
+          </p:nvPr>
+        </p:nvSpPr>
+        <p:spPr>
+          <a:xfrm>
+            <a:off x="739775" y="4497070"/>
+            <a:ext cx="3767328" cy="1554480"/>
+          </a:xfrm>
+        </p:spPr>
+        <p:txBody>
+          <a:bodyPr/>
+          <a:lstStyle>
+            <a:lvl1pPr>
+              <a:defRPr sz="1800"/>
+            </a:lvl1pPr>
+            <a:lvl2pPr>
+              <a:defRPr sz="1800"/>
+            </a:lvl2pPr>
+            <a:lvl3pPr>
+              <a:defRPr sz="1800"/>
+            </a:lvl3pPr>
+            <a:lvl4pPr>
+              <a:defRPr sz="1800"/>
+            </a:lvl4pPr>
+            <a:lvl5pPr>
+              <a:defRPr sz="1800"/>
+            </a:lvl5pPr>
+            <a:lvl6pPr marL="1946275" indent="-234950" algn="l" defTabSz="914400" rtl="0" eaLnBrk="1" latinLnBrk="0" hangingPunct="1">
+              <a:spcBef>
+                <a:spcPct val="20000"/>
+              </a:spcBef>
+              <a:buSzPct val="90000"/>
+              <a:buFont typeface="Wingdings" pitchFamily="2" charset="2"/>
+              <a:buChar char=""/>
+              <a:defRPr lang="en-US" sz="1600" kern="1200" dirty="0" smtClean="0">
+                <a:solidFill>
+                  <a:schemeClr val="tx1">
+                    <a:lumMod val="65000"/>
+                    <a:lumOff val="35000"/>
+                  </a:schemeClr>
+                </a:solidFill>
+                <a:latin typeface="+mn-lt"/>
+                <a:ea typeface="+mn-ea"/>
+                <a:cs typeface="+mn-cs"/>
+              </a:defRPr>
+            </a:lvl6pPr>
+            <a:lvl7pPr marL="2173288" indent="-234950" algn="l" defTabSz="914400" rtl="0" eaLnBrk="1" latinLnBrk="0" hangingPunct="1">
+              <a:spcBef>
+                <a:spcPct val="20000"/>
+              </a:spcBef>
+              <a:buSzPct val="90000"/>
+              <a:buFont typeface="Wingdings" pitchFamily="2" charset="2"/>
+              <a:buChar char=""/>
+              <a:defRPr lang="en-US" sz="1600" kern="1200" dirty="0" smtClean="0">
+                <a:solidFill>
+                  <a:schemeClr val="tx1">
+                    <a:lumMod val="65000"/>
+                    <a:lumOff val="35000"/>
+                  </a:schemeClr>
+                </a:solidFill>
+                <a:latin typeface="+mn-lt"/>
+                <a:ea typeface="+mn-ea"/>
+                <a:cs typeface="+mn-cs"/>
+              </a:defRPr>
+            </a:lvl7pPr>
+            <a:lvl8pPr marL="2398713" indent="-234950" algn="l" defTabSz="914400" rtl="0" eaLnBrk="1" latinLnBrk="0" hangingPunct="1">
+              <a:spcBef>
+                <a:spcPct val="20000"/>
+              </a:spcBef>
+              <a:buSzPct val="90000"/>
+              <a:buFont typeface="Wingdings" pitchFamily="2" charset="2"/>
+              <a:buChar char=""/>
+              <a:defRPr lang="en-US" sz="1600" kern="1200" dirty="0" smtClean="0">
+                <a:solidFill>
+                  <a:schemeClr val="tx1">
+                    <a:lumMod val="65000"/>
+                    <a:lumOff val="35000"/>
+                  </a:schemeClr>
+                </a:solidFill>
+                <a:latin typeface="+mn-lt"/>
+                <a:ea typeface="+mn-ea"/>
+                <a:cs typeface="+mn-cs"/>
+              </a:defRPr>
+            </a:lvl8pPr>
+            <a:lvl9pPr marL="2625725" indent="-234950" algn="l" defTabSz="914400" rtl="0" eaLnBrk="1" latinLnBrk="0" hangingPunct="1">
+              <a:spcBef>
+                <a:spcPct val="20000"/>
+              </a:spcBef>
+              <a:buSzPct val="90000"/>
+              <a:buFont typeface="Wingdings" pitchFamily="2" charset="2"/>
+              <a:buChar char=""/>
+              <a:defRPr lang="en-US" sz="1600" kern="1200" dirty="0">
+                <a:solidFill>
+                  <a:schemeClr val="tx1">
+                    <a:lumMod val="65000"/>
+                    <a:lumOff val="35000"/>
+                  </a:schemeClr>
+                </a:solidFill>
+                <a:latin typeface="+mn-lt"/>
+                <a:ea typeface="+mn-ea"/>
+                <a:cs typeface="+mn-cs"/>
+              </a:defRPr>
+            </a:lvl9pPr>
+          </a:lstStyle>
+          <a:p>
+            <a:pPr lvl="0"/>
+            <a:r>
+              <a:rPr lang="en-US" smtClean="0"/>
+              <a:t>Click to edit Master text styles</a:t>
+            </a:r>
+          </a:p>
+          <a:p>
+            <a:pPr lvl="1"/>
+            <a:r>
+              <a:rPr lang="en-US" smtClean="0"/>
+              <a:t>Second level</a:t>
+            </a:r>
+          </a:p>
+          <a:p>
+            <a:pPr lvl="2"/>
+            <a:r>
+              <a:rPr lang="en-US" smtClean="0"/>
+              <a:t>Third level</a:t>
+            </a:r>
+          </a:p>
+          <a:p>
+            <a:pPr lvl="3"/>
+            <a:r>
+              <a:rPr lang="en-US" smtClean="0"/>
+              <a:t>Fourth level</a:t>
+            </a:r>
+          </a:p>
+          <a:p>
+            <a:pPr lvl="4"/>
+            <a:r>
+              <a:rPr lang="en-US" smtClean="0"/>
+              <a:t>Fifth level</a:t>
+            </a:r>
+            <a:endParaRPr dirty="0"/>
+          </a:p>
+        </p:txBody>
+      </p:sp>
+      <p:sp>
+        <p:nvSpPr>
+          <p:cNvPr id="7" name="Date Placeholder 3"/>
+          <p:cNvSpPr>
+            <a:spLocks noGrp="1"/>
+          </p:cNvSpPr>
+          <p:nvPr>
+            <p:ph type="dt" sz="half" idx="16"/>
+          </p:nvPr>
+        </p:nvSpPr>
+        <p:spPr/>
+        <p:txBody>
+          <a:bodyPr/>
+          <a:lstStyle>
+            <a:lvl1pPr>
+              <a:defRPr/>
+            </a:lvl1pPr>
+          </a:lstStyle>
+          <a:p>
+            <a:fld id="{D999E180-FFB6-4E1E-9BD9-42972B974FF4}" type="datetimeFigureOut">
+              <a:rPr lang="en-US"/>
+              <a:pPr/>
+              <a:t>8/27/2012</a:t>
+            </a:fld>
+            <a:endParaRPr lang="en-US"/>
+          </a:p>
+        </p:txBody>
+      </p:sp>
+      <p:sp>
+        <p:nvSpPr>
+          <p:cNvPr id="9" name="Footer Placeholder 4"/>
+          <p:cNvSpPr>
+            <a:spLocks noGrp="1"/>
+          </p:cNvSpPr>
+          <p:nvPr>
+            <p:ph type="ftr" sz="quarter" idx="17"/>
+          </p:nvPr>
+        </p:nvSpPr>
+        <p:spPr/>
+        <p:txBody>
+          <a:bodyPr/>
+          <a:lstStyle>
+            <a:lvl1pPr>
+              <a:defRPr/>
+            </a:lvl1pPr>
+          </a:lstStyle>
+          <a:p>
+            <a:pPr>
+              <a:defRPr/>
+            </a:pPr>
+            <a:endParaRPr lang="en-US">
+              <a:solidFill>
+                <a:prstClr val="black">
+                  <a:lumMod val="50000"/>
+                  <a:lumOff val="50000"/>
+                </a:prstClr>
+              </a:solidFill>
+            </a:endParaRPr>
+          </a:p>
+        </p:txBody>
+      </p:sp>
+      <p:sp>
+        <p:nvSpPr>
+          <p:cNvPr id="12" name="Slide Number Placeholder 5"/>
+          <p:cNvSpPr>
+            <a:spLocks noGrp="1"/>
+          </p:cNvSpPr>
+          <p:nvPr>
+            <p:ph type="sldNum" sz="quarter" idx="18"/>
+          </p:nvPr>
+        </p:nvSpPr>
+        <p:spPr/>
+        <p:txBody>
+          <a:bodyPr/>
+          <a:lstStyle>
+            <a:lvl1pPr>
+              <a:defRPr/>
+            </a:lvl1pPr>
+          </a:lstStyle>
+          <a:p>
+            <a:fld id="{2621BCC2-291E-4F66-9B81-2168F7CF9B7A}" type="slidenum">
+              <a:rPr lang="en-US"/>
+              <a:pPr/>
+              <a:t>‹#›</a:t>
+            </a:fld>
+            <a:endParaRPr lang="en-US"/>
+          </a:p>
+        </p:txBody>
+      </p:sp>
+    </p:spTree>
+    <p:extLst>
+      <p:ext uri="{BB962C8B-B14F-4D97-AF65-F5344CB8AC3E}">
+        <p14:creationId xmlns:p14="http://schemas.microsoft.com/office/powerpoint/2010/main" val="3792139119"/>
+      </p:ext>
+    </p:extLst>
   </p:cSld>
   <p:clrMapOvr>
     <a:masterClrMapping/>
@@ -1154,7 +4400,7 @@
             <a:fld id="{43E31EED-63AD-42FE-9295-013FE4A3F9B7}" type="datetimeFigureOut">
               <a:rPr lang="en-US" smtClean="0"/>
               <a:pPr/>
-              <a:t>8/15/2011</a:t>
+              <a:t>8/27/2012</a:t>
             </a:fld>
             <a:endParaRPr lang="en-US"/>
           </a:p>
@@ -1207,6 +4453,1878 @@
   </p:cSld>
   <p:clrMapOvr>
     <a:masterClrMapping/>
+  </p:clrMapOvr>
+</p:sldLayout>
+</file>
+
+<file path=ppt/slideLayouts/slideLayout20.xml><?xml version="1.0" encoding="utf-8"?>
+<p:sldLayout xmlns:a="http://schemas.openxmlformats.org/drawingml/2006/main" xmlns:r="http://schemas.openxmlformats.org/officeDocument/2006/relationships" xmlns:p="http://schemas.openxmlformats.org/presentationml/2006/main" type="titleOnly" preserve="1">
+  <p:cSld name="Title Only">
+    <p:spTree>
+      <p:nvGrpSpPr>
+        <p:cNvPr id="1" name=""/>
+        <p:cNvGrpSpPr/>
+        <p:nvPr/>
+      </p:nvGrpSpPr>
+      <p:grpSpPr>
+        <a:xfrm>
+          <a:off x="0" y="0"/>
+          <a:ext cx="0" cy="0"/>
+          <a:chOff x="0" y="0"/>
+          <a:chExt cx="0" cy="0"/>
+        </a:xfrm>
+      </p:grpSpPr>
+      <p:sp>
+        <p:nvSpPr>
+          <p:cNvPr id="2" name="Title 1"/>
+          <p:cNvSpPr>
+            <a:spLocks noGrp="1"/>
+          </p:cNvSpPr>
+          <p:nvPr>
+            <p:ph type="title"/>
+          </p:nvPr>
+        </p:nvSpPr>
+        <p:spPr/>
+        <p:txBody>
+          <a:bodyPr/>
+          <a:lstStyle/>
+          <a:p>
+            <a:r>
+              <a:rPr lang="en-US" smtClean="0"/>
+              <a:t>Click to edit Master title style</a:t>
+            </a:r>
+            <a:endParaRPr/>
+          </a:p>
+        </p:txBody>
+      </p:sp>
+      <p:sp>
+        <p:nvSpPr>
+          <p:cNvPr id="3" name="Date Placeholder 3"/>
+          <p:cNvSpPr>
+            <a:spLocks noGrp="1"/>
+          </p:cNvSpPr>
+          <p:nvPr>
+            <p:ph type="dt" sz="half" idx="10"/>
+          </p:nvPr>
+        </p:nvSpPr>
+        <p:spPr/>
+        <p:txBody>
+          <a:bodyPr/>
+          <a:lstStyle>
+            <a:lvl1pPr>
+              <a:defRPr/>
+            </a:lvl1pPr>
+          </a:lstStyle>
+          <a:p>
+            <a:fld id="{7BD9C373-8D14-49E3-AEBE-363B8207FA2C}" type="datetimeFigureOut">
+              <a:rPr lang="en-US"/>
+              <a:pPr/>
+              <a:t>8/27/2012</a:t>
+            </a:fld>
+            <a:endParaRPr lang="en-US"/>
+          </a:p>
+        </p:txBody>
+      </p:sp>
+      <p:sp>
+        <p:nvSpPr>
+          <p:cNvPr id="4" name="Footer Placeholder 4"/>
+          <p:cNvSpPr>
+            <a:spLocks noGrp="1"/>
+          </p:cNvSpPr>
+          <p:nvPr>
+            <p:ph type="ftr" sz="quarter" idx="11"/>
+          </p:nvPr>
+        </p:nvSpPr>
+        <p:spPr/>
+        <p:txBody>
+          <a:bodyPr/>
+          <a:lstStyle>
+            <a:lvl1pPr>
+              <a:defRPr/>
+            </a:lvl1pPr>
+          </a:lstStyle>
+          <a:p>
+            <a:pPr>
+              <a:defRPr/>
+            </a:pPr>
+            <a:endParaRPr lang="en-US">
+              <a:solidFill>
+                <a:prstClr val="black">
+                  <a:lumMod val="50000"/>
+                  <a:lumOff val="50000"/>
+                </a:prstClr>
+              </a:solidFill>
+            </a:endParaRPr>
+          </a:p>
+        </p:txBody>
+      </p:sp>
+      <p:sp>
+        <p:nvSpPr>
+          <p:cNvPr id="5" name="Slide Number Placeholder 5"/>
+          <p:cNvSpPr>
+            <a:spLocks noGrp="1"/>
+          </p:cNvSpPr>
+          <p:nvPr>
+            <p:ph type="sldNum" sz="quarter" idx="12"/>
+          </p:nvPr>
+        </p:nvSpPr>
+        <p:spPr/>
+        <p:txBody>
+          <a:bodyPr/>
+          <a:lstStyle>
+            <a:lvl1pPr>
+              <a:defRPr/>
+            </a:lvl1pPr>
+          </a:lstStyle>
+          <a:p>
+            <a:fld id="{09D59695-FCB3-4F45-9B9E-28D687F6B9C4}" type="slidenum">
+              <a:rPr lang="en-US"/>
+              <a:pPr/>
+              <a:t>‹#›</a:t>
+            </a:fld>
+            <a:endParaRPr lang="en-US"/>
+          </a:p>
+        </p:txBody>
+      </p:sp>
+    </p:spTree>
+    <p:extLst>
+      <p:ext uri="{BB962C8B-B14F-4D97-AF65-F5344CB8AC3E}">
+        <p14:creationId xmlns:p14="http://schemas.microsoft.com/office/powerpoint/2010/main" val="3760808331"/>
+      </p:ext>
+    </p:extLst>
+  </p:cSld>
+  <p:clrMapOvr>
+    <a:masterClrMapping/>
+  </p:clrMapOvr>
+</p:sldLayout>
+</file>
+
+<file path=ppt/slideLayouts/slideLayout21.xml><?xml version="1.0" encoding="utf-8"?>
+<p:sldLayout xmlns:a="http://schemas.openxmlformats.org/drawingml/2006/main" xmlns:r="http://schemas.openxmlformats.org/officeDocument/2006/relationships" xmlns:p="http://schemas.openxmlformats.org/presentationml/2006/main" type="blank" preserve="1">
+  <p:cSld name="Blank">
+    <p:bg>
+      <p:bgRef idx="1001">
+        <a:schemeClr val="bg1"/>
+      </p:bgRef>
+    </p:bg>
+    <p:spTree>
+      <p:nvGrpSpPr>
+        <p:cNvPr id="1" name=""/>
+        <p:cNvGrpSpPr/>
+        <p:nvPr/>
+      </p:nvGrpSpPr>
+      <p:grpSpPr>
+        <a:xfrm>
+          <a:off x="0" y="0"/>
+          <a:ext cx="0" cy="0"/>
+          <a:chOff x="0" y="0"/>
+          <a:chExt cx="0" cy="0"/>
+        </a:xfrm>
+      </p:grpSpPr>
+      <p:sp>
+        <p:nvSpPr>
+          <p:cNvPr id="2" name="Date Placeholder 1"/>
+          <p:cNvSpPr>
+            <a:spLocks noGrp="1"/>
+          </p:cNvSpPr>
+          <p:nvPr>
+            <p:ph type="dt" sz="half" idx="10"/>
+          </p:nvPr>
+        </p:nvSpPr>
+        <p:spPr/>
+        <p:txBody>
+          <a:bodyPr/>
+          <a:lstStyle>
+            <a:lvl1pPr>
+              <a:defRPr/>
+            </a:lvl1pPr>
+          </a:lstStyle>
+          <a:p>
+            <a:fld id="{E90F73CB-8B2A-40BD-9A45-3CC8FCA01821}" type="datetimeFigureOut">
+              <a:rPr lang="en-US"/>
+              <a:pPr/>
+              <a:t>8/27/2012</a:t>
+            </a:fld>
+            <a:endParaRPr lang="en-US"/>
+          </a:p>
+        </p:txBody>
+      </p:sp>
+      <p:sp>
+        <p:nvSpPr>
+          <p:cNvPr id="3" name="Footer Placeholder 2"/>
+          <p:cNvSpPr>
+            <a:spLocks noGrp="1"/>
+          </p:cNvSpPr>
+          <p:nvPr>
+            <p:ph type="ftr" sz="quarter" idx="11"/>
+          </p:nvPr>
+        </p:nvSpPr>
+        <p:spPr/>
+        <p:txBody>
+          <a:bodyPr/>
+          <a:lstStyle>
+            <a:lvl1pPr>
+              <a:defRPr/>
+            </a:lvl1pPr>
+          </a:lstStyle>
+          <a:p>
+            <a:pPr>
+              <a:defRPr/>
+            </a:pPr>
+            <a:endParaRPr lang="en-US">
+              <a:solidFill>
+                <a:prstClr val="black">
+                  <a:lumMod val="50000"/>
+                  <a:lumOff val="50000"/>
+                </a:prstClr>
+              </a:solidFill>
+            </a:endParaRPr>
+          </a:p>
+        </p:txBody>
+      </p:sp>
+      <p:sp>
+        <p:nvSpPr>
+          <p:cNvPr id="4" name="Slide Number Placeholder 3"/>
+          <p:cNvSpPr>
+            <a:spLocks noGrp="1"/>
+          </p:cNvSpPr>
+          <p:nvPr>
+            <p:ph type="sldNum" sz="quarter" idx="12"/>
+          </p:nvPr>
+        </p:nvSpPr>
+        <p:spPr/>
+        <p:txBody>
+          <a:bodyPr/>
+          <a:lstStyle>
+            <a:lvl1pPr>
+              <a:defRPr/>
+            </a:lvl1pPr>
+          </a:lstStyle>
+          <a:p>
+            <a:fld id="{E51F87FF-CD27-49C7-AA38-C340E2210C7A}" type="slidenum">
+              <a:rPr lang="en-US"/>
+              <a:pPr/>
+              <a:t>‹#›</a:t>
+            </a:fld>
+            <a:endParaRPr lang="en-US"/>
+          </a:p>
+        </p:txBody>
+      </p:sp>
+    </p:spTree>
+    <p:extLst>
+      <p:ext uri="{BB962C8B-B14F-4D97-AF65-F5344CB8AC3E}">
+        <p14:creationId xmlns:p14="http://schemas.microsoft.com/office/powerpoint/2010/main" val="2082266648"/>
+      </p:ext>
+    </p:extLst>
+  </p:cSld>
+  <p:clrMapOvr>
+    <a:overrideClrMapping bg1="lt1" tx1="dk1" bg2="lt2" tx2="dk2" accent1="accent1" accent2="accent2" accent3="accent3" accent4="accent4" accent5="accent5" accent6="accent6" hlink="hlink" folHlink="folHlink"/>
+  </p:clrMapOvr>
+</p:sldLayout>
+</file>
+
+<file path=ppt/slideLayouts/slideLayout22.xml><?xml version="1.0" encoding="utf-8"?>
+<p:sldLayout xmlns:a="http://schemas.openxmlformats.org/drawingml/2006/main" xmlns:r="http://schemas.openxmlformats.org/officeDocument/2006/relationships" xmlns:p="http://schemas.openxmlformats.org/presentationml/2006/main" type="objTx" preserve="1">
+  <p:cSld name="Content with Caption">
+    <p:bg>
+      <p:bgPr>
+        <a:blipFill dpi="0" rotWithShape="0">
+          <a:blip r:embed="rId2"/>
+          <a:srcRect/>
+          <a:stretch>
+            <a:fillRect/>
+          </a:stretch>
+        </a:blipFill>
+        <a:effectLst/>
+      </p:bgPr>
+    </p:bg>
+    <p:spTree>
+      <p:nvGrpSpPr>
+        <p:cNvPr id="1" name=""/>
+        <p:cNvGrpSpPr/>
+        <p:nvPr/>
+      </p:nvGrpSpPr>
+      <p:grpSpPr>
+        <a:xfrm>
+          <a:off x="0" y="0"/>
+          <a:ext cx="0" cy="0"/>
+          <a:chOff x="0" y="0"/>
+          <a:chExt cx="0" cy="0"/>
+        </a:xfrm>
+      </p:grpSpPr>
+      <p:sp>
+        <p:nvSpPr>
+          <p:cNvPr id="2" name="Title 1"/>
+          <p:cNvSpPr>
+            <a:spLocks noGrp="1"/>
+          </p:cNvSpPr>
+          <p:nvPr>
+            <p:ph type="title"/>
+          </p:nvPr>
+        </p:nvSpPr>
+        <p:spPr>
+          <a:xfrm>
+            <a:off x="457199" y="381001"/>
+            <a:ext cx="3509683" cy="2209800"/>
+          </a:xfrm>
+        </p:spPr>
+        <p:txBody>
+          <a:bodyPr anchor="b"/>
+          <a:lstStyle>
+            <a:lvl1pPr algn="l">
+              <a:defRPr sz="4400" b="0"/>
+            </a:lvl1pPr>
+          </a:lstStyle>
+          <a:p>
+            <a:r>
+              <a:rPr lang="en-US" smtClean="0"/>
+              <a:t>Click to edit Master title style</a:t>
+            </a:r>
+            <a:endParaRPr/>
+          </a:p>
+        </p:txBody>
+      </p:sp>
+      <p:sp>
+        <p:nvSpPr>
+          <p:cNvPr id="3" name="Content Placeholder 2"/>
+          <p:cNvSpPr>
+            <a:spLocks noGrp="1"/>
+          </p:cNvSpPr>
+          <p:nvPr>
+            <p:ph idx="1"/>
+          </p:nvPr>
+        </p:nvSpPr>
+        <p:spPr>
+          <a:xfrm>
+            <a:off x="5029200" y="273050"/>
+            <a:ext cx="3657600" cy="5853113"/>
+          </a:xfrm>
+        </p:spPr>
+        <p:txBody>
+          <a:bodyPr>
+            <a:normAutofit/>
+          </a:bodyPr>
+          <a:lstStyle>
+            <a:lvl1pPr>
+              <a:defRPr sz="2200"/>
+            </a:lvl1pPr>
+            <a:lvl2pPr>
+              <a:defRPr sz="2000"/>
+            </a:lvl2pPr>
+            <a:lvl3pPr>
+              <a:defRPr sz="1800"/>
+            </a:lvl3pPr>
+            <a:lvl4pPr>
+              <a:defRPr sz="1800"/>
+            </a:lvl4pPr>
+            <a:lvl5pPr>
+              <a:defRPr sz="1800"/>
+            </a:lvl5pPr>
+            <a:lvl6pPr marL="1946275" indent="-227013">
+              <a:defRPr sz="1600"/>
+            </a:lvl6pPr>
+            <a:lvl7pPr marL="2173288" indent="-227013">
+              <a:defRPr sz="1600"/>
+            </a:lvl7pPr>
+            <a:lvl8pPr marL="2398713" indent="-227013">
+              <a:defRPr sz="1600"/>
+            </a:lvl8pPr>
+            <a:lvl9pPr marL="2625725" indent="-227013">
+              <a:defRPr sz="1600"/>
+            </a:lvl9pPr>
+          </a:lstStyle>
+          <a:p>
+            <a:pPr lvl="0"/>
+            <a:r>
+              <a:rPr lang="en-US" smtClean="0"/>
+              <a:t>Click to edit Master text styles</a:t>
+            </a:r>
+          </a:p>
+          <a:p>
+            <a:pPr lvl="1"/>
+            <a:r>
+              <a:rPr lang="en-US" smtClean="0"/>
+              <a:t>Second level</a:t>
+            </a:r>
+          </a:p>
+          <a:p>
+            <a:pPr lvl="2"/>
+            <a:r>
+              <a:rPr lang="en-US" smtClean="0"/>
+              <a:t>Third level</a:t>
+            </a:r>
+          </a:p>
+          <a:p>
+            <a:pPr lvl="3"/>
+            <a:r>
+              <a:rPr lang="en-US" smtClean="0"/>
+              <a:t>Fourth level</a:t>
+            </a:r>
+          </a:p>
+          <a:p>
+            <a:pPr lvl="4"/>
+            <a:r>
+              <a:rPr lang="en-US" smtClean="0"/>
+              <a:t>Fifth level</a:t>
+            </a:r>
+            <a:endParaRPr dirty="0"/>
+          </a:p>
+        </p:txBody>
+      </p:sp>
+      <p:sp>
+        <p:nvSpPr>
+          <p:cNvPr id="4" name="Text Placeholder 3"/>
+          <p:cNvSpPr>
+            <a:spLocks noGrp="1"/>
+          </p:cNvSpPr>
+          <p:nvPr>
+            <p:ph type="body" sz="half" idx="2"/>
+          </p:nvPr>
+        </p:nvSpPr>
+        <p:spPr>
+          <a:xfrm>
+            <a:off x="457199" y="2649071"/>
+            <a:ext cx="3509683" cy="3388192"/>
+          </a:xfrm>
+        </p:spPr>
+        <p:txBody>
+          <a:bodyPr>
+            <a:normAutofit/>
+          </a:bodyPr>
+          <a:lstStyle>
+            <a:lvl1pPr marL="0" indent="0">
+              <a:spcBef>
+                <a:spcPts val="600"/>
+              </a:spcBef>
+              <a:buNone/>
+              <a:defRPr sz="2000">
+                <a:solidFill>
+                  <a:schemeClr val="bg1"/>
+                </a:solidFill>
+              </a:defRPr>
+            </a:lvl1pPr>
+            <a:lvl2pPr marL="457200" indent="0">
+              <a:buNone/>
+              <a:defRPr sz="1200"/>
+            </a:lvl2pPr>
+            <a:lvl3pPr marL="914400" indent="0">
+              <a:buNone/>
+              <a:defRPr sz="1000"/>
+            </a:lvl3pPr>
+            <a:lvl4pPr marL="1371600" indent="0">
+              <a:buNone/>
+              <a:defRPr sz="900"/>
+            </a:lvl4pPr>
+            <a:lvl5pPr marL="1828800" indent="0">
+              <a:buNone/>
+              <a:defRPr sz="900"/>
+            </a:lvl5pPr>
+            <a:lvl6pPr marL="2286000" indent="0">
+              <a:buNone/>
+              <a:defRPr sz="900"/>
+            </a:lvl6pPr>
+            <a:lvl7pPr marL="2743200" indent="0">
+              <a:buNone/>
+              <a:defRPr sz="900"/>
+            </a:lvl7pPr>
+            <a:lvl8pPr marL="3200400" indent="0">
+              <a:buNone/>
+              <a:defRPr sz="900"/>
+            </a:lvl8pPr>
+            <a:lvl9pPr marL="3657600" indent="0">
+              <a:buNone/>
+              <a:defRPr sz="900"/>
+            </a:lvl9pPr>
+          </a:lstStyle>
+          <a:p>
+            <a:pPr lvl="0"/>
+            <a:r>
+              <a:rPr lang="en-US" smtClean="0"/>
+              <a:t>Click to edit Master text styles</a:t>
+            </a:r>
+          </a:p>
+        </p:txBody>
+      </p:sp>
+      <p:sp>
+        <p:nvSpPr>
+          <p:cNvPr id="5" name="Date Placeholder 4"/>
+          <p:cNvSpPr>
+            <a:spLocks noGrp="1"/>
+          </p:cNvSpPr>
+          <p:nvPr>
+            <p:ph type="dt" sz="half" idx="10"/>
+          </p:nvPr>
+        </p:nvSpPr>
+        <p:spPr/>
+        <p:txBody>
+          <a:bodyPr/>
+          <a:lstStyle>
+            <a:lvl1pPr>
+              <a:defRPr>
+                <a:solidFill>
+                  <a:schemeClr val="bg1"/>
+                </a:solidFill>
+              </a:defRPr>
+            </a:lvl1pPr>
+          </a:lstStyle>
+          <a:p>
+            <a:fld id="{90122FE8-1C82-4DC4-BA1E-22CEF88AAB4C}" type="datetimeFigureOut">
+              <a:rPr lang="en-US">
+                <a:solidFill>
+                  <a:prstClr val="white"/>
+                </a:solidFill>
+              </a:rPr>
+              <a:pPr/>
+              <a:t>8/27/2012</a:t>
+            </a:fld>
+            <a:endParaRPr lang="en-US">
+              <a:solidFill>
+                <a:prstClr val="white"/>
+              </a:solidFill>
+            </a:endParaRPr>
+          </a:p>
+        </p:txBody>
+      </p:sp>
+      <p:sp>
+        <p:nvSpPr>
+          <p:cNvPr id="6" name="Footer Placeholder 5"/>
+          <p:cNvSpPr>
+            <a:spLocks noGrp="1"/>
+          </p:cNvSpPr>
+          <p:nvPr>
+            <p:ph type="ftr" sz="quarter" idx="11"/>
+          </p:nvPr>
+        </p:nvSpPr>
+        <p:spPr/>
+        <p:txBody>
+          <a:bodyPr/>
+          <a:lstStyle>
+            <a:lvl1pPr>
+              <a:defRPr/>
+            </a:lvl1pPr>
+          </a:lstStyle>
+          <a:p>
+            <a:pPr>
+              <a:defRPr/>
+            </a:pPr>
+            <a:endParaRPr lang="en-US">
+              <a:solidFill>
+                <a:prstClr val="black">
+                  <a:lumMod val="50000"/>
+                  <a:lumOff val="50000"/>
+                </a:prstClr>
+              </a:solidFill>
+            </a:endParaRPr>
+          </a:p>
+        </p:txBody>
+      </p:sp>
+      <p:sp>
+        <p:nvSpPr>
+          <p:cNvPr id="7" name="Slide Number Placeholder 6"/>
+          <p:cNvSpPr>
+            <a:spLocks noGrp="1"/>
+          </p:cNvSpPr>
+          <p:nvPr>
+            <p:ph type="sldNum" sz="quarter" idx="12"/>
+          </p:nvPr>
+        </p:nvSpPr>
+        <p:spPr/>
+        <p:txBody>
+          <a:bodyPr/>
+          <a:lstStyle>
+            <a:lvl1pPr>
+              <a:defRPr/>
+            </a:lvl1pPr>
+          </a:lstStyle>
+          <a:p>
+            <a:fld id="{5FB080F2-666E-4438-81B3-6BAD9CF1E6D2}" type="slidenum">
+              <a:rPr lang="en-US"/>
+              <a:pPr/>
+              <a:t>‹#›</a:t>
+            </a:fld>
+            <a:endParaRPr lang="en-US"/>
+          </a:p>
+        </p:txBody>
+      </p:sp>
+    </p:spTree>
+    <p:extLst>
+      <p:ext uri="{BB962C8B-B14F-4D97-AF65-F5344CB8AC3E}">
+        <p14:creationId xmlns:p14="http://schemas.microsoft.com/office/powerpoint/2010/main" val="314885482"/>
+      </p:ext>
+    </p:extLst>
+  </p:cSld>
+  <p:clrMapOvr>
+    <a:masterClrMapping/>
+  </p:clrMapOvr>
+</p:sldLayout>
+</file>
+
+<file path=ppt/slideLayouts/slideLayout23.xml><?xml version="1.0" encoding="utf-8"?>
+<p:sldLayout xmlns:a="http://schemas.openxmlformats.org/drawingml/2006/main" xmlns:r="http://schemas.openxmlformats.org/officeDocument/2006/relationships" xmlns:p="http://schemas.openxmlformats.org/presentationml/2006/main" preserve="1">
+  <p:cSld name="Picture with Caption">
+    <p:bg>
+      <p:bgPr>
+        <a:blipFill dpi="0" rotWithShape="0">
+          <a:blip r:embed="rId2"/>
+          <a:srcRect/>
+          <a:stretch>
+            <a:fillRect/>
+          </a:stretch>
+        </a:blipFill>
+        <a:effectLst/>
+      </p:bgPr>
+    </p:bg>
+    <p:spTree>
+      <p:nvGrpSpPr>
+        <p:cNvPr id="1" name=""/>
+        <p:cNvGrpSpPr/>
+        <p:nvPr/>
+      </p:nvGrpSpPr>
+      <p:grpSpPr>
+        <a:xfrm>
+          <a:off x="0" y="0"/>
+          <a:ext cx="0" cy="0"/>
+          <a:chOff x="0" y="0"/>
+          <a:chExt cx="0" cy="0"/>
+        </a:xfrm>
+      </p:grpSpPr>
+      <p:sp>
+        <p:nvSpPr>
+          <p:cNvPr id="2" name="Title 1"/>
+          <p:cNvSpPr>
+            <a:spLocks noGrp="1"/>
+          </p:cNvSpPr>
+          <p:nvPr>
+            <p:ph type="title"/>
+          </p:nvPr>
+        </p:nvSpPr>
+        <p:spPr>
+          <a:xfrm>
+            <a:off x="5051425" y="381001"/>
+            <a:ext cx="3635375" cy="2209800"/>
+          </a:xfrm>
+        </p:spPr>
+        <p:txBody>
+          <a:bodyPr anchor="b"/>
+          <a:lstStyle>
+            <a:lvl1pPr algn="l">
+              <a:defRPr sz="4400" b="0">
+                <a:solidFill>
+                  <a:schemeClr val="tx1"/>
+                </a:solidFill>
+              </a:defRPr>
+            </a:lvl1pPr>
+          </a:lstStyle>
+          <a:p>
+            <a:r>
+              <a:rPr lang="en-US" smtClean="0"/>
+              <a:t>Click to edit Master title style</a:t>
+            </a:r>
+            <a:endParaRPr/>
+          </a:p>
+        </p:txBody>
+      </p:sp>
+      <p:sp>
+        <p:nvSpPr>
+          <p:cNvPr id="4" name="Text Placeholder 3"/>
+          <p:cNvSpPr>
+            <a:spLocks noGrp="1"/>
+          </p:cNvSpPr>
+          <p:nvPr>
+            <p:ph type="body" sz="half" idx="2"/>
+          </p:nvPr>
+        </p:nvSpPr>
+        <p:spPr>
+          <a:xfrm>
+            <a:off x="5051425" y="2649070"/>
+            <a:ext cx="3635375" cy="3505667"/>
+          </a:xfrm>
+        </p:spPr>
+        <p:txBody>
+          <a:bodyPr>
+            <a:normAutofit/>
+          </a:bodyPr>
+          <a:lstStyle>
+            <a:lvl1pPr marL="0" indent="0">
+              <a:spcBef>
+                <a:spcPts val="600"/>
+              </a:spcBef>
+              <a:buNone/>
+              <a:defRPr sz="2000">
+                <a:solidFill>
+                  <a:schemeClr val="tx1">
+                    <a:lumMod val="65000"/>
+                    <a:lumOff val="35000"/>
+                  </a:schemeClr>
+                </a:solidFill>
+              </a:defRPr>
+            </a:lvl1pPr>
+            <a:lvl2pPr marL="457200" indent="0">
+              <a:buNone/>
+              <a:defRPr sz="1200"/>
+            </a:lvl2pPr>
+            <a:lvl3pPr marL="914400" indent="0">
+              <a:buNone/>
+              <a:defRPr sz="1000"/>
+            </a:lvl3pPr>
+            <a:lvl4pPr marL="1371600" indent="0">
+              <a:buNone/>
+              <a:defRPr sz="900"/>
+            </a:lvl4pPr>
+            <a:lvl5pPr marL="1828800" indent="0">
+              <a:buNone/>
+              <a:defRPr sz="900"/>
+            </a:lvl5pPr>
+            <a:lvl6pPr marL="2286000" indent="0">
+              <a:buNone/>
+              <a:defRPr sz="900"/>
+            </a:lvl6pPr>
+            <a:lvl7pPr marL="2743200" indent="0">
+              <a:buNone/>
+              <a:defRPr sz="900"/>
+            </a:lvl7pPr>
+            <a:lvl8pPr marL="3200400" indent="0">
+              <a:buNone/>
+              <a:defRPr sz="900"/>
+            </a:lvl8pPr>
+            <a:lvl9pPr marL="3657600" indent="0">
+              <a:buNone/>
+              <a:defRPr sz="900"/>
+            </a:lvl9pPr>
+          </a:lstStyle>
+          <a:p>
+            <a:pPr lvl="0"/>
+            <a:r>
+              <a:rPr lang="en-US" smtClean="0"/>
+              <a:t>Click to edit Master text styles</a:t>
+            </a:r>
+          </a:p>
+        </p:txBody>
+      </p:sp>
+      <p:sp>
+        <p:nvSpPr>
+          <p:cNvPr id="9" name="Picture Placeholder 8"/>
+          <p:cNvSpPr>
+            <a:spLocks noGrp="1"/>
+          </p:cNvSpPr>
+          <p:nvPr>
+            <p:ph type="pic" sz="quarter" idx="13"/>
+          </p:nvPr>
+        </p:nvSpPr>
+        <p:spPr>
+          <a:xfrm>
+            <a:off x="228600" y="1143000"/>
+            <a:ext cx="4267200" cy="4267200"/>
+          </a:xfrm>
+          <a:prstGeom prst="ellipse">
+            <a:avLst/>
+          </a:prstGeom>
+          <a:ln w="28575">
+            <a:solidFill>
+              <a:schemeClr val="accent1"/>
+            </a:solidFill>
+          </a:ln>
+        </p:spPr>
+        <p:txBody>
+          <a:bodyPr rtlCol="0">
+            <a:normAutofit/>
+          </a:bodyPr>
+          <a:lstStyle>
+            <a:lvl1pPr marL="0" indent="0">
+              <a:buNone/>
+              <a:defRPr>
+                <a:solidFill>
+                  <a:schemeClr val="bg1"/>
+                </a:solidFill>
+              </a:defRPr>
+            </a:lvl1pPr>
+          </a:lstStyle>
+          <a:p>
+            <a:pPr lvl="0"/>
+            <a:r>
+              <a:rPr lang="en-US" noProof="0" smtClean="0"/>
+              <a:t>Click icon to add picture</a:t>
+            </a:r>
+            <a:endParaRPr noProof="0"/>
+          </a:p>
+        </p:txBody>
+      </p:sp>
+      <p:sp>
+        <p:nvSpPr>
+          <p:cNvPr id="5" name="Date Placeholder 4"/>
+          <p:cNvSpPr>
+            <a:spLocks noGrp="1"/>
+          </p:cNvSpPr>
+          <p:nvPr>
+            <p:ph type="dt" sz="half" idx="14"/>
+          </p:nvPr>
+        </p:nvSpPr>
+        <p:spPr/>
+        <p:txBody>
+          <a:bodyPr/>
+          <a:lstStyle>
+            <a:lvl1pPr>
+              <a:defRPr>
+                <a:solidFill>
+                  <a:schemeClr val="bg1"/>
+                </a:solidFill>
+              </a:defRPr>
+            </a:lvl1pPr>
+          </a:lstStyle>
+          <a:p>
+            <a:fld id="{38A88F37-24F2-41A2-BAD6-6B1B485726BD}" type="datetimeFigureOut">
+              <a:rPr lang="en-US">
+                <a:solidFill>
+                  <a:prstClr val="white"/>
+                </a:solidFill>
+              </a:rPr>
+              <a:pPr/>
+              <a:t>8/27/2012</a:t>
+            </a:fld>
+            <a:endParaRPr lang="en-US">
+              <a:solidFill>
+                <a:prstClr val="white"/>
+              </a:solidFill>
+            </a:endParaRPr>
+          </a:p>
+        </p:txBody>
+      </p:sp>
+      <p:sp>
+        <p:nvSpPr>
+          <p:cNvPr id="6" name="Footer Placeholder 5"/>
+          <p:cNvSpPr>
+            <a:spLocks noGrp="1"/>
+          </p:cNvSpPr>
+          <p:nvPr>
+            <p:ph type="ftr" sz="quarter" idx="15"/>
+          </p:nvPr>
+        </p:nvSpPr>
+        <p:spPr/>
+        <p:txBody>
+          <a:bodyPr/>
+          <a:lstStyle>
+            <a:lvl1pPr>
+              <a:defRPr/>
+            </a:lvl1pPr>
+          </a:lstStyle>
+          <a:p>
+            <a:pPr>
+              <a:defRPr/>
+            </a:pPr>
+            <a:endParaRPr lang="en-US">
+              <a:solidFill>
+                <a:prstClr val="black">
+                  <a:lumMod val="50000"/>
+                  <a:lumOff val="50000"/>
+                </a:prstClr>
+              </a:solidFill>
+            </a:endParaRPr>
+          </a:p>
+        </p:txBody>
+      </p:sp>
+      <p:sp>
+        <p:nvSpPr>
+          <p:cNvPr id="7" name="Slide Number Placeholder 6"/>
+          <p:cNvSpPr>
+            <a:spLocks noGrp="1"/>
+          </p:cNvSpPr>
+          <p:nvPr>
+            <p:ph type="sldNum" sz="quarter" idx="16"/>
+          </p:nvPr>
+        </p:nvSpPr>
+        <p:spPr/>
+        <p:txBody>
+          <a:bodyPr/>
+          <a:lstStyle>
+            <a:lvl1pPr>
+              <a:defRPr/>
+            </a:lvl1pPr>
+          </a:lstStyle>
+          <a:p>
+            <a:fld id="{C8B74C93-28B4-4325-8296-F7DB37A0118C}" type="slidenum">
+              <a:rPr lang="en-US"/>
+              <a:pPr/>
+              <a:t>‹#›</a:t>
+            </a:fld>
+            <a:endParaRPr lang="en-US"/>
+          </a:p>
+        </p:txBody>
+      </p:sp>
+    </p:spTree>
+    <p:extLst>
+      <p:ext uri="{BB962C8B-B14F-4D97-AF65-F5344CB8AC3E}">
+        <p14:creationId xmlns:p14="http://schemas.microsoft.com/office/powerpoint/2010/main" val="1902365639"/>
+      </p:ext>
+    </p:extLst>
+  </p:cSld>
+  <p:clrMapOvr>
+    <a:masterClrMapping/>
+  </p:clrMapOvr>
+</p:sldLayout>
+</file>
+
+<file path=ppt/slideLayouts/slideLayout24.xml><?xml version="1.0" encoding="utf-8"?>
+<p:sldLayout xmlns:a="http://schemas.openxmlformats.org/drawingml/2006/main" xmlns:r="http://schemas.openxmlformats.org/officeDocument/2006/relationships" xmlns:p="http://schemas.openxmlformats.org/presentationml/2006/main" preserve="1">
+  <p:cSld name="3 Pictures with Caption">
+    <p:bg>
+      <p:bgPr>
+        <a:blipFill dpi="0" rotWithShape="0">
+          <a:blip r:embed="rId2"/>
+          <a:srcRect/>
+          <a:stretch>
+            <a:fillRect/>
+          </a:stretch>
+        </a:blipFill>
+        <a:effectLst/>
+      </p:bgPr>
+    </p:bg>
+    <p:spTree>
+      <p:nvGrpSpPr>
+        <p:cNvPr id="1" name=""/>
+        <p:cNvGrpSpPr/>
+        <p:nvPr/>
+      </p:nvGrpSpPr>
+      <p:grpSpPr>
+        <a:xfrm>
+          <a:off x="0" y="0"/>
+          <a:ext cx="0" cy="0"/>
+          <a:chOff x="0" y="0"/>
+          <a:chExt cx="0" cy="0"/>
+        </a:xfrm>
+      </p:grpSpPr>
+      <p:sp>
+        <p:nvSpPr>
+          <p:cNvPr id="2" name="Title 1"/>
+          <p:cNvSpPr>
+            <a:spLocks noGrp="1"/>
+          </p:cNvSpPr>
+          <p:nvPr>
+            <p:ph type="title"/>
+          </p:nvPr>
+        </p:nvSpPr>
+        <p:spPr>
+          <a:xfrm>
+            <a:off x="5051425" y="381001"/>
+            <a:ext cx="3635375" cy="2209800"/>
+          </a:xfrm>
+        </p:spPr>
+        <p:txBody>
+          <a:bodyPr anchor="b"/>
+          <a:lstStyle>
+            <a:lvl1pPr algn="l">
+              <a:defRPr sz="4400" b="0">
+                <a:solidFill>
+                  <a:schemeClr val="tx1"/>
+                </a:solidFill>
+              </a:defRPr>
+            </a:lvl1pPr>
+          </a:lstStyle>
+          <a:p>
+            <a:r>
+              <a:rPr lang="en-US" smtClean="0"/>
+              <a:t>Click to edit Master title style</a:t>
+            </a:r>
+            <a:endParaRPr/>
+          </a:p>
+        </p:txBody>
+      </p:sp>
+      <p:sp>
+        <p:nvSpPr>
+          <p:cNvPr id="4" name="Text Placeholder 3"/>
+          <p:cNvSpPr>
+            <a:spLocks noGrp="1"/>
+          </p:cNvSpPr>
+          <p:nvPr>
+            <p:ph type="body" sz="half" idx="2"/>
+          </p:nvPr>
+        </p:nvSpPr>
+        <p:spPr>
+          <a:xfrm>
+            <a:off x="5051425" y="2649070"/>
+            <a:ext cx="3635375" cy="3505667"/>
+          </a:xfrm>
+        </p:spPr>
+        <p:txBody>
+          <a:bodyPr>
+            <a:normAutofit/>
+          </a:bodyPr>
+          <a:lstStyle>
+            <a:lvl1pPr marL="0" indent="0">
+              <a:spcBef>
+                <a:spcPts val="600"/>
+              </a:spcBef>
+              <a:buNone/>
+              <a:defRPr sz="2000">
+                <a:solidFill>
+                  <a:schemeClr val="tx1">
+                    <a:lumMod val="65000"/>
+                    <a:lumOff val="35000"/>
+                  </a:schemeClr>
+                </a:solidFill>
+              </a:defRPr>
+            </a:lvl1pPr>
+            <a:lvl2pPr marL="457200" indent="0">
+              <a:buNone/>
+              <a:defRPr sz="1200"/>
+            </a:lvl2pPr>
+            <a:lvl3pPr marL="914400" indent="0">
+              <a:buNone/>
+              <a:defRPr sz="1000"/>
+            </a:lvl3pPr>
+            <a:lvl4pPr marL="1371600" indent="0">
+              <a:buNone/>
+              <a:defRPr sz="900"/>
+            </a:lvl4pPr>
+            <a:lvl5pPr marL="1828800" indent="0">
+              <a:buNone/>
+              <a:defRPr sz="900"/>
+            </a:lvl5pPr>
+            <a:lvl6pPr marL="2286000" indent="0">
+              <a:buNone/>
+              <a:defRPr sz="900"/>
+            </a:lvl6pPr>
+            <a:lvl7pPr marL="2743200" indent="0">
+              <a:buNone/>
+              <a:defRPr sz="900"/>
+            </a:lvl7pPr>
+            <a:lvl8pPr marL="3200400" indent="0">
+              <a:buNone/>
+              <a:defRPr sz="900"/>
+            </a:lvl8pPr>
+            <a:lvl9pPr marL="3657600" indent="0">
+              <a:buNone/>
+              <a:defRPr sz="900"/>
+            </a:lvl9pPr>
+          </a:lstStyle>
+          <a:p>
+            <a:pPr lvl="0"/>
+            <a:r>
+              <a:rPr lang="en-US" smtClean="0"/>
+              <a:t>Click to edit Master text styles</a:t>
+            </a:r>
+          </a:p>
+        </p:txBody>
+      </p:sp>
+      <p:sp>
+        <p:nvSpPr>
+          <p:cNvPr id="9" name="Picture Placeholder 8"/>
+          <p:cNvSpPr>
+            <a:spLocks noGrp="1"/>
+          </p:cNvSpPr>
+          <p:nvPr>
+            <p:ph type="pic" sz="quarter" idx="13"/>
+          </p:nvPr>
+        </p:nvSpPr>
+        <p:spPr>
+          <a:xfrm>
+            <a:off x="990600" y="2590800"/>
+            <a:ext cx="3505200" cy="3505200"/>
+          </a:xfrm>
+          <a:prstGeom prst="ellipse">
+            <a:avLst/>
+          </a:prstGeom>
+          <a:ln w="28575">
+            <a:solidFill>
+              <a:schemeClr val="accent1"/>
+            </a:solidFill>
+          </a:ln>
+        </p:spPr>
+        <p:txBody>
+          <a:bodyPr rtlCol="0">
+            <a:normAutofit/>
+          </a:bodyPr>
+          <a:lstStyle>
+            <a:lvl1pPr marL="0" indent="0">
+              <a:buNone/>
+              <a:defRPr>
+                <a:solidFill>
+                  <a:schemeClr val="bg1"/>
+                </a:solidFill>
+              </a:defRPr>
+            </a:lvl1pPr>
+          </a:lstStyle>
+          <a:p>
+            <a:pPr lvl="0"/>
+            <a:r>
+              <a:rPr lang="en-US" noProof="0" smtClean="0"/>
+              <a:t>Click icon to add picture</a:t>
+            </a:r>
+            <a:endParaRPr noProof="0"/>
+          </a:p>
+        </p:txBody>
+      </p:sp>
+      <p:sp>
+        <p:nvSpPr>
+          <p:cNvPr id="8" name="Picture Placeholder 8"/>
+          <p:cNvSpPr>
+            <a:spLocks noGrp="1"/>
+          </p:cNvSpPr>
+          <p:nvPr>
+            <p:ph type="pic" sz="quarter" idx="14"/>
+          </p:nvPr>
+        </p:nvSpPr>
+        <p:spPr>
+          <a:xfrm>
+            <a:off x="2479675" y="1260475"/>
+            <a:ext cx="1254125" cy="1254125"/>
+          </a:xfrm>
+          <a:prstGeom prst="ellipse">
+            <a:avLst/>
+          </a:prstGeom>
+          <a:ln w="28575">
+            <a:solidFill>
+              <a:schemeClr val="accent1"/>
+            </a:solidFill>
+          </a:ln>
+        </p:spPr>
+        <p:txBody>
+          <a:bodyPr rtlCol="0">
+            <a:normAutofit/>
+          </a:bodyPr>
+          <a:lstStyle>
+            <a:lvl1pPr marL="0" indent="0">
+              <a:buNone/>
+              <a:defRPr sz="1400">
+                <a:solidFill>
+                  <a:schemeClr val="bg1"/>
+                </a:solidFill>
+              </a:defRPr>
+            </a:lvl1pPr>
+          </a:lstStyle>
+          <a:p>
+            <a:pPr lvl="0"/>
+            <a:r>
+              <a:rPr lang="en-US" noProof="0" smtClean="0"/>
+              <a:t>Click icon to add picture</a:t>
+            </a:r>
+            <a:endParaRPr noProof="0"/>
+          </a:p>
+        </p:txBody>
+      </p:sp>
+      <p:sp>
+        <p:nvSpPr>
+          <p:cNvPr id="10" name="Picture Placeholder 8"/>
+          <p:cNvSpPr>
+            <a:spLocks noGrp="1"/>
+          </p:cNvSpPr>
+          <p:nvPr>
+            <p:ph type="pic" sz="quarter" idx="15"/>
+          </p:nvPr>
+        </p:nvSpPr>
+        <p:spPr>
+          <a:xfrm>
+            <a:off x="269875" y="762000"/>
+            <a:ext cx="2092325" cy="2092325"/>
+          </a:xfrm>
+          <a:prstGeom prst="ellipse">
+            <a:avLst/>
+          </a:prstGeom>
+          <a:ln w="28575">
+            <a:solidFill>
+              <a:schemeClr val="accent1"/>
+            </a:solidFill>
+          </a:ln>
+        </p:spPr>
+        <p:txBody>
+          <a:bodyPr rtlCol="0">
+            <a:normAutofit/>
+          </a:bodyPr>
+          <a:lstStyle>
+            <a:lvl1pPr marL="0" indent="0">
+              <a:buNone/>
+              <a:defRPr sz="1800">
+                <a:solidFill>
+                  <a:schemeClr val="bg1"/>
+                </a:solidFill>
+              </a:defRPr>
+            </a:lvl1pPr>
+          </a:lstStyle>
+          <a:p>
+            <a:pPr lvl="0"/>
+            <a:r>
+              <a:rPr lang="en-US" noProof="0" smtClean="0"/>
+              <a:t>Click icon to add picture</a:t>
+            </a:r>
+            <a:endParaRPr noProof="0"/>
+          </a:p>
+        </p:txBody>
+      </p:sp>
+      <p:sp>
+        <p:nvSpPr>
+          <p:cNvPr id="7" name="Date Placeholder 4"/>
+          <p:cNvSpPr>
+            <a:spLocks noGrp="1"/>
+          </p:cNvSpPr>
+          <p:nvPr>
+            <p:ph type="dt" sz="half" idx="16"/>
+          </p:nvPr>
+        </p:nvSpPr>
+        <p:spPr/>
+        <p:txBody>
+          <a:bodyPr/>
+          <a:lstStyle>
+            <a:lvl1pPr>
+              <a:defRPr>
+                <a:solidFill>
+                  <a:schemeClr val="bg1"/>
+                </a:solidFill>
+              </a:defRPr>
+            </a:lvl1pPr>
+          </a:lstStyle>
+          <a:p>
+            <a:fld id="{0124C0AD-5296-42A7-BF03-AF94AE711962}" type="datetimeFigureOut">
+              <a:rPr lang="en-US">
+                <a:solidFill>
+                  <a:prstClr val="white"/>
+                </a:solidFill>
+              </a:rPr>
+              <a:pPr/>
+              <a:t>8/27/2012</a:t>
+            </a:fld>
+            <a:endParaRPr lang="en-US">
+              <a:solidFill>
+                <a:prstClr val="white"/>
+              </a:solidFill>
+            </a:endParaRPr>
+          </a:p>
+        </p:txBody>
+      </p:sp>
+      <p:sp>
+        <p:nvSpPr>
+          <p:cNvPr id="11" name="Footer Placeholder 5"/>
+          <p:cNvSpPr>
+            <a:spLocks noGrp="1"/>
+          </p:cNvSpPr>
+          <p:nvPr>
+            <p:ph type="ftr" sz="quarter" idx="17"/>
+          </p:nvPr>
+        </p:nvSpPr>
+        <p:spPr/>
+        <p:txBody>
+          <a:bodyPr/>
+          <a:lstStyle>
+            <a:lvl1pPr>
+              <a:defRPr/>
+            </a:lvl1pPr>
+          </a:lstStyle>
+          <a:p>
+            <a:pPr>
+              <a:defRPr/>
+            </a:pPr>
+            <a:endParaRPr lang="en-US">
+              <a:solidFill>
+                <a:prstClr val="black">
+                  <a:lumMod val="50000"/>
+                  <a:lumOff val="50000"/>
+                </a:prstClr>
+              </a:solidFill>
+            </a:endParaRPr>
+          </a:p>
+        </p:txBody>
+      </p:sp>
+      <p:sp>
+        <p:nvSpPr>
+          <p:cNvPr id="12" name="Slide Number Placeholder 6"/>
+          <p:cNvSpPr>
+            <a:spLocks noGrp="1"/>
+          </p:cNvSpPr>
+          <p:nvPr>
+            <p:ph type="sldNum" sz="quarter" idx="18"/>
+          </p:nvPr>
+        </p:nvSpPr>
+        <p:spPr/>
+        <p:txBody>
+          <a:bodyPr/>
+          <a:lstStyle>
+            <a:lvl1pPr>
+              <a:defRPr/>
+            </a:lvl1pPr>
+          </a:lstStyle>
+          <a:p>
+            <a:fld id="{E9E02A55-297E-4940-9A96-EB4DF8BEDC3A}" type="slidenum">
+              <a:rPr lang="en-US"/>
+              <a:pPr/>
+              <a:t>‹#›</a:t>
+            </a:fld>
+            <a:endParaRPr lang="en-US"/>
+          </a:p>
+        </p:txBody>
+      </p:sp>
+    </p:spTree>
+    <p:extLst>
+      <p:ext uri="{BB962C8B-B14F-4D97-AF65-F5344CB8AC3E}">
+        <p14:creationId xmlns:p14="http://schemas.microsoft.com/office/powerpoint/2010/main" val="2012987352"/>
+      </p:ext>
+    </p:extLst>
+  </p:cSld>
+  <p:clrMapOvr>
+    <a:masterClrMapping/>
+  </p:clrMapOvr>
+</p:sldLayout>
+</file>
+
+<file path=ppt/slideLayouts/slideLayout25.xml><?xml version="1.0" encoding="utf-8"?>
+<p:sldLayout xmlns:a="http://schemas.openxmlformats.org/drawingml/2006/main" xmlns:r="http://schemas.openxmlformats.org/officeDocument/2006/relationships" xmlns:p="http://schemas.openxmlformats.org/presentationml/2006/main" type="vertTx" preserve="1">
+  <p:cSld name="Title and Vertical Text">
+    <p:spTree>
+      <p:nvGrpSpPr>
+        <p:cNvPr id="1" name=""/>
+        <p:cNvGrpSpPr/>
+        <p:nvPr/>
+      </p:nvGrpSpPr>
+      <p:grpSpPr>
+        <a:xfrm>
+          <a:off x="0" y="0"/>
+          <a:ext cx="0" cy="0"/>
+          <a:chOff x="0" y="0"/>
+          <a:chExt cx="0" cy="0"/>
+        </a:xfrm>
+      </p:grpSpPr>
+      <p:sp>
+        <p:nvSpPr>
+          <p:cNvPr id="2" name="Title 1"/>
+          <p:cNvSpPr>
+            <a:spLocks noGrp="1"/>
+          </p:cNvSpPr>
+          <p:nvPr>
+            <p:ph type="title"/>
+          </p:nvPr>
+        </p:nvSpPr>
+        <p:spPr/>
+        <p:txBody>
+          <a:bodyPr/>
+          <a:lstStyle/>
+          <a:p>
+            <a:r>
+              <a:rPr lang="en-US" smtClean="0"/>
+              <a:t>Click to edit Master title style</a:t>
+            </a:r>
+            <a:endParaRPr/>
+          </a:p>
+        </p:txBody>
+      </p:sp>
+      <p:sp>
+        <p:nvSpPr>
+          <p:cNvPr id="3" name="Vertical Text Placeholder 2"/>
+          <p:cNvSpPr>
+            <a:spLocks noGrp="1"/>
+          </p:cNvSpPr>
+          <p:nvPr>
+            <p:ph type="body" orient="vert" idx="1"/>
+          </p:nvPr>
+        </p:nvSpPr>
+        <p:spPr>
+          <a:xfrm>
+            <a:off x="457200" y="2568388"/>
+            <a:ext cx="8228013" cy="3468875"/>
+          </a:xfrm>
+        </p:spPr>
+        <p:txBody>
+          <a:bodyPr vert="eaVert"/>
+          <a:lstStyle>
+            <a:lvl5pPr>
+              <a:defRPr/>
+            </a:lvl5pPr>
+            <a:lvl6pPr marL="1719072">
+              <a:defRPr/>
+            </a:lvl6pPr>
+            <a:lvl7pPr marL="1719072">
+              <a:defRPr/>
+            </a:lvl7pPr>
+            <a:lvl8pPr marL="1719072">
+              <a:defRPr/>
+            </a:lvl8pPr>
+            <a:lvl9pPr marL="1719072">
+              <a:defRPr/>
+            </a:lvl9pPr>
+          </a:lstStyle>
+          <a:p>
+            <a:pPr lvl="0"/>
+            <a:r>
+              <a:rPr lang="en-US" smtClean="0"/>
+              <a:t>Click to edit Master text styles</a:t>
+            </a:r>
+          </a:p>
+          <a:p>
+            <a:pPr lvl="1"/>
+            <a:r>
+              <a:rPr lang="en-US" smtClean="0"/>
+              <a:t>Second level</a:t>
+            </a:r>
+          </a:p>
+          <a:p>
+            <a:pPr lvl="2"/>
+            <a:r>
+              <a:rPr lang="en-US" smtClean="0"/>
+              <a:t>Third level</a:t>
+            </a:r>
+          </a:p>
+          <a:p>
+            <a:pPr lvl="3"/>
+            <a:r>
+              <a:rPr lang="en-US" smtClean="0"/>
+              <a:t>Fourth level</a:t>
+            </a:r>
+          </a:p>
+          <a:p>
+            <a:pPr lvl="4"/>
+            <a:r>
+              <a:rPr lang="en-US" smtClean="0"/>
+              <a:t>Fifth level</a:t>
+            </a:r>
+            <a:endParaRPr dirty="0"/>
+          </a:p>
+        </p:txBody>
+      </p:sp>
+      <p:sp>
+        <p:nvSpPr>
+          <p:cNvPr id="4" name="Date Placeholder 3"/>
+          <p:cNvSpPr>
+            <a:spLocks noGrp="1"/>
+          </p:cNvSpPr>
+          <p:nvPr>
+            <p:ph type="dt" sz="half" idx="10"/>
+          </p:nvPr>
+        </p:nvSpPr>
+        <p:spPr/>
+        <p:txBody>
+          <a:bodyPr/>
+          <a:lstStyle>
+            <a:lvl1pPr>
+              <a:defRPr/>
+            </a:lvl1pPr>
+          </a:lstStyle>
+          <a:p>
+            <a:fld id="{EEEE5774-0975-4749-B1DE-391D8A27E4E0}" type="datetimeFigureOut">
+              <a:rPr lang="en-US"/>
+              <a:pPr/>
+              <a:t>8/27/2012</a:t>
+            </a:fld>
+            <a:endParaRPr lang="en-US"/>
+          </a:p>
+        </p:txBody>
+      </p:sp>
+      <p:sp>
+        <p:nvSpPr>
+          <p:cNvPr id="5" name="Footer Placeholder 4"/>
+          <p:cNvSpPr>
+            <a:spLocks noGrp="1"/>
+          </p:cNvSpPr>
+          <p:nvPr>
+            <p:ph type="ftr" sz="quarter" idx="11"/>
+          </p:nvPr>
+        </p:nvSpPr>
+        <p:spPr/>
+        <p:txBody>
+          <a:bodyPr/>
+          <a:lstStyle>
+            <a:lvl1pPr>
+              <a:defRPr/>
+            </a:lvl1pPr>
+          </a:lstStyle>
+          <a:p>
+            <a:pPr>
+              <a:defRPr/>
+            </a:pPr>
+            <a:endParaRPr lang="en-US">
+              <a:solidFill>
+                <a:prstClr val="black">
+                  <a:lumMod val="50000"/>
+                  <a:lumOff val="50000"/>
+                </a:prstClr>
+              </a:solidFill>
+            </a:endParaRPr>
+          </a:p>
+        </p:txBody>
+      </p:sp>
+      <p:sp>
+        <p:nvSpPr>
+          <p:cNvPr id="6" name="Slide Number Placeholder 5"/>
+          <p:cNvSpPr>
+            <a:spLocks noGrp="1"/>
+          </p:cNvSpPr>
+          <p:nvPr>
+            <p:ph type="sldNum" sz="quarter" idx="12"/>
+          </p:nvPr>
+        </p:nvSpPr>
+        <p:spPr/>
+        <p:txBody>
+          <a:bodyPr/>
+          <a:lstStyle>
+            <a:lvl1pPr>
+              <a:defRPr/>
+            </a:lvl1pPr>
+          </a:lstStyle>
+          <a:p>
+            <a:fld id="{DEF93EA7-CD6B-45BA-A0FB-366B4DE63DC6}" type="slidenum">
+              <a:rPr lang="en-US"/>
+              <a:pPr/>
+              <a:t>‹#›</a:t>
+            </a:fld>
+            <a:endParaRPr lang="en-US"/>
+          </a:p>
+        </p:txBody>
+      </p:sp>
+    </p:spTree>
+    <p:extLst>
+      <p:ext uri="{BB962C8B-B14F-4D97-AF65-F5344CB8AC3E}">
+        <p14:creationId xmlns:p14="http://schemas.microsoft.com/office/powerpoint/2010/main" val="1407866079"/>
+      </p:ext>
+    </p:extLst>
+  </p:cSld>
+  <p:clrMapOvr>
+    <a:masterClrMapping/>
+  </p:clrMapOvr>
+</p:sldLayout>
+</file>
+
+<file path=ppt/slideLayouts/slideLayout26.xml><?xml version="1.0" encoding="utf-8"?>
+<p:sldLayout xmlns:a="http://schemas.openxmlformats.org/drawingml/2006/main" xmlns:r="http://schemas.openxmlformats.org/officeDocument/2006/relationships" xmlns:p="http://schemas.openxmlformats.org/presentationml/2006/main" type="vertTitleAndTx" preserve="1">
+  <p:cSld name="Vertical Title and Text">
+    <p:bg>
+      <p:bgPr>
+        <a:blipFill dpi="0" rotWithShape="0">
+          <a:blip r:embed="rId2"/>
+          <a:srcRect/>
+          <a:stretch>
+            <a:fillRect/>
+          </a:stretch>
+        </a:blipFill>
+        <a:effectLst/>
+      </p:bgPr>
+    </p:bg>
+    <p:spTree>
+      <p:nvGrpSpPr>
+        <p:cNvPr id="1" name=""/>
+        <p:cNvGrpSpPr/>
+        <p:nvPr/>
+      </p:nvGrpSpPr>
+      <p:grpSpPr>
+        <a:xfrm>
+          <a:off x="0" y="0"/>
+          <a:ext cx="0" cy="0"/>
+          <a:chOff x="0" y="0"/>
+          <a:chExt cx="0" cy="0"/>
+        </a:xfrm>
+      </p:grpSpPr>
+      <p:sp>
+        <p:nvSpPr>
+          <p:cNvPr id="2" name="Vertical Title 1"/>
+          <p:cNvSpPr>
+            <a:spLocks noGrp="1"/>
+          </p:cNvSpPr>
+          <p:nvPr>
+            <p:ph type="title" orient="vert"/>
+          </p:nvPr>
+        </p:nvSpPr>
+        <p:spPr>
+          <a:xfrm>
+            <a:off x="7086600" y="274638"/>
+            <a:ext cx="1524000" cy="5851525"/>
+          </a:xfrm>
+        </p:spPr>
+        <p:txBody>
+          <a:bodyPr vert="eaVert" anchor="t"/>
+          <a:lstStyle/>
+          <a:p>
+            <a:r>
+              <a:rPr lang="en-US" smtClean="0"/>
+              <a:t>Click to edit Master title style</a:t>
+            </a:r>
+            <a:endParaRPr/>
+          </a:p>
+        </p:txBody>
+      </p:sp>
+      <p:sp>
+        <p:nvSpPr>
+          <p:cNvPr id="3" name="Vertical Text Placeholder 2"/>
+          <p:cNvSpPr>
+            <a:spLocks noGrp="1"/>
+          </p:cNvSpPr>
+          <p:nvPr>
+            <p:ph type="body" orient="vert" idx="1"/>
+          </p:nvPr>
+        </p:nvSpPr>
+        <p:spPr>
+          <a:xfrm>
+            <a:off x="457200" y="416859"/>
+            <a:ext cx="6019800" cy="5615642"/>
+          </a:xfrm>
+        </p:spPr>
+        <p:txBody>
+          <a:bodyPr vert="eaVert"/>
+          <a:lstStyle>
+            <a:lvl5pPr>
+              <a:defRPr/>
+            </a:lvl5pPr>
+          </a:lstStyle>
+          <a:p>
+            <a:pPr lvl="0"/>
+            <a:r>
+              <a:rPr lang="en-US" smtClean="0"/>
+              <a:t>Click to edit Master text styles</a:t>
+            </a:r>
+          </a:p>
+          <a:p>
+            <a:pPr lvl="1"/>
+            <a:r>
+              <a:rPr lang="en-US" smtClean="0"/>
+              <a:t>Second level</a:t>
+            </a:r>
+          </a:p>
+          <a:p>
+            <a:pPr lvl="2"/>
+            <a:r>
+              <a:rPr lang="en-US" smtClean="0"/>
+              <a:t>Third level</a:t>
+            </a:r>
+          </a:p>
+          <a:p>
+            <a:pPr lvl="3"/>
+            <a:r>
+              <a:rPr lang="en-US" smtClean="0"/>
+              <a:t>Fourth level</a:t>
+            </a:r>
+          </a:p>
+          <a:p>
+            <a:pPr lvl="4"/>
+            <a:r>
+              <a:rPr lang="en-US" smtClean="0"/>
+              <a:t>Fifth level</a:t>
+            </a:r>
+            <a:endParaRPr dirty="0"/>
+          </a:p>
+        </p:txBody>
+      </p:sp>
+      <p:sp>
+        <p:nvSpPr>
+          <p:cNvPr id="4" name="Date Placeholder 3"/>
+          <p:cNvSpPr>
+            <a:spLocks noGrp="1"/>
+          </p:cNvSpPr>
+          <p:nvPr>
+            <p:ph type="dt" sz="half" idx="10"/>
+          </p:nvPr>
+        </p:nvSpPr>
+        <p:spPr/>
+        <p:txBody>
+          <a:bodyPr/>
+          <a:lstStyle>
+            <a:lvl1pPr>
+              <a:defRPr/>
+            </a:lvl1pPr>
+          </a:lstStyle>
+          <a:p>
+            <a:fld id="{0C6DB8EE-69D9-48FB-AEFF-4C8F65F8E5FF}" type="datetimeFigureOut">
+              <a:rPr lang="en-US"/>
+              <a:pPr/>
+              <a:t>8/27/2012</a:t>
+            </a:fld>
+            <a:endParaRPr lang="en-US"/>
+          </a:p>
+        </p:txBody>
+      </p:sp>
+      <p:sp>
+        <p:nvSpPr>
+          <p:cNvPr id="5" name="Footer Placeholder 4"/>
+          <p:cNvSpPr>
+            <a:spLocks noGrp="1"/>
+          </p:cNvSpPr>
+          <p:nvPr>
+            <p:ph type="ftr" sz="quarter" idx="11"/>
+          </p:nvPr>
+        </p:nvSpPr>
+        <p:spPr/>
+        <p:txBody>
+          <a:bodyPr/>
+          <a:lstStyle>
+            <a:lvl1pPr>
+              <a:defRPr/>
+            </a:lvl1pPr>
+          </a:lstStyle>
+          <a:p>
+            <a:pPr>
+              <a:defRPr/>
+            </a:pPr>
+            <a:endParaRPr lang="en-US">
+              <a:solidFill>
+                <a:prstClr val="black">
+                  <a:lumMod val="50000"/>
+                  <a:lumOff val="50000"/>
+                </a:prstClr>
+              </a:solidFill>
+            </a:endParaRPr>
+          </a:p>
+        </p:txBody>
+      </p:sp>
+      <p:sp>
+        <p:nvSpPr>
+          <p:cNvPr id="6" name="Slide Number Placeholder 5"/>
+          <p:cNvSpPr>
+            <a:spLocks noGrp="1"/>
+          </p:cNvSpPr>
+          <p:nvPr>
+            <p:ph type="sldNum" sz="quarter" idx="12"/>
+          </p:nvPr>
+        </p:nvSpPr>
+        <p:spPr/>
+        <p:txBody>
+          <a:bodyPr/>
+          <a:lstStyle>
+            <a:lvl1pPr>
+              <a:defRPr/>
+            </a:lvl1pPr>
+          </a:lstStyle>
+          <a:p>
+            <a:fld id="{63318937-1905-4DF5-BE11-78748C21A3D7}" type="slidenum">
+              <a:rPr lang="en-US"/>
+              <a:pPr/>
+              <a:t>‹#›</a:t>
+            </a:fld>
+            <a:endParaRPr lang="en-US"/>
+          </a:p>
+        </p:txBody>
+      </p:sp>
+    </p:spTree>
+    <p:extLst>
+      <p:ext uri="{BB962C8B-B14F-4D97-AF65-F5344CB8AC3E}">
+        <p14:creationId xmlns:p14="http://schemas.microsoft.com/office/powerpoint/2010/main" val="44684059"/>
+      </p:ext>
+    </p:extLst>
+  </p:cSld>
+  <p:clrMapOvr>
+    <a:masterClrMapping/>
+  </p:clrMapOvr>
+</p:sldLayout>
+</file>
+
+<file path=ppt/slideLayouts/slideLayout27.xml><?xml version="1.0" encoding="utf-8"?>
+<p:sldLayout xmlns:a="http://schemas.openxmlformats.org/drawingml/2006/main" xmlns:r="http://schemas.openxmlformats.org/officeDocument/2006/relationships" xmlns:p="http://schemas.openxmlformats.org/presentationml/2006/main" preserve="1">
+  <p:cSld name="Closing">
+    <p:bg>
+      <p:bgPr>
+        <a:blipFill dpi="0" rotWithShape="0">
+          <a:blip r:embed="rId2"/>
+          <a:srcRect/>
+          <a:stretch>
+            <a:fillRect/>
+          </a:stretch>
+        </a:blipFill>
+        <a:effectLst/>
+      </p:bgPr>
+    </p:bg>
+    <p:spTree>
+      <p:nvGrpSpPr>
+        <p:cNvPr id="1" name=""/>
+        <p:cNvGrpSpPr/>
+        <p:nvPr/>
+      </p:nvGrpSpPr>
+      <p:grpSpPr>
+        <a:xfrm>
+          <a:off x="0" y="0"/>
+          <a:ext cx="0" cy="0"/>
+          <a:chOff x="0" y="0"/>
+          <a:chExt cx="0" cy="0"/>
+        </a:xfrm>
+      </p:grpSpPr>
+      <p:sp>
+        <p:nvSpPr>
+          <p:cNvPr id="2" name="Date Placeholder 2"/>
+          <p:cNvSpPr>
+            <a:spLocks noGrp="1"/>
+          </p:cNvSpPr>
+          <p:nvPr>
+            <p:ph type="dt" sz="half" idx="10"/>
+          </p:nvPr>
+        </p:nvSpPr>
+        <p:spPr/>
+        <p:txBody>
+          <a:bodyPr/>
+          <a:lstStyle>
+            <a:lvl1pPr>
+              <a:defRPr/>
+            </a:lvl1pPr>
+          </a:lstStyle>
+          <a:p>
+            <a:fld id="{4DBE4DD4-3015-4F2E-9E60-6AFF5377C791}" type="datetimeFigureOut">
+              <a:rPr lang="en-US"/>
+              <a:pPr/>
+              <a:t>8/27/2012</a:t>
+            </a:fld>
+            <a:endParaRPr lang="en-US"/>
+          </a:p>
+        </p:txBody>
+      </p:sp>
+      <p:sp>
+        <p:nvSpPr>
+          <p:cNvPr id="3" name="Footer Placeholder 3"/>
+          <p:cNvSpPr>
+            <a:spLocks noGrp="1"/>
+          </p:cNvSpPr>
+          <p:nvPr>
+            <p:ph type="ftr" sz="quarter" idx="11"/>
+          </p:nvPr>
+        </p:nvSpPr>
+        <p:spPr/>
+        <p:txBody>
+          <a:bodyPr/>
+          <a:lstStyle>
+            <a:lvl1pPr>
+              <a:defRPr/>
+            </a:lvl1pPr>
+          </a:lstStyle>
+          <a:p>
+            <a:pPr>
+              <a:defRPr/>
+            </a:pPr>
+            <a:endParaRPr lang="en-US">
+              <a:solidFill>
+                <a:prstClr val="black">
+                  <a:lumMod val="50000"/>
+                  <a:lumOff val="50000"/>
+                </a:prstClr>
+              </a:solidFill>
+            </a:endParaRPr>
+          </a:p>
+        </p:txBody>
+      </p:sp>
+      <p:sp>
+        <p:nvSpPr>
+          <p:cNvPr id="4" name="Slide Number Placeholder 4"/>
+          <p:cNvSpPr>
+            <a:spLocks noGrp="1"/>
+          </p:cNvSpPr>
+          <p:nvPr>
+            <p:ph type="sldNum" sz="quarter" idx="12"/>
+          </p:nvPr>
+        </p:nvSpPr>
+        <p:spPr/>
+        <p:txBody>
+          <a:bodyPr/>
+          <a:lstStyle>
+            <a:lvl1pPr>
+              <a:defRPr/>
+            </a:lvl1pPr>
+          </a:lstStyle>
+          <a:p>
+            <a:fld id="{E6E7A98F-F51A-40F4-8A5D-5C76AB092274}" type="slidenum">
+              <a:rPr lang="en-US"/>
+              <a:pPr/>
+              <a:t>‹#›</a:t>
+            </a:fld>
+            <a:endParaRPr lang="en-US"/>
+          </a:p>
+        </p:txBody>
+      </p:sp>
+    </p:spTree>
+    <p:extLst>
+      <p:ext uri="{BB962C8B-B14F-4D97-AF65-F5344CB8AC3E}">
+        <p14:creationId xmlns:p14="http://schemas.microsoft.com/office/powerpoint/2010/main" val="1743687945"/>
+      </p:ext>
+    </p:extLst>
+  </p:cSld>
+  <p:clrMapOvr>
+    <a:overrideClrMapping bg1="lt1" tx1="dk1" bg2="lt2" tx2="dk2" accent1="accent1" accent2="accent2" accent3="accent3" accent4="accent4" accent5="accent5" accent6="accent6" hlink="hlink" folHlink="folHlink"/>
   </p:clrMapOvr>
 </p:sldLayout>
 </file>
@@ -1397,7 +6515,7 @@
             <a:fld id="{43E31EED-63AD-42FE-9295-013FE4A3F9B7}" type="datetimeFigureOut">
               <a:rPr lang="en-US" smtClean="0"/>
               <a:pPr/>
-              <a:t>8/15/2011</a:t>
+              <a:t>8/27/2012</a:t>
             </a:fld>
             <a:endParaRPr lang="en-US"/>
           </a:p>
@@ -1682,7 +6800,7 @@
             <a:fld id="{43E31EED-63AD-42FE-9295-013FE4A3F9B7}" type="datetimeFigureOut">
               <a:rPr lang="en-US" smtClean="0"/>
               <a:pPr/>
-              <a:t>8/15/2011</a:t>
+              <a:t>8/27/2012</a:t>
             </a:fld>
             <a:endParaRPr lang="en-US"/>
           </a:p>
@@ -2101,7 +7219,7 @@
             <a:fld id="{43E31EED-63AD-42FE-9295-013FE4A3F9B7}" type="datetimeFigureOut">
               <a:rPr lang="en-US" smtClean="0"/>
               <a:pPr/>
-              <a:t>8/15/2011</a:t>
+              <a:t>8/27/2012</a:t>
             </a:fld>
             <a:endParaRPr lang="en-US"/>
           </a:p>
@@ -2216,7 +7334,7 @@
             <a:fld id="{43E31EED-63AD-42FE-9295-013FE4A3F9B7}" type="datetimeFigureOut">
               <a:rPr lang="en-US" smtClean="0"/>
               <a:pPr/>
-              <a:t>8/15/2011</a:t>
+              <a:t>8/27/2012</a:t>
             </a:fld>
             <a:endParaRPr lang="en-US"/>
           </a:p>
@@ -2308,7 +7426,7 @@
             <a:fld id="{43E31EED-63AD-42FE-9295-013FE4A3F9B7}" type="datetimeFigureOut">
               <a:rPr lang="en-US" smtClean="0"/>
               <a:pPr/>
-              <a:t>8/15/2011</a:t>
+              <a:t>8/27/2012</a:t>
             </a:fld>
             <a:endParaRPr lang="en-US"/>
           </a:p>
@@ -2582,7 +7700,7 @@
             <a:fld id="{43E31EED-63AD-42FE-9295-013FE4A3F9B7}" type="datetimeFigureOut">
               <a:rPr lang="en-US" smtClean="0"/>
               <a:pPr/>
-              <a:t>8/15/2011</a:t>
+              <a:t>8/27/2012</a:t>
             </a:fld>
             <a:endParaRPr lang="en-US"/>
           </a:p>
@@ -2832,7 +7950,7 @@
             <a:fld id="{43E31EED-63AD-42FE-9295-013FE4A3F9B7}" type="datetimeFigureOut">
               <a:rPr lang="en-US" smtClean="0"/>
               <a:pPr/>
-              <a:t>8/15/2011</a:t>
+              <a:t>8/27/2012</a:t>
             </a:fld>
             <a:endParaRPr lang="en-US"/>
           </a:p>
@@ -3042,7 +8160,7 @@
             <a:fld id="{43E31EED-63AD-42FE-9295-013FE4A3F9B7}" type="datetimeFigureOut">
               <a:rPr lang="en-US" smtClean="0"/>
               <a:pPr/>
-              <a:t>8/15/2011</a:t>
+              <a:t>8/27/2012</a:t>
             </a:fld>
             <a:endParaRPr lang="en-US"/>
           </a:p>
@@ -3396,22 +8514,13 @@
 </p:sldMaster>
 </file>
 
-<file path=ppt/slides/slide1.xml><?xml version="1.0" encoding="utf-8"?>
-<p:sld xmlns:a="http://schemas.openxmlformats.org/drawingml/2006/main" xmlns:r="http://schemas.openxmlformats.org/officeDocument/2006/relationships" xmlns:p="http://schemas.openxmlformats.org/presentationml/2006/main">
+<file path=ppt/slideMasters/slideMaster2.xml><?xml version="1.0" encoding="utf-8"?>
+<p:sldMaster xmlns:a="http://schemas.openxmlformats.org/drawingml/2006/main" xmlns:r="http://schemas.openxmlformats.org/officeDocument/2006/relationships" xmlns:p="http://schemas.openxmlformats.org/presentationml/2006/main">
   <p:cSld>
     <p:bg>
-      <p:bgPr>
-        <a:blipFill dpi="0" rotWithShape="1">
-          <a:blip r:embed="rId2" cstate="print">
-            <a:lum/>
-          </a:blip>
-          <a:srcRect/>
-          <a:stretch>
-            <a:fillRect/>
-          </a:stretch>
-        </a:blipFill>
-        <a:effectLst/>
-      </p:bgPr>
+      <p:bgRef idx="1002">
+        <a:schemeClr val="bg1"/>
+      </p:bgRef>
     </p:bg>
     <p:spTree>
       <p:nvGrpSpPr>
@@ -3429,188 +8538,986 @@
       </p:grpSpPr>
       <p:sp>
         <p:nvSpPr>
-          <p:cNvPr id="3" name="Subtitle 2"/>
-          <p:cNvSpPr>
-            <a:spLocks noGrp="1"/>
-          </p:cNvSpPr>
-          <p:nvPr>
-            <p:ph type="subTitle" idx="1"/>
-          </p:nvPr>
-        </p:nvSpPr>
-        <p:spPr/>
-        <p:txBody>
-          <a:bodyPr>
-            <a:normAutofit fontScale="92500" lnSpcReduction="10000"/>
-          </a:bodyPr>
-          <a:lstStyle/>
-          <a:p>
-            <a:r>
-              <a:rPr lang="en-US" sz="4400" dirty="0" smtClean="0"/>
-              <a:t>Michael C. Neel</a:t>
-            </a:r>
-          </a:p>
-          <a:p>
-            <a:r>
-              <a:rPr lang="en-US" dirty="0" smtClean="0"/>
-              <a:t>ViNull.com</a:t>
-            </a:r>
-          </a:p>
-          <a:p>
-            <a:r>
-              <a:rPr lang="en-US" dirty="0"/>
-              <a:t>m</a:t>
-            </a:r>
-            <a:r>
-              <a:rPr lang="en-US" dirty="0" smtClean="0"/>
-              <a:t>ichael.neel@gmail.com</a:t>
-            </a:r>
-            <a:endParaRPr lang="en-US" dirty="0"/>
-          </a:p>
-        </p:txBody>
-      </p:sp>
-      <p:sp>
-        <p:nvSpPr>
-          <p:cNvPr id="4" name="Rectangle 3"/>
-          <p:cNvSpPr/>
-          <p:nvPr/>
-        </p:nvSpPr>
-        <p:spPr>
+          <p:cNvPr id="1026" name="Title Placeholder 1"/>
+          <p:cNvSpPr>
+            <a:spLocks noGrp="1"/>
+          </p:cNvSpPr>
+          <p:nvPr>
+            <p:ph type="title"/>
+          </p:nvPr>
+        </p:nvSpPr>
+        <p:spPr bwMode="auto">
           <a:xfrm>
-            <a:off x="1295400" y="990600"/>
-            <a:ext cx="6543972" cy="2800767"/>
+            <a:off x="457200" y="344488"/>
+            <a:ext cx="8229600" cy="1143000"/>
           </a:xfrm>
           <a:prstGeom prst="rect">
             <a:avLst/>
           </a:prstGeom>
           <a:noFill/>
+          <a:ln>
+            <a:noFill/>
+          </a:ln>
+          <a:extLst>
+            <a:ext uri="{909E8E84-426E-40DD-AFC4-6F175D3DCCD1}">
+              <a14:hiddenFill xmlns:a14="http://schemas.microsoft.com/office/drawing/2010/main">
+                <a:solidFill>
+                  <a:srgbClr val="FFFFFF"/>
+                </a:solidFill>
+              </a14:hiddenFill>
+            </a:ext>
+            <a:ext uri="{91240B29-F687-4F45-9708-019B960494DF}">
+              <a14:hiddenLine xmlns:a14="http://schemas.microsoft.com/office/drawing/2010/main" w="9525">
+                <a:solidFill>
+                  <a:srgbClr val="000000"/>
+                </a:solidFill>
+                <a:miter lim="800000"/>
+                <a:headEnd/>
+                <a:tailEnd/>
+              </a14:hiddenLine>
+            </a:ext>
+          </a:extLst>
         </p:spPr>
         <p:txBody>
-          <a:bodyPr wrap="none" lIns="91440" tIns="45720" rIns="91440" bIns="45720">
-            <a:spAutoFit/>
+          <a:bodyPr vert="horz" wrap="square" lIns="91440" tIns="45720" rIns="91440" bIns="45720" numCol="1" anchor="ctr" anchorCtr="0" compatLnSpc="1">
+            <a:prstTxWarp prst="textNoShape">
+              <a:avLst/>
+            </a:prstTxWarp>
           </a:bodyPr>
           <a:lstStyle/>
           <a:p>
-            <a:pPr algn="ctr"/>
-            <a:r>
-              <a:rPr lang="en-US" sz="8800" b="1" spc="50" dirty="0" smtClean="0">
-                <a:ln w="13500">
-                  <a:solidFill>
-                    <a:schemeClr val="accent1">
-                      <a:shade val="2500"/>
-                      <a:alpha val="6500"/>
-                    </a:schemeClr>
-                  </a:solidFill>
-                  <a:prstDash val="solid"/>
-                </a:ln>
+            <a:pPr lvl="0"/>
+            <a:r>
+              <a:rPr lang="en-US" smtClean="0"/>
+              <a:t>Click to edit Master title style</a:t>
+            </a:r>
+            <a:endParaRPr lang="en-US" smtClean="0"/>
+          </a:p>
+        </p:txBody>
+      </p:sp>
+      <p:sp>
+        <p:nvSpPr>
+          <p:cNvPr id="1027" name="Text Placeholder 2"/>
+          <p:cNvSpPr>
+            <a:spLocks noGrp="1"/>
+          </p:cNvSpPr>
+          <p:nvPr>
+            <p:ph type="body" idx="1"/>
+          </p:nvPr>
+        </p:nvSpPr>
+        <p:spPr bwMode="auto">
+          <a:xfrm>
+            <a:off x="739775" y="2770188"/>
+            <a:ext cx="7662863" cy="3267075"/>
+          </a:xfrm>
+          <a:prstGeom prst="rect">
+            <a:avLst/>
+          </a:prstGeom>
+          <a:noFill/>
+          <a:ln>
+            <a:noFill/>
+          </a:ln>
+          <a:extLst>
+            <a:ext uri="{909E8E84-426E-40DD-AFC4-6F175D3DCCD1}">
+              <a14:hiddenFill xmlns:a14="http://schemas.microsoft.com/office/drawing/2010/main">
                 <a:solidFill>
-                  <a:schemeClr val="accent1">
-                    <a:tint val="3000"/>
-                    <a:alpha val="95000"/>
+                  <a:srgbClr val="FFFFFF"/>
+                </a:solidFill>
+              </a14:hiddenFill>
+            </a:ext>
+            <a:ext uri="{91240B29-F687-4F45-9708-019B960494DF}">
+              <a14:hiddenLine xmlns:a14="http://schemas.microsoft.com/office/drawing/2010/main" w="9525">
+                <a:solidFill>
+                  <a:srgbClr val="000000"/>
+                </a:solidFill>
+                <a:miter lim="800000"/>
+                <a:headEnd/>
+                <a:tailEnd/>
+              </a14:hiddenLine>
+            </a:ext>
+          </a:extLst>
+        </p:spPr>
+        <p:txBody>
+          <a:bodyPr vert="horz" wrap="square" lIns="91440" tIns="45720" rIns="91440" bIns="45720" numCol="1" anchor="t" anchorCtr="0" compatLnSpc="1">
+            <a:prstTxWarp prst="textNoShape">
+              <a:avLst/>
+            </a:prstTxWarp>
+          </a:bodyPr>
+          <a:lstStyle/>
+          <a:p>
+            <a:pPr lvl="0"/>
+            <a:r>
+              <a:rPr lang="en-US" smtClean="0"/>
+              <a:t>Click to edit Master text styles</a:t>
+            </a:r>
+          </a:p>
+          <a:p>
+            <a:pPr lvl="1"/>
+            <a:r>
+              <a:rPr lang="en-US" smtClean="0"/>
+              <a:t>Second level</a:t>
+            </a:r>
+          </a:p>
+          <a:p>
+            <a:pPr lvl="2"/>
+            <a:r>
+              <a:rPr lang="en-US" smtClean="0"/>
+              <a:t>Third level</a:t>
+            </a:r>
+          </a:p>
+          <a:p>
+            <a:pPr lvl="3"/>
+            <a:r>
+              <a:rPr lang="en-US" smtClean="0"/>
+              <a:t>Fourth level</a:t>
+            </a:r>
+          </a:p>
+          <a:p>
+            <a:pPr lvl="4"/>
+            <a:r>
+              <a:rPr lang="en-US" smtClean="0"/>
+              <a:t>Fifth level</a:t>
+            </a:r>
+            <a:endParaRPr lang="en-US" smtClean="0"/>
+          </a:p>
+        </p:txBody>
+      </p:sp>
+      <p:sp>
+        <p:nvSpPr>
+          <p:cNvPr id="4" name="Date Placeholder 3"/>
+          <p:cNvSpPr>
+            <a:spLocks noGrp="1"/>
+          </p:cNvSpPr>
+          <p:nvPr>
+            <p:ph type="dt" sz="half" idx="2"/>
+          </p:nvPr>
+        </p:nvSpPr>
+        <p:spPr>
+          <a:xfrm>
+            <a:off x="457200" y="6356350"/>
+            <a:ext cx="2133600" cy="365125"/>
+          </a:xfrm>
+          <a:prstGeom prst="rect">
+            <a:avLst/>
+          </a:prstGeom>
+        </p:spPr>
+        <p:txBody>
+          <a:bodyPr vert="horz" wrap="square" lIns="91440" tIns="45720" rIns="91440" bIns="45720" numCol="1" anchor="ctr" anchorCtr="0" compatLnSpc="1">
+            <a:prstTxWarp prst="textNoShape">
+              <a:avLst/>
+            </a:prstTxWarp>
+          </a:bodyPr>
+          <a:lstStyle>
+            <a:lvl1pPr>
+              <a:defRPr sz="1100" b="1">
+                <a:solidFill>
+                  <a:srgbClr val="7F7F7F"/>
+                </a:solidFill>
+              </a:defRPr>
+            </a:lvl1pPr>
+          </a:lstStyle>
+          <a:p>
+            <a:pPr fontAlgn="base">
+              <a:spcBef>
+                <a:spcPct val="0"/>
+              </a:spcBef>
+              <a:spcAft>
+                <a:spcPct val="0"/>
+              </a:spcAft>
+            </a:pPr>
+            <a:fld id="{A63AA45B-AEC0-4664-96F0-418D14804BC1}" type="datetimeFigureOut">
+              <a:rPr lang="en-US" smtClean="0">
+                <a:ea typeface="MS PGothic" pitchFamily="34" charset="-128"/>
+              </a:rPr>
+              <a:pPr fontAlgn="base">
+                <a:spcBef>
+                  <a:spcPct val="0"/>
+                </a:spcBef>
+                <a:spcAft>
+                  <a:spcPct val="0"/>
+                </a:spcAft>
+              </a:pPr>
+              <a:t>8/27/2012</a:t>
+            </a:fld>
+            <a:endParaRPr lang="en-US" smtClean="0">
+              <a:ea typeface="MS PGothic" pitchFamily="34" charset="-128"/>
+            </a:endParaRPr>
+          </a:p>
+        </p:txBody>
+      </p:sp>
+      <p:sp>
+        <p:nvSpPr>
+          <p:cNvPr id="5" name="Footer Placeholder 4"/>
+          <p:cNvSpPr>
+            <a:spLocks noGrp="1"/>
+          </p:cNvSpPr>
+          <p:nvPr>
+            <p:ph type="ftr" sz="quarter" idx="3"/>
+          </p:nvPr>
+        </p:nvSpPr>
+        <p:spPr>
+          <a:xfrm>
+            <a:off x="5789613" y="6356350"/>
+            <a:ext cx="2895600" cy="365125"/>
+          </a:xfrm>
+          <a:prstGeom prst="rect">
+            <a:avLst/>
+          </a:prstGeom>
+        </p:spPr>
+        <p:txBody>
+          <a:bodyPr vert="horz" lIns="91440" tIns="45720" rIns="91440" bIns="45720" rtlCol="0" anchor="ctr"/>
+          <a:lstStyle>
+            <a:lvl1pPr algn="r" fontAlgn="auto">
+              <a:spcBef>
+                <a:spcPts val="0"/>
+              </a:spcBef>
+              <a:spcAft>
+                <a:spcPts val="0"/>
+              </a:spcAft>
+              <a:defRPr sz="1100" b="1">
+                <a:solidFill>
+                  <a:schemeClr val="tx1">
+                    <a:lumMod val="50000"/>
+                    <a:lumOff val="50000"/>
                   </a:schemeClr>
                 </a:solidFill>
-                <a:effectLst>
-                  <a:innerShdw blurRad="50900" dist="38500" dir="13500000">
-                    <a:srgbClr val="000000">
-                      <a:alpha val="60000"/>
-                    </a:srgbClr>
-                  </a:innerShdw>
-                  <a:reflection blurRad="6350" stA="60000" endA="900" endPos="58000" dir="5400000" sy="-100000" algn="bl" rotWithShape="0"/>
-                </a:effectLst>
+                <a:latin typeface="+mn-lt"/>
+                <a:ea typeface="+mn-ea"/>
+              </a:defRPr>
+            </a:lvl1pPr>
+          </a:lstStyle>
+          <a:p>
+            <a:pPr>
+              <a:defRPr/>
+            </a:pPr>
+            <a:endParaRPr lang="en-US">
+              <a:solidFill>
+                <a:prstClr val="black">
+                  <a:lumMod val="50000"/>
+                  <a:lumOff val="50000"/>
+                </a:prstClr>
+              </a:solidFill>
+            </a:endParaRPr>
+          </a:p>
+        </p:txBody>
+      </p:sp>
+      <p:sp>
+        <p:nvSpPr>
+          <p:cNvPr id="6" name="Slide Number Placeholder 5"/>
+          <p:cNvSpPr>
+            <a:spLocks noGrp="1"/>
+          </p:cNvSpPr>
+          <p:nvPr>
+            <p:ph type="sldNum" sz="quarter" idx="4"/>
+          </p:nvPr>
+        </p:nvSpPr>
+        <p:spPr>
+          <a:xfrm>
+            <a:off x="4305300" y="6356350"/>
+            <a:ext cx="533400" cy="365125"/>
+          </a:xfrm>
+          <a:prstGeom prst="rect">
+            <a:avLst/>
+          </a:prstGeom>
+        </p:spPr>
+        <p:txBody>
+          <a:bodyPr vert="horz" wrap="square" lIns="91440" tIns="45720" rIns="91440" bIns="45720" numCol="1" anchor="ctr" anchorCtr="0" compatLnSpc="1">
+            <a:prstTxWarp prst="textNoShape">
+              <a:avLst/>
+            </a:prstTxWarp>
+          </a:bodyPr>
+          <a:lstStyle>
+            <a:lvl1pPr algn="ctr">
+              <a:defRPr sz="1100" b="1">
+                <a:solidFill>
+                  <a:srgbClr val="7F7F7F"/>
+                </a:solidFill>
+              </a:defRPr>
+            </a:lvl1pPr>
+          </a:lstStyle>
+          <a:p>
+            <a:pPr fontAlgn="base">
+              <a:spcBef>
+                <a:spcPct val="0"/>
+              </a:spcBef>
+              <a:spcAft>
+                <a:spcPct val="0"/>
+              </a:spcAft>
+            </a:pPr>
+            <a:fld id="{BC20577F-75C9-4D27-9AAB-7605F8F25D8E}" type="slidenum">
+              <a:rPr lang="en-US" smtClean="0">
+                <a:ea typeface="MS PGothic" pitchFamily="34" charset="-128"/>
               </a:rPr>
-              <a:t>XNA </a:t>
-            </a:r>
-            <a:r>
-              <a:rPr lang="en-US" sz="8800" b="1" spc="50" dirty="0" smtClean="0">
-                <a:ln w="13500">
-                  <a:solidFill>
-                    <a:schemeClr val="accent1">
-                      <a:shade val="2500"/>
-                      <a:alpha val="6500"/>
-                    </a:schemeClr>
-                  </a:solidFill>
-                  <a:prstDash val="solid"/>
-                </a:ln>
+              <a:pPr fontAlgn="base">
+                <a:spcBef>
+                  <a:spcPct val="0"/>
+                </a:spcBef>
+                <a:spcAft>
+                  <a:spcPct val="0"/>
+                </a:spcAft>
+              </a:pPr>
+              <a:t>‹#›</a:t>
+            </a:fld>
+            <a:endParaRPr lang="en-US" smtClean="0">
+              <a:ea typeface="MS PGothic" pitchFamily="34" charset="-128"/>
+            </a:endParaRPr>
+          </a:p>
+        </p:txBody>
+      </p:sp>
+    </p:spTree>
+    <p:extLst>
+      <p:ext uri="{BB962C8B-B14F-4D97-AF65-F5344CB8AC3E}">
+        <p14:creationId xmlns:p14="http://schemas.microsoft.com/office/powerpoint/2010/main" val="2873879464"/>
+      </p:ext>
+    </p:extLst>
+  </p:cSld>
+  <p:clrMap bg1="lt1" tx1="dk1" bg2="lt2" tx2="dk2" accent1="accent1" accent2="accent2" accent3="accent3" accent4="accent4" accent5="accent5" accent6="accent6" hlink="hlink" folHlink="folHlink"/>
+  <p:sldLayoutIdLst>
+    <p:sldLayoutId id="2147483697" r:id="rId1"/>
+    <p:sldLayoutId id="2147483698" r:id="rId2"/>
+    <p:sldLayoutId id="2147483699" r:id="rId3"/>
+    <p:sldLayoutId id="2147483700" r:id="rId4"/>
+    <p:sldLayoutId id="2147483701" r:id="rId5"/>
+    <p:sldLayoutId id="2147483702" r:id="rId6"/>
+    <p:sldLayoutId id="2147483703" r:id="rId7"/>
+    <p:sldLayoutId id="2147483704" r:id="rId8"/>
+    <p:sldLayoutId id="2147483705" r:id="rId9"/>
+    <p:sldLayoutId id="2147483706" r:id="rId10"/>
+    <p:sldLayoutId id="2147483707" r:id="rId11"/>
+    <p:sldLayoutId id="2147483708" r:id="rId12"/>
+    <p:sldLayoutId id="2147483709" r:id="rId13"/>
+    <p:sldLayoutId id="2147483710" r:id="rId14"/>
+    <p:sldLayoutId id="2147483711" r:id="rId15"/>
+    <p:sldLayoutId id="2147483712" r:id="rId16"/>
+  </p:sldLayoutIdLst>
+  <p:txStyles>
+    <p:titleStyle>
+      <a:lvl1pPr algn="ctr" rtl="0" eaLnBrk="1" fontAlgn="base" hangingPunct="1">
+        <a:spcBef>
+          <a:spcPct val="0"/>
+        </a:spcBef>
+        <a:spcAft>
+          <a:spcPct val="0"/>
+        </a:spcAft>
+        <a:defRPr sz="4600" kern="1200">
+          <a:solidFill>
+            <a:schemeClr val="bg1"/>
+          </a:solidFill>
+          <a:latin typeface="+mj-lt"/>
+          <a:ea typeface="MS PGothic" pitchFamily="34" charset="-128"/>
+          <a:cs typeface="+mj-cs"/>
+        </a:defRPr>
+      </a:lvl1pPr>
+      <a:lvl2pPr algn="ctr" rtl="0" eaLnBrk="1" fontAlgn="base" hangingPunct="1">
+        <a:spcBef>
+          <a:spcPct val="0"/>
+        </a:spcBef>
+        <a:spcAft>
+          <a:spcPct val="0"/>
+        </a:spcAft>
+        <a:defRPr sz="4600">
+          <a:solidFill>
+            <a:schemeClr val="bg1"/>
+          </a:solidFill>
+          <a:latin typeface="Calisto MT" pitchFamily="18" charset="0"/>
+          <a:ea typeface="MS PGothic" pitchFamily="34" charset="-128"/>
+        </a:defRPr>
+      </a:lvl2pPr>
+      <a:lvl3pPr algn="ctr" rtl="0" eaLnBrk="1" fontAlgn="base" hangingPunct="1">
+        <a:spcBef>
+          <a:spcPct val="0"/>
+        </a:spcBef>
+        <a:spcAft>
+          <a:spcPct val="0"/>
+        </a:spcAft>
+        <a:defRPr sz="4600">
+          <a:solidFill>
+            <a:schemeClr val="bg1"/>
+          </a:solidFill>
+          <a:latin typeface="Calisto MT" pitchFamily="18" charset="0"/>
+          <a:ea typeface="MS PGothic" pitchFamily="34" charset="-128"/>
+        </a:defRPr>
+      </a:lvl3pPr>
+      <a:lvl4pPr algn="ctr" rtl="0" eaLnBrk="1" fontAlgn="base" hangingPunct="1">
+        <a:spcBef>
+          <a:spcPct val="0"/>
+        </a:spcBef>
+        <a:spcAft>
+          <a:spcPct val="0"/>
+        </a:spcAft>
+        <a:defRPr sz="4600">
+          <a:solidFill>
+            <a:schemeClr val="bg1"/>
+          </a:solidFill>
+          <a:latin typeface="Calisto MT" pitchFamily="18" charset="0"/>
+          <a:ea typeface="MS PGothic" pitchFamily="34" charset="-128"/>
+        </a:defRPr>
+      </a:lvl4pPr>
+      <a:lvl5pPr algn="ctr" rtl="0" eaLnBrk="1" fontAlgn="base" hangingPunct="1">
+        <a:spcBef>
+          <a:spcPct val="0"/>
+        </a:spcBef>
+        <a:spcAft>
+          <a:spcPct val="0"/>
+        </a:spcAft>
+        <a:defRPr sz="4600">
+          <a:solidFill>
+            <a:schemeClr val="bg1"/>
+          </a:solidFill>
+          <a:latin typeface="Calisto MT" pitchFamily="18" charset="0"/>
+          <a:ea typeface="MS PGothic" pitchFamily="34" charset="-128"/>
+        </a:defRPr>
+      </a:lvl5pPr>
+      <a:lvl6pPr marL="457200" algn="ctr" rtl="0" eaLnBrk="1" fontAlgn="base" hangingPunct="1">
+        <a:spcBef>
+          <a:spcPct val="0"/>
+        </a:spcBef>
+        <a:spcAft>
+          <a:spcPct val="0"/>
+        </a:spcAft>
+        <a:defRPr sz="4600">
+          <a:solidFill>
+            <a:schemeClr val="bg1"/>
+          </a:solidFill>
+          <a:latin typeface="Calisto MT" pitchFamily="18" charset="0"/>
+          <a:ea typeface="MS PGothic" pitchFamily="34" charset="-128"/>
+        </a:defRPr>
+      </a:lvl6pPr>
+      <a:lvl7pPr marL="914400" algn="ctr" rtl="0" eaLnBrk="1" fontAlgn="base" hangingPunct="1">
+        <a:spcBef>
+          <a:spcPct val="0"/>
+        </a:spcBef>
+        <a:spcAft>
+          <a:spcPct val="0"/>
+        </a:spcAft>
+        <a:defRPr sz="4600">
+          <a:solidFill>
+            <a:schemeClr val="bg1"/>
+          </a:solidFill>
+          <a:latin typeface="Calisto MT" pitchFamily="18" charset="0"/>
+          <a:ea typeface="MS PGothic" pitchFamily="34" charset="-128"/>
+        </a:defRPr>
+      </a:lvl7pPr>
+      <a:lvl8pPr marL="1371600" algn="ctr" rtl="0" eaLnBrk="1" fontAlgn="base" hangingPunct="1">
+        <a:spcBef>
+          <a:spcPct val="0"/>
+        </a:spcBef>
+        <a:spcAft>
+          <a:spcPct val="0"/>
+        </a:spcAft>
+        <a:defRPr sz="4600">
+          <a:solidFill>
+            <a:schemeClr val="bg1"/>
+          </a:solidFill>
+          <a:latin typeface="Calisto MT" pitchFamily="18" charset="0"/>
+          <a:ea typeface="MS PGothic" pitchFamily="34" charset="-128"/>
+        </a:defRPr>
+      </a:lvl8pPr>
+      <a:lvl9pPr marL="1828800" algn="ctr" rtl="0" eaLnBrk="1" fontAlgn="base" hangingPunct="1">
+        <a:spcBef>
+          <a:spcPct val="0"/>
+        </a:spcBef>
+        <a:spcAft>
+          <a:spcPct val="0"/>
+        </a:spcAft>
+        <a:defRPr sz="4600">
+          <a:solidFill>
+            <a:schemeClr val="bg1"/>
+          </a:solidFill>
+          <a:latin typeface="Calisto MT" pitchFamily="18" charset="0"/>
+          <a:ea typeface="MS PGothic" pitchFamily="34" charset="-128"/>
+        </a:defRPr>
+      </a:lvl9pPr>
+    </p:titleStyle>
+    <p:bodyStyle>
+      <a:lvl1pPr marL="342900" indent="-342900" algn="l" rtl="0" eaLnBrk="1" fontAlgn="base" hangingPunct="1">
+        <a:spcBef>
+          <a:spcPts val="2000"/>
+        </a:spcBef>
+        <a:spcAft>
+          <a:spcPct val="0"/>
+        </a:spcAft>
+        <a:buClr>
+          <a:schemeClr val="accent1"/>
+        </a:buClr>
+        <a:buSzPct val="90000"/>
+        <a:buFont typeface="Wingdings" pitchFamily="2" charset="2"/>
+        <a:buChar char="S"/>
+        <a:defRPr sz="2200" kern="1200">
+          <a:solidFill>
+            <a:srgbClr val="595959"/>
+          </a:solidFill>
+          <a:latin typeface="+mn-lt"/>
+          <a:ea typeface="MS PGothic" pitchFamily="34" charset="-128"/>
+          <a:cs typeface="+mn-cs"/>
+        </a:defRPr>
+      </a:lvl1pPr>
+      <a:lvl2pPr marL="685800" indent="-336550" algn="l" rtl="0" eaLnBrk="1" fontAlgn="base" hangingPunct="1">
+        <a:spcBef>
+          <a:spcPts val="600"/>
+        </a:spcBef>
+        <a:spcAft>
+          <a:spcPct val="0"/>
+        </a:spcAft>
+        <a:buClr>
+          <a:srgbClr val="C1F944"/>
+        </a:buClr>
+        <a:buSzPct val="90000"/>
+        <a:buFont typeface="Wingdings" pitchFamily="2" charset="2"/>
+        <a:buChar char="S"/>
+        <a:defRPr sz="2000" kern="1200">
+          <a:solidFill>
+            <a:srgbClr val="595959"/>
+          </a:solidFill>
+          <a:latin typeface="+mn-lt"/>
+          <a:ea typeface="MS PGothic" pitchFamily="34" charset="-128"/>
+          <a:cs typeface="+mn-cs"/>
+        </a:defRPr>
+      </a:lvl2pPr>
+      <a:lvl3pPr marL="1035050" indent="-349250" algn="l" rtl="0" eaLnBrk="1" fontAlgn="base" hangingPunct="1">
+        <a:spcBef>
+          <a:spcPts val="600"/>
+        </a:spcBef>
+        <a:spcAft>
+          <a:spcPct val="0"/>
+        </a:spcAft>
+        <a:buClr>
+          <a:schemeClr val="accent1"/>
+        </a:buClr>
+        <a:buSzPct val="90000"/>
+        <a:buFont typeface="Wingdings" pitchFamily="2" charset="2"/>
+        <a:buChar char="S"/>
+        <a:defRPr kern="1200">
+          <a:solidFill>
+            <a:srgbClr val="595959"/>
+          </a:solidFill>
+          <a:latin typeface="+mn-lt"/>
+          <a:ea typeface="MS PGothic" pitchFamily="34" charset="-128"/>
+          <a:cs typeface="+mn-cs"/>
+        </a:defRPr>
+      </a:lvl3pPr>
+      <a:lvl4pPr marL="1371600" indent="-336550" algn="l" rtl="0" eaLnBrk="1" fontAlgn="base" hangingPunct="1">
+        <a:spcBef>
+          <a:spcPts val="600"/>
+        </a:spcBef>
+        <a:spcAft>
+          <a:spcPct val="0"/>
+        </a:spcAft>
+        <a:buClr>
+          <a:srgbClr val="C1F944"/>
+        </a:buClr>
+        <a:buSzPct val="90000"/>
+        <a:buFont typeface="Wingdings" pitchFamily="2" charset="2"/>
+        <a:buChar char="S"/>
+        <a:defRPr kern="1200">
+          <a:solidFill>
+            <a:srgbClr val="595959"/>
+          </a:solidFill>
+          <a:latin typeface="+mn-lt"/>
+          <a:ea typeface="MS PGothic" pitchFamily="34" charset="-128"/>
+          <a:cs typeface="+mn-cs"/>
+        </a:defRPr>
+      </a:lvl4pPr>
+      <a:lvl5pPr marL="1720850" indent="-349250" algn="l" rtl="0" eaLnBrk="1" fontAlgn="base" hangingPunct="1">
+        <a:spcBef>
+          <a:spcPts val="600"/>
+        </a:spcBef>
+        <a:spcAft>
+          <a:spcPct val="0"/>
+        </a:spcAft>
+        <a:buClr>
+          <a:schemeClr val="accent1"/>
+        </a:buClr>
+        <a:buSzPct val="90000"/>
+        <a:buFont typeface="Wingdings" pitchFamily="2" charset="2"/>
+        <a:buChar char="S"/>
+        <a:defRPr kern="1200">
+          <a:solidFill>
+            <a:srgbClr val="595959"/>
+          </a:solidFill>
+          <a:latin typeface="+mn-lt"/>
+          <a:ea typeface="MS PGothic" pitchFamily="34" charset="-128"/>
+          <a:cs typeface="+mn-cs"/>
+        </a:defRPr>
+      </a:lvl5pPr>
+      <a:lvl6pPr marL="2055813" indent="-344488" algn="l" defTabSz="914400" rtl="0" eaLnBrk="1" latinLnBrk="0" hangingPunct="1">
+        <a:spcBef>
+          <a:spcPct val="20000"/>
+        </a:spcBef>
+        <a:buClr>
+          <a:schemeClr val="accent1">
+            <a:lumMod val="60000"/>
+            <a:lumOff val="40000"/>
+          </a:schemeClr>
+        </a:buClr>
+        <a:buSzPct val="90000"/>
+        <a:buFont typeface="Wingdings" pitchFamily="2" charset="2"/>
+        <a:buChar char=""/>
+        <a:defRPr lang="en-US" sz="1800" kern="1200" dirty="0" smtClean="0">
+          <a:solidFill>
+            <a:schemeClr val="tx1">
+              <a:lumMod val="65000"/>
+              <a:lumOff val="35000"/>
+            </a:schemeClr>
+          </a:solidFill>
+          <a:latin typeface="+mn-lt"/>
+          <a:ea typeface="+mn-ea"/>
+          <a:cs typeface="+mn-cs"/>
+        </a:defRPr>
+      </a:lvl6pPr>
+      <a:lvl7pPr marL="2398713" indent="-344488" algn="l" defTabSz="914400" rtl="0" eaLnBrk="1" latinLnBrk="0" hangingPunct="1">
+        <a:spcBef>
+          <a:spcPct val="20000"/>
+        </a:spcBef>
+        <a:buClr>
+          <a:schemeClr val="accent1"/>
+        </a:buClr>
+        <a:buSzPct val="90000"/>
+        <a:buFont typeface="Wingdings" pitchFamily="2" charset="2"/>
+        <a:buChar char=""/>
+        <a:defRPr lang="en-US" sz="1800" kern="1200" dirty="0" smtClean="0">
+          <a:solidFill>
+            <a:schemeClr val="tx1">
+              <a:lumMod val="65000"/>
+              <a:lumOff val="35000"/>
+            </a:schemeClr>
+          </a:solidFill>
+          <a:latin typeface="+mn-lt"/>
+          <a:ea typeface="+mn-ea"/>
+          <a:cs typeface="+mn-cs"/>
+        </a:defRPr>
+      </a:lvl7pPr>
+      <a:lvl8pPr marL="2743200" indent="-344488" algn="l" defTabSz="914400" rtl="0" eaLnBrk="1" latinLnBrk="0" hangingPunct="1">
+        <a:spcBef>
+          <a:spcPct val="20000"/>
+        </a:spcBef>
+        <a:buClr>
+          <a:schemeClr val="accent1">
+            <a:lumMod val="60000"/>
+            <a:lumOff val="40000"/>
+          </a:schemeClr>
+        </a:buClr>
+        <a:buSzPct val="90000"/>
+        <a:buFont typeface="Wingdings" pitchFamily="2" charset="2"/>
+        <a:buChar char=""/>
+        <a:defRPr lang="en-US" sz="1800" kern="1200" dirty="0" smtClean="0">
+          <a:solidFill>
+            <a:schemeClr val="tx1">
+              <a:lumMod val="65000"/>
+              <a:lumOff val="35000"/>
+            </a:schemeClr>
+          </a:solidFill>
+          <a:latin typeface="+mn-lt"/>
+          <a:ea typeface="+mn-ea"/>
+          <a:cs typeface="+mn-cs"/>
+        </a:defRPr>
+      </a:lvl8pPr>
+      <a:lvl9pPr marL="3087688" indent="-344488" algn="l" defTabSz="914400" rtl="0" eaLnBrk="1" latinLnBrk="0" hangingPunct="1">
+        <a:spcBef>
+          <a:spcPct val="20000"/>
+        </a:spcBef>
+        <a:buClr>
+          <a:schemeClr val="accent1"/>
+        </a:buClr>
+        <a:buSzPct val="90000"/>
+        <a:buFont typeface="Wingdings" pitchFamily="2" charset="2"/>
+        <a:buChar char=""/>
+        <a:defRPr lang="en-US" sz="1800" kern="1200" dirty="0">
+          <a:solidFill>
+            <a:schemeClr val="tx1">
+              <a:lumMod val="65000"/>
+              <a:lumOff val="35000"/>
+            </a:schemeClr>
+          </a:solidFill>
+          <a:latin typeface="+mn-lt"/>
+          <a:ea typeface="+mn-ea"/>
+          <a:cs typeface="+mn-cs"/>
+        </a:defRPr>
+      </a:lvl9pPr>
+    </p:bodyStyle>
+    <p:otherStyle>
+      <a:defPPr>
+        <a:defRPr/>
+      </a:defPPr>
+      <a:lvl1pPr marL="0" algn="l" defTabSz="914400" rtl="0" eaLnBrk="1" latinLnBrk="0" hangingPunct="1">
+        <a:defRPr sz="1800" kern="1200">
+          <a:solidFill>
+            <a:schemeClr val="tx1"/>
+          </a:solidFill>
+          <a:latin typeface="+mn-lt"/>
+          <a:ea typeface="+mn-ea"/>
+          <a:cs typeface="+mn-cs"/>
+        </a:defRPr>
+      </a:lvl1pPr>
+      <a:lvl2pPr marL="457200" algn="l" defTabSz="914400" rtl="0" eaLnBrk="1" latinLnBrk="0" hangingPunct="1">
+        <a:defRPr sz="1800" kern="1200">
+          <a:solidFill>
+            <a:schemeClr val="tx1"/>
+          </a:solidFill>
+          <a:latin typeface="+mn-lt"/>
+          <a:ea typeface="+mn-ea"/>
+          <a:cs typeface="+mn-cs"/>
+        </a:defRPr>
+      </a:lvl2pPr>
+      <a:lvl3pPr marL="914400" algn="l" defTabSz="914400" rtl="0" eaLnBrk="1" latinLnBrk="0" hangingPunct="1">
+        <a:defRPr sz="1800" kern="1200">
+          <a:solidFill>
+            <a:schemeClr val="tx1"/>
+          </a:solidFill>
+          <a:latin typeface="+mn-lt"/>
+          <a:ea typeface="+mn-ea"/>
+          <a:cs typeface="+mn-cs"/>
+        </a:defRPr>
+      </a:lvl3pPr>
+      <a:lvl4pPr marL="1371600" algn="l" defTabSz="914400" rtl="0" eaLnBrk="1" latinLnBrk="0" hangingPunct="1">
+        <a:defRPr sz="1800" kern="1200">
+          <a:solidFill>
+            <a:schemeClr val="tx1"/>
+          </a:solidFill>
+          <a:latin typeface="+mn-lt"/>
+          <a:ea typeface="+mn-ea"/>
+          <a:cs typeface="+mn-cs"/>
+        </a:defRPr>
+      </a:lvl4pPr>
+      <a:lvl5pPr marL="1828800" algn="l" defTabSz="914400" rtl="0" eaLnBrk="1" latinLnBrk="0" hangingPunct="1">
+        <a:defRPr sz="1800" kern="1200">
+          <a:solidFill>
+            <a:schemeClr val="tx1"/>
+          </a:solidFill>
+          <a:latin typeface="+mn-lt"/>
+          <a:ea typeface="+mn-ea"/>
+          <a:cs typeface="+mn-cs"/>
+        </a:defRPr>
+      </a:lvl5pPr>
+      <a:lvl6pPr marL="2286000" algn="l" defTabSz="914400" rtl="0" eaLnBrk="1" latinLnBrk="0" hangingPunct="1">
+        <a:defRPr sz="1800" kern="1200">
+          <a:solidFill>
+            <a:schemeClr val="tx1"/>
+          </a:solidFill>
+          <a:latin typeface="+mn-lt"/>
+          <a:ea typeface="+mn-ea"/>
+          <a:cs typeface="+mn-cs"/>
+        </a:defRPr>
+      </a:lvl6pPr>
+      <a:lvl7pPr marL="2743200" algn="l" defTabSz="914400" rtl="0" eaLnBrk="1" latinLnBrk="0" hangingPunct="1">
+        <a:defRPr sz="1800" kern="1200">
+          <a:solidFill>
+            <a:schemeClr val="tx1"/>
+          </a:solidFill>
+          <a:latin typeface="+mn-lt"/>
+          <a:ea typeface="+mn-ea"/>
+          <a:cs typeface="+mn-cs"/>
+        </a:defRPr>
+      </a:lvl7pPr>
+      <a:lvl8pPr marL="3200400" algn="l" defTabSz="914400" rtl="0" eaLnBrk="1" latinLnBrk="0" hangingPunct="1">
+        <a:defRPr sz="1800" kern="1200">
+          <a:solidFill>
+            <a:schemeClr val="tx1"/>
+          </a:solidFill>
+          <a:latin typeface="+mn-lt"/>
+          <a:ea typeface="+mn-ea"/>
+          <a:cs typeface="+mn-cs"/>
+        </a:defRPr>
+      </a:lvl8pPr>
+      <a:lvl9pPr marL="3657600" algn="l" defTabSz="914400" rtl="0" eaLnBrk="1" latinLnBrk="0" hangingPunct="1">
+        <a:defRPr sz="1800" kern="1200">
+          <a:solidFill>
+            <a:schemeClr val="tx1"/>
+          </a:solidFill>
+          <a:latin typeface="+mn-lt"/>
+          <a:ea typeface="+mn-ea"/>
+          <a:cs typeface="+mn-cs"/>
+        </a:defRPr>
+      </a:lvl9pPr>
+    </p:otherStyle>
+  </p:txStyles>
+</p:sldMaster>
+</file>
+
+<file path=ppt/slides/slide1.xml><?xml version="1.0" encoding="utf-8"?>
+<p:sld xmlns:a="http://schemas.openxmlformats.org/drawingml/2006/main" xmlns:r="http://schemas.openxmlformats.org/officeDocument/2006/relationships" xmlns:p="http://schemas.openxmlformats.org/presentationml/2006/main">
+  <p:cSld>
+    <p:spTree>
+      <p:nvGrpSpPr>
+        <p:cNvPr id="1" name=""/>
+        <p:cNvGrpSpPr/>
+        <p:nvPr/>
+      </p:nvGrpSpPr>
+      <p:grpSpPr>
+        <a:xfrm>
+          <a:off x="0" y="0"/>
+          <a:ext cx="0" cy="0"/>
+          <a:chOff x="0" y="0"/>
+          <a:chExt cx="0" cy="0"/>
+        </a:xfrm>
+      </p:grpSpPr>
+      <p:sp>
+        <p:nvSpPr>
+          <p:cNvPr id="10241" name="Title 1"/>
+          <p:cNvSpPr>
+            <a:spLocks noGrp="1"/>
+          </p:cNvSpPr>
+          <p:nvPr>
+            <p:ph type="ctrTitle"/>
+          </p:nvPr>
+        </p:nvSpPr>
+        <p:spPr>
+          <a:xfrm>
+            <a:off x="457200" y="1295400"/>
+            <a:ext cx="8228013" cy="1927225"/>
+          </a:xfrm>
+        </p:spPr>
+        <p:txBody>
+          <a:bodyPr/>
+          <a:lstStyle/>
+          <a:p>
+            <a:r>
+              <a:rPr lang="en-US" sz="8000" dirty="0" smtClean="0"/>
+              <a:t>XNA Invaders From Space!</a:t>
+            </a:r>
+            <a:endParaRPr lang="en-US" sz="8000" dirty="0" smtClean="0"/>
+          </a:p>
+        </p:txBody>
+      </p:sp>
+      <p:sp>
+        <p:nvSpPr>
+          <p:cNvPr id="3" name="Subtitle 2"/>
+          <p:cNvSpPr>
+            <a:spLocks noGrp="1"/>
+          </p:cNvSpPr>
+          <p:nvPr>
+            <p:ph type="subTitle" idx="1"/>
+          </p:nvPr>
+        </p:nvSpPr>
+        <p:spPr>
+          <a:xfrm>
+            <a:off x="457200" y="3308350"/>
+            <a:ext cx="8228013" cy="1066800"/>
+          </a:xfrm>
+        </p:spPr>
+        <p:txBody>
+          <a:bodyPr rtlCol="0">
+            <a:noAutofit/>
+          </a:bodyPr>
+          <a:lstStyle/>
+          <a:p>
+            <a:pPr fontAlgn="auto">
+              <a:spcAft>
+                <a:spcPts val="0"/>
+              </a:spcAft>
+              <a:defRPr/>
+            </a:pPr>
+            <a:r>
+              <a:rPr lang="en-US" sz="3200" dirty="0" smtClean="0">
+                <a:ea typeface="+mn-ea"/>
+              </a:rPr>
+              <a:t>Michael C. Neel</a:t>
+            </a:r>
+          </a:p>
+          <a:p>
+            <a:pPr fontAlgn="auto">
+              <a:spcAft>
+                <a:spcPts val="0"/>
+              </a:spcAft>
+              <a:defRPr/>
+            </a:pPr>
+            <a:r>
+              <a:rPr lang="en-US" sz="3200" dirty="0" smtClean="0">
+                <a:ea typeface="+mn-ea"/>
+              </a:rPr>
+              <a:t>ViNull.com</a:t>
+            </a:r>
+          </a:p>
+          <a:p>
+            <a:pPr fontAlgn="auto">
+              <a:spcAft>
+                <a:spcPts val="0"/>
+              </a:spcAft>
+              <a:defRPr/>
+            </a:pPr>
+            <a:r>
+              <a:rPr lang="en-US" sz="3200" dirty="0" smtClean="0">
+                <a:ea typeface="+mn-ea"/>
+              </a:rPr>
+              <a:t>michael.neel@gmail.com</a:t>
+            </a:r>
+            <a:endParaRPr lang="en-US" sz="3200" dirty="0">
+              <a:ea typeface="+mn-ea"/>
+            </a:endParaRPr>
+          </a:p>
+        </p:txBody>
+      </p:sp>
+      <p:pic>
+        <p:nvPicPr>
+          <p:cNvPr id="10243" name="Picture 6" descr="devlink2012logo.jpg"/>
+          <p:cNvPicPr>
+            <a:picLocks noChangeAspect="1"/>
+          </p:cNvPicPr>
+          <p:nvPr/>
+        </p:nvPicPr>
+        <p:blipFill>
+          <a:blip r:embed="rId2" cstate="print">
+            <a:extLst>
+              <a:ext uri="{28A0092B-C50C-407E-A947-70E740481C1C}">
+                <a14:useLocalDpi xmlns:a14="http://schemas.microsoft.com/office/drawing/2010/main" val="0"/>
+              </a:ext>
+            </a:extLst>
+          </a:blip>
+          <a:srcRect/>
+          <a:stretch>
+            <a:fillRect/>
+          </a:stretch>
+        </p:blipFill>
+        <p:spPr bwMode="auto">
+          <a:xfrm>
+            <a:off x="6627813" y="5816600"/>
+            <a:ext cx="2433637" cy="904875"/>
+          </a:xfrm>
+          <a:prstGeom prst="rect">
+            <a:avLst/>
+          </a:prstGeom>
+          <a:noFill/>
+          <a:ln>
+            <a:noFill/>
+          </a:ln>
+          <a:extLst>
+            <a:ext uri="{909E8E84-426E-40DD-AFC4-6F175D3DCCD1}">
+              <a14:hiddenFill xmlns:a14="http://schemas.microsoft.com/office/drawing/2010/main">
                 <a:solidFill>
-                  <a:schemeClr val="accent1">
-                    <a:tint val="3000"/>
-                    <a:alpha val="95000"/>
-                  </a:schemeClr>
+                  <a:srgbClr val="FFFFFF"/>
                 </a:solidFill>
-                <a:effectLst>
-                  <a:innerShdw blurRad="50900" dist="38500" dir="13500000">
-                    <a:srgbClr val="000000">
-                      <a:alpha val="60000"/>
-                    </a:srgbClr>
-                  </a:innerShdw>
-                  <a:reflection blurRad="6350" stA="60000" endA="900" endPos="58000" dir="5400000" sy="-100000" algn="bl" rotWithShape="0"/>
-                </a:effectLst>
-              </a:rPr>
-              <a:t>Invaders</a:t>
-            </a:r>
-          </a:p>
-          <a:p>
-            <a:pPr algn="ctr"/>
-            <a:r>
-              <a:rPr lang="en-US" sz="8800" b="1" spc="50" dirty="0" smtClean="0">
-                <a:ln w="13500">
-                  <a:solidFill>
-                    <a:schemeClr val="accent1">
-                      <a:shade val="2500"/>
-                      <a:alpha val="6500"/>
-                    </a:schemeClr>
-                  </a:solidFill>
-                  <a:prstDash val="solid"/>
-                </a:ln>
+              </a14:hiddenFill>
+            </a:ext>
+            <a:ext uri="{91240B29-F687-4F45-9708-019B960494DF}">
+              <a14:hiddenLine xmlns:a14="http://schemas.microsoft.com/office/drawing/2010/main" w="9525">
                 <a:solidFill>
-                  <a:schemeClr val="accent1">
-                    <a:tint val="3000"/>
-                    <a:alpha val="95000"/>
-                  </a:schemeClr>
+                  <a:srgbClr val="000000"/>
                 </a:solidFill>
-                <a:effectLst>
-                  <a:innerShdw blurRad="50900" dist="38500" dir="13500000">
-                    <a:srgbClr val="000000">
-                      <a:alpha val="60000"/>
-                    </a:srgbClr>
-                  </a:innerShdw>
-                  <a:reflection blurRad="6350" stA="60000" endA="900" endPos="58000" dir="5400000" sy="-100000" algn="bl" rotWithShape="0"/>
-                </a:effectLst>
-              </a:rPr>
-              <a:t>From Space!</a:t>
-            </a:r>
-            <a:endParaRPr lang="en-US" sz="8800" b="1" spc="50" dirty="0">
-              <a:ln w="13500">
-                <a:solidFill>
-                  <a:schemeClr val="accent1">
-                    <a:shade val="2500"/>
-                    <a:alpha val="6500"/>
-                  </a:schemeClr>
-                </a:solidFill>
-                <a:prstDash val="solid"/>
-              </a:ln>
-              <a:solidFill>
-                <a:schemeClr val="accent1">
-                  <a:tint val="3000"/>
-                  <a:alpha val="95000"/>
-                </a:schemeClr>
-              </a:solidFill>
-              <a:effectLst>
-                <a:innerShdw blurRad="50900" dist="38500" dir="13500000">
-                  <a:srgbClr val="000000">
-                    <a:alpha val="60000"/>
-                  </a:srgbClr>
-                </a:innerShdw>
-                <a:reflection blurRad="6350" stA="60000" endA="900" endPos="58000" dir="5400000" sy="-100000" algn="bl" rotWithShape="0"/>
-              </a:effectLst>
-            </a:endParaRPr>
-          </a:p>
-        </p:txBody>
-      </p:sp>
+                <a:miter lim="800000"/>
+                <a:headEnd/>
+                <a:tailEnd/>
+              </a14:hiddenLine>
+            </a:ext>
+          </a:extLst>
+        </p:spPr>
+      </p:pic>
     </p:spTree>
+    <p:extLst>
+      <p:ext uri="{BB962C8B-B14F-4D97-AF65-F5344CB8AC3E}">
+        <p14:creationId xmlns:p14="http://schemas.microsoft.com/office/powerpoint/2010/main" val="693247000"/>
+      </p:ext>
+    </p:extLst>
   </p:cSld>
   <p:clrMapOvr>
     <a:masterClrMapping/>
   </p:clrMapOvr>
+  <p:timing>
+    <p:tnLst>
+      <p:par>
+        <p:cTn id="1" dur="indefinite" restart="never" nodeType="tmRoot"/>
+      </p:par>
+    </p:tnLst>
+  </p:timing>
 </p:sld>
 </file>
 
@@ -4163,6 +10070,258 @@
 </file>
 
 <file path=ppt/theme/theme2.xml><?xml version="1.0" encoding="utf-8"?>
+<a:theme xmlns:a="http://schemas.openxmlformats.org/drawingml/2006/main" name="devlinkTitleSlide">
+  <a:themeElements>
+    <a:clrScheme name="Genesis">
+      <a:dk1>
+        <a:sysClr val="windowText" lastClr="000000"/>
+      </a:dk1>
+      <a:lt1>
+        <a:sysClr val="window" lastClr="FFFFFF"/>
+      </a:lt1>
+      <a:dk2>
+        <a:srgbClr val="465466"/>
+      </a:dk2>
+      <a:lt2>
+        <a:srgbClr val="BBD7F8"/>
+      </a:lt2>
+      <a:accent1>
+        <a:srgbClr val="80B606"/>
+      </a:accent1>
+      <a:accent2>
+        <a:srgbClr val="E29F1D"/>
+      </a:accent2>
+      <a:accent3>
+        <a:srgbClr val="2397E2"/>
+      </a:accent3>
+      <a:accent4>
+        <a:srgbClr val="35ACA2"/>
+      </a:accent4>
+      <a:accent5>
+        <a:srgbClr val="5430BB"/>
+      </a:accent5>
+      <a:accent6>
+        <a:srgbClr val="8D34E0"/>
+      </a:accent6>
+      <a:hlink>
+        <a:srgbClr val="00B0F0"/>
+      </a:hlink>
+      <a:folHlink>
+        <a:srgbClr val="0070C0"/>
+      </a:folHlink>
+    </a:clrScheme>
+    <a:fontScheme name="Genesis">
+      <a:majorFont>
+        <a:latin typeface="Calisto MT"/>
+        <a:ea typeface=""/>
+        <a:cs typeface=""/>
+        <a:font script="Jpan" typeface="ＭＳ 明朝"/>
+        <a:font script="Hans" typeface="宋体"/>
+        <a:font script="Hant" typeface="新細明體"/>
+      </a:majorFont>
+      <a:minorFont>
+        <a:latin typeface="Calisto MT"/>
+        <a:ea typeface=""/>
+        <a:cs typeface=""/>
+        <a:font script="Jpan" typeface="ＭＳ 明朝"/>
+        <a:font script="Hans" typeface="宋体"/>
+        <a:font script="Hant" typeface="新細明體"/>
+      </a:minorFont>
+    </a:fontScheme>
+    <a:fmtScheme name="Genesis">
+      <a:fillStyleLst>
+        <a:solidFill>
+          <a:schemeClr val="phClr"/>
+        </a:solidFill>
+        <a:gradFill rotWithShape="1">
+          <a:gsLst>
+            <a:gs pos="0">
+              <a:schemeClr val="phClr">
+                <a:tint val="100000"/>
+                <a:shade val="70000"/>
+                <a:satMod val="100000"/>
+                <a:greenMod val="110000"/>
+              </a:schemeClr>
+            </a:gs>
+            <a:gs pos="75000">
+              <a:schemeClr val="phClr">
+                <a:tint val="40000"/>
+                <a:satMod val="150000"/>
+                <a:redMod val="100000"/>
+                <a:blueMod val="100000"/>
+              </a:schemeClr>
+            </a:gs>
+            <a:gs pos="100000">
+              <a:schemeClr val="phClr">
+                <a:tint val="60000"/>
+                <a:satMod val="120000"/>
+                <a:redMod val="100000"/>
+                <a:blueMod val="100000"/>
+              </a:schemeClr>
+            </a:gs>
+          </a:gsLst>
+          <a:path path="circle">
+            <a:fillToRect l="25000" t="25000" r="5000" b="5000"/>
+          </a:path>
+        </a:gradFill>
+        <a:gradFill rotWithShape="1">
+          <a:gsLst>
+            <a:gs pos="0">
+              <a:schemeClr val="phClr">
+                <a:tint val="50000"/>
+                <a:shade val="100000"/>
+                <a:alpha val="100000"/>
+                <a:satMod val="150000"/>
+              </a:schemeClr>
+            </a:gs>
+            <a:gs pos="40000">
+              <a:schemeClr val="phClr">
+                <a:tint val="70000"/>
+                <a:shade val="100000"/>
+                <a:alpha val="100000"/>
+                <a:satMod val="150000"/>
+              </a:schemeClr>
+            </a:gs>
+            <a:gs pos="100000">
+              <a:schemeClr val="phClr">
+                <a:shade val="90000"/>
+                <a:satMod val="110000"/>
+              </a:schemeClr>
+            </a:gs>
+          </a:gsLst>
+          <a:lin ang="5400000" scaled="0"/>
+        </a:gradFill>
+      </a:fillStyleLst>
+      <a:lnStyleLst>
+        <a:ln w="12700" cap="flat" cmpd="sng" algn="ctr">
+          <a:solidFill>
+            <a:schemeClr val="phClr">
+              <a:shade val="95000"/>
+              <a:satMod val="105000"/>
+            </a:schemeClr>
+          </a:solidFill>
+          <a:prstDash val="solid"/>
+        </a:ln>
+        <a:ln w="31750" cap="flat" cmpd="sng" algn="ctr">
+          <a:solidFill>
+            <a:schemeClr val="phClr"/>
+          </a:solidFill>
+          <a:prstDash val="solid"/>
+        </a:ln>
+        <a:ln w="31750" cap="flat" cmpd="sng" algn="ctr">
+          <a:solidFill>
+            <a:schemeClr val="phClr"/>
+          </a:solidFill>
+          <a:prstDash val="solid"/>
+        </a:ln>
+      </a:lnStyleLst>
+      <a:effectStyleLst>
+        <a:effectStyle>
+          <a:effectLst/>
+        </a:effectStyle>
+        <a:effectStyle>
+          <a:effectLst>
+            <a:outerShdw blurRad="88900" dist="50800" dir="11400000" sx="102000" sy="101000" algn="tl" rotWithShape="0">
+              <a:srgbClr val="000000">
+                <a:alpha val="35000"/>
+              </a:srgbClr>
+            </a:outerShdw>
+          </a:effectLst>
+          <a:scene3d>
+            <a:camera prst="perspectiveFront" fov="4800000"/>
+            <a:lightRig rig="morning" dir="tl"/>
+          </a:scene3d>
+          <a:sp3d prstMaterial="softmetal">
+            <a:bevelT w="0" h="0"/>
+          </a:sp3d>
+        </a:effectStyle>
+        <a:effectStyle>
+          <a:effectLst>
+            <a:innerShdw blurRad="50800" dist="25400" dir="13500000">
+              <a:srgbClr val="000000">
+                <a:alpha val="75000"/>
+              </a:srgbClr>
+            </a:innerShdw>
+            <a:reflection blurRad="101600" stA="40000" endPos="50000" dist="63500" dir="5400000" fadeDir="7200000" sy="-100000" kx="300000" rotWithShape="0"/>
+          </a:effectLst>
+          <a:scene3d>
+            <a:camera prst="orthographicFront">
+              <a:rot lat="0" lon="0" rev="0"/>
+            </a:camera>
+            <a:lightRig rig="chilly" dir="tr">
+              <a:rot lat="0" lon="0" rev="1200000"/>
+            </a:lightRig>
+          </a:scene3d>
+          <a:sp3d prstMaterial="plastic">
+            <a:bevelT w="0" h="0"/>
+          </a:sp3d>
+        </a:effectStyle>
+      </a:effectStyleLst>
+      <a:bgFillStyleLst>
+        <a:blipFill rotWithShape="1">
+          <a:blip xmlns:r="http://schemas.openxmlformats.org/officeDocument/2006/relationships" r:embed="rId1"/>
+          <a:stretch/>
+        </a:blipFill>
+        <a:blipFill rotWithShape="1">
+          <a:blip xmlns:r="http://schemas.openxmlformats.org/officeDocument/2006/relationships" r:embed="rId2"/>
+          <a:stretch/>
+        </a:blipFill>
+        <a:blipFill rotWithShape="1">
+          <a:blip xmlns:r="http://schemas.openxmlformats.org/officeDocument/2006/relationships" r:embed="rId3"/>
+          <a:stretch/>
+        </a:blipFill>
+      </a:bgFillStyleLst>
+    </a:fmtScheme>
+  </a:themeElements>
+  <a:objectDefaults>
+    <a:spDef>
+      <a:spPr/>
+      <a:bodyPr rtlCol="0" anchor="ctr"/>
+      <a:lstStyle>
+        <a:defPPr algn="ctr">
+          <a:defRPr/>
+        </a:defPPr>
+      </a:lstStyle>
+      <a:style>
+        <a:lnRef idx="1">
+          <a:schemeClr val="accent1"/>
+        </a:lnRef>
+        <a:fillRef idx="3">
+          <a:schemeClr val="accent1"/>
+        </a:fillRef>
+        <a:effectRef idx="2">
+          <a:schemeClr val="accent1"/>
+        </a:effectRef>
+        <a:fontRef idx="minor">
+          <a:schemeClr val="lt1"/>
+        </a:fontRef>
+      </a:style>
+    </a:spDef>
+    <a:lnDef>
+      <a:spPr/>
+      <a:bodyPr/>
+      <a:lstStyle/>
+      <a:style>
+        <a:lnRef idx="2">
+          <a:schemeClr val="accent1"/>
+        </a:lnRef>
+        <a:fillRef idx="0">
+          <a:schemeClr val="accent1"/>
+        </a:fillRef>
+        <a:effectRef idx="1">
+          <a:schemeClr val="accent1"/>
+        </a:effectRef>
+        <a:fontRef idx="minor">
+          <a:schemeClr val="tx1"/>
+        </a:fontRef>
+      </a:style>
+    </a:lnDef>
+  </a:objectDefaults>
+  <a:extraClrSchemeLst/>
+</a:theme>
+</file>
+
+<file path=ppt/theme/theme3.xml><?xml version="1.0" encoding="utf-8"?>
 <a:theme xmlns:a="http://schemas.openxmlformats.org/drawingml/2006/main" name="Office Theme">
   <a:themeElements>
     <a:clrScheme name="Office">
